--- a/figures/fmm-diagram.pptx
+++ b/figures/fmm-diagram.pptx
@@ -2,12 +2,12 @@
 <file path=ppt/presentation.xml><?xml version="1.0" encoding="utf-8"?>
 <p:presentation xmlns:a="http://schemas.openxmlformats.org/drawingml/2006/main" xmlns:r="http://schemas.openxmlformats.org/officeDocument/2006/relationships" xmlns:p="http://schemas.openxmlformats.org/presentationml/2006/main" saveSubsetFonts="1" autoCompressPictures="0">
   <p:sldMasterIdLst>
-    <p:sldMasterId id="2147483672" r:id="rId1"/>
+    <p:sldMasterId id="2147483684" r:id="rId1"/>
   </p:sldMasterIdLst>
   <p:sldIdLst>
     <p:sldId id="259" r:id="rId2"/>
   </p:sldIdLst>
-  <p:sldSz cx="18000663" cy="6858000"/>
+  <p:sldSz cx="18000663" cy="7920038"/>
   <p:notesSz cx="6858000" cy="9144000"/>
   <p:defaultTextStyle>
     <a:defPPr>
@@ -141,15 +141,15 @@
         </p:nvSpPr>
         <p:spPr>
           <a:xfrm>
-            <a:off x="2250083" y="1122363"/>
-            <a:ext cx="13500497" cy="2387600"/>
+            <a:off x="2250083" y="1296173"/>
+            <a:ext cx="13500497" cy="2757347"/>
           </a:xfrm>
         </p:spPr>
         <p:txBody>
           <a:bodyPr anchor="b"/>
           <a:lstStyle>
             <a:lvl1pPr algn="ctr">
-              <a:defRPr sz="6000"/>
+              <a:defRPr sz="6929"/>
             </a:lvl1pPr>
           </a:lstStyle>
           <a:p>
@@ -173,8 +173,8 @@
         </p:nvSpPr>
         <p:spPr>
           <a:xfrm>
-            <a:off x="2250083" y="3602038"/>
-            <a:ext cx="13500497" cy="1655762"/>
+            <a:off x="2250083" y="4159854"/>
+            <a:ext cx="13500497" cy="1912175"/>
           </a:xfrm>
         </p:spPr>
         <p:txBody>
@@ -182,39 +182,39 @@
           <a:lstStyle>
             <a:lvl1pPr marL="0" indent="0" algn="ctr">
               <a:buNone/>
-              <a:defRPr sz="2400"/>
+              <a:defRPr sz="2772"/>
             </a:lvl1pPr>
-            <a:lvl2pPr marL="457200" indent="0" algn="ctr">
-              <a:buNone/>
-              <a:defRPr sz="2000"/>
+            <a:lvl2pPr marL="528020" indent="0" algn="ctr">
+              <a:buNone/>
+              <a:defRPr sz="2310"/>
             </a:lvl2pPr>
-            <a:lvl3pPr marL="914400" indent="0" algn="ctr">
-              <a:buNone/>
-              <a:defRPr sz="1800"/>
+            <a:lvl3pPr marL="1056041" indent="0" algn="ctr">
+              <a:buNone/>
+              <a:defRPr sz="2079"/>
             </a:lvl3pPr>
-            <a:lvl4pPr marL="1371600" indent="0" algn="ctr">
-              <a:buNone/>
-              <a:defRPr sz="1600"/>
+            <a:lvl4pPr marL="1584061" indent="0" algn="ctr">
+              <a:buNone/>
+              <a:defRPr sz="1848"/>
             </a:lvl4pPr>
-            <a:lvl5pPr marL="1828800" indent="0" algn="ctr">
-              <a:buNone/>
-              <a:defRPr sz="1600"/>
+            <a:lvl5pPr marL="2112081" indent="0" algn="ctr">
+              <a:buNone/>
+              <a:defRPr sz="1848"/>
             </a:lvl5pPr>
-            <a:lvl6pPr marL="2286000" indent="0" algn="ctr">
-              <a:buNone/>
-              <a:defRPr sz="1600"/>
+            <a:lvl6pPr marL="2640101" indent="0" algn="ctr">
+              <a:buNone/>
+              <a:defRPr sz="1848"/>
             </a:lvl6pPr>
-            <a:lvl7pPr marL="2743200" indent="0" algn="ctr">
-              <a:buNone/>
-              <a:defRPr sz="1600"/>
+            <a:lvl7pPr marL="3168122" indent="0" algn="ctr">
+              <a:buNone/>
+              <a:defRPr sz="1848"/>
             </a:lvl7pPr>
-            <a:lvl8pPr marL="3200400" indent="0" algn="ctr">
-              <a:buNone/>
-              <a:defRPr sz="1600"/>
+            <a:lvl8pPr marL="3696142" indent="0" algn="ctr">
+              <a:buNone/>
+              <a:defRPr sz="1848"/>
             </a:lvl8pPr>
-            <a:lvl9pPr marL="3657600" indent="0" algn="ctr">
-              <a:buNone/>
-              <a:defRPr sz="1600"/>
+            <a:lvl9pPr marL="4224162" indent="0" algn="ctr">
+              <a:buNone/>
+              <a:defRPr sz="1848"/>
             </a:lvl9pPr>
           </a:lstStyle>
           <a:p>
@@ -294,7 +294,7 @@
     </p:spTree>
     <p:extLst>
       <p:ext uri="{BB962C8B-B14F-4D97-AF65-F5344CB8AC3E}">
-        <p14:creationId xmlns:p14="http://schemas.microsoft.com/office/powerpoint/2010/main" val="1506429725"/>
+        <p14:creationId xmlns:p14="http://schemas.microsoft.com/office/powerpoint/2010/main" val="550557975"/>
       </p:ext>
     </p:extLst>
   </p:cSld>
@@ -464,7 +464,7 @@
     </p:spTree>
     <p:extLst>
       <p:ext uri="{BB962C8B-B14F-4D97-AF65-F5344CB8AC3E}">
-        <p14:creationId xmlns:p14="http://schemas.microsoft.com/office/powerpoint/2010/main" val="3979404556"/>
+        <p14:creationId xmlns:p14="http://schemas.microsoft.com/office/powerpoint/2010/main" val="3588224004"/>
       </p:ext>
     </p:extLst>
   </p:cSld>
@@ -503,8 +503,8 @@
         </p:nvSpPr>
         <p:spPr>
           <a:xfrm>
-            <a:off x="12881724" y="365125"/>
-            <a:ext cx="3881393" cy="5811838"/>
+            <a:off x="12881724" y="421669"/>
+            <a:ext cx="3881393" cy="6711866"/>
           </a:xfrm>
         </p:spPr>
         <p:txBody>
@@ -531,8 +531,8 @@
         </p:nvSpPr>
         <p:spPr>
           <a:xfrm>
-            <a:off x="1237545" y="365125"/>
-            <a:ext cx="11419171" cy="5811838"/>
+            <a:off x="1237545" y="421669"/>
+            <a:ext cx="11419171" cy="6711866"/>
           </a:xfrm>
         </p:spPr>
         <p:txBody>
@@ -644,7 +644,7 @@
     </p:spTree>
     <p:extLst>
       <p:ext uri="{BB962C8B-B14F-4D97-AF65-F5344CB8AC3E}">
-        <p14:creationId xmlns:p14="http://schemas.microsoft.com/office/powerpoint/2010/main" val="2480828506"/>
+        <p14:creationId xmlns:p14="http://schemas.microsoft.com/office/powerpoint/2010/main" val="3008967617"/>
       </p:ext>
     </p:extLst>
   </p:cSld>
@@ -814,7 +814,7 @@
     </p:spTree>
     <p:extLst>
       <p:ext uri="{BB962C8B-B14F-4D97-AF65-F5344CB8AC3E}">
-        <p14:creationId xmlns:p14="http://schemas.microsoft.com/office/powerpoint/2010/main" val="4168582067"/>
+        <p14:creationId xmlns:p14="http://schemas.microsoft.com/office/powerpoint/2010/main" val="2477220400"/>
       </p:ext>
     </p:extLst>
   </p:cSld>
@@ -853,15 +853,15 @@
         </p:nvSpPr>
         <p:spPr>
           <a:xfrm>
-            <a:off x="1228170" y="1709739"/>
-            <a:ext cx="15525572" cy="2852737"/>
+            <a:off x="1228170" y="1974511"/>
+            <a:ext cx="15525572" cy="3294515"/>
           </a:xfrm>
         </p:spPr>
         <p:txBody>
           <a:bodyPr anchor="b"/>
           <a:lstStyle>
             <a:lvl1pPr>
-              <a:defRPr sz="6000"/>
+              <a:defRPr sz="6929"/>
             </a:lvl1pPr>
           </a:lstStyle>
           <a:p>
@@ -885,8 +885,8 @@
         </p:nvSpPr>
         <p:spPr>
           <a:xfrm>
-            <a:off x="1228170" y="4589464"/>
-            <a:ext cx="15525572" cy="1500187"/>
+            <a:off x="1228170" y="5300193"/>
+            <a:ext cx="15525572" cy="1732508"/>
           </a:xfrm>
         </p:spPr>
         <p:txBody>
@@ -894,7 +894,7 @@
           <a:lstStyle>
             <a:lvl1pPr marL="0" indent="0">
               <a:buNone/>
-              <a:defRPr sz="2400">
+              <a:defRPr sz="2772">
                 <a:solidFill>
                   <a:schemeClr val="tx1">
                     <a:tint val="75000"/>
@@ -902,9 +902,9 @@
                 </a:solidFill>
               </a:defRPr>
             </a:lvl1pPr>
-            <a:lvl2pPr marL="457200" indent="0">
-              <a:buNone/>
-              <a:defRPr sz="2000">
+            <a:lvl2pPr marL="528020" indent="0">
+              <a:buNone/>
+              <a:defRPr sz="2310">
                 <a:solidFill>
                   <a:schemeClr val="tx1">
                     <a:tint val="75000"/>
@@ -912,9 +912,9 @@
                 </a:solidFill>
               </a:defRPr>
             </a:lvl2pPr>
-            <a:lvl3pPr marL="914400" indent="0">
-              <a:buNone/>
-              <a:defRPr sz="1800">
+            <a:lvl3pPr marL="1056041" indent="0">
+              <a:buNone/>
+              <a:defRPr sz="2079">
                 <a:solidFill>
                   <a:schemeClr val="tx1">
                     <a:tint val="75000"/>
@@ -922,9 +922,9 @@
                 </a:solidFill>
               </a:defRPr>
             </a:lvl3pPr>
-            <a:lvl4pPr marL="1371600" indent="0">
-              <a:buNone/>
-              <a:defRPr sz="1600">
+            <a:lvl4pPr marL="1584061" indent="0">
+              <a:buNone/>
+              <a:defRPr sz="1848">
                 <a:solidFill>
                   <a:schemeClr val="tx1">
                     <a:tint val="75000"/>
@@ -932,9 +932,9 @@
                 </a:solidFill>
               </a:defRPr>
             </a:lvl4pPr>
-            <a:lvl5pPr marL="1828800" indent="0">
-              <a:buNone/>
-              <a:defRPr sz="1600">
+            <a:lvl5pPr marL="2112081" indent="0">
+              <a:buNone/>
+              <a:defRPr sz="1848">
                 <a:solidFill>
                   <a:schemeClr val="tx1">
                     <a:tint val="75000"/>
@@ -942,9 +942,9 @@
                 </a:solidFill>
               </a:defRPr>
             </a:lvl5pPr>
-            <a:lvl6pPr marL="2286000" indent="0">
-              <a:buNone/>
-              <a:defRPr sz="1600">
+            <a:lvl6pPr marL="2640101" indent="0">
+              <a:buNone/>
+              <a:defRPr sz="1848">
                 <a:solidFill>
                   <a:schemeClr val="tx1">
                     <a:tint val="75000"/>
@@ -952,9 +952,9 @@
                 </a:solidFill>
               </a:defRPr>
             </a:lvl6pPr>
-            <a:lvl7pPr marL="2743200" indent="0">
-              <a:buNone/>
-              <a:defRPr sz="1600">
+            <a:lvl7pPr marL="3168122" indent="0">
+              <a:buNone/>
+              <a:defRPr sz="1848">
                 <a:solidFill>
                   <a:schemeClr val="tx1">
                     <a:tint val="75000"/>
@@ -962,9 +962,9 @@
                 </a:solidFill>
               </a:defRPr>
             </a:lvl7pPr>
-            <a:lvl8pPr marL="3200400" indent="0">
-              <a:buNone/>
-              <a:defRPr sz="1600">
+            <a:lvl8pPr marL="3696142" indent="0">
+              <a:buNone/>
+              <a:defRPr sz="1848">
                 <a:solidFill>
                   <a:schemeClr val="tx1">
                     <a:tint val="75000"/>
@@ -972,9 +972,9 @@
                 </a:solidFill>
               </a:defRPr>
             </a:lvl8pPr>
-            <a:lvl9pPr marL="3657600" indent="0">
-              <a:buNone/>
-              <a:defRPr sz="1600">
+            <a:lvl9pPr marL="4224162" indent="0">
+              <a:buNone/>
+              <a:defRPr sz="1848">
                 <a:solidFill>
                   <a:schemeClr val="tx1">
                     <a:tint val="75000"/>
@@ -1060,7 +1060,7 @@
     </p:spTree>
     <p:extLst>
       <p:ext uri="{BB962C8B-B14F-4D97-AF65-F5344CB8AC3E}">
-        <p14:creationId xmlns:p14="http://schemas.microsoft.com/office/powerpoint/2010/main" val="4233114862"/>
+        <p14:creationId xmlns:p14="http://schemas.microsoft.com/office/powerpoint/2010/main" val="3154873486"/>
       </p:ext>
     </p:extLst>
   </p:cSld>
@@ -1122,8 +1122,8 @@
         </p:nvSpPr>
         <p:spPr>
           <a:xfrm>
-            <a:off x="1237545" y="1825625"/>
-            <a:ext cx="7650282" cy="4351338"/>
+            <a:off x="1237545" y="2108344"/>
+            <a:ext cx="7650282" cy="5025191"/>
           </a:xfrm>
         </p:spPr>
         <p:txBody>
@@ -1179,8 +1179,8 @@
         </p:nvSpPr>
         <p:spPr>
           <a:xfrm>
-            <a:off x="9112836" y="1825625"/>
-            <a:ext cx="7650282" cy="4351338"/>
+            <a:off x="9112836" y="2108344"/>
+            <a:ext cx="7650282" cy="5025191"/>
           </a:xfrm>
         </p:spPr>
         <p:txBody>
@@ -1292,7 +1292,7 @@
     </p:spTree>
     <p:extLst>
       <p:ext uri="{BB962C8B-B14F-4D97-AF65-F5344CB8AC3E}">
-        <p14:creationId xmlns:p14="http://schemas.microsoft.com/office/powerpoint/2010/main" val="4041260249"/>
+        <p14:creationId xmlns:p14="http://schemas.microsoft.com/office/powerpoint/2010/main" val="192877135"/>
       </p:ext>
     </p:extLst>
   </p:cSld>
@@ -1331,8 +1331,8 @@
         </p:nvSpPr>
         <p:spPr>
           <a:xfrm>
-            <a:off x="1239890" y="365126"/>
-            <a:ext cx="15525572" cy="1325563"/>
+            <a:off x="1239890" y="421669"/>
+            <a:ext cx="15525572" cy="1530841"/>
           </a:xfrm>
         </p:spPr>
         <p:txBody>
@@ -1359,8 +1359,8 @@
         </p:nvSpPr>
         <p:spPr>
           <a:xfrm>
-            <a:off x="1239891" y="1681163"/>
-            <a:ext cx="7615123" cy="823912"/>
+            <a:off x="1239891" y="1941510"/>
+            <a:ext cx="7615123" cy="951504"/>
           </a:xfrm>
         </p:spPr>
         <p:txBody>
@@ -1368,39 +1368,39 @@
           <a:lstStyle>
             <a:lvl1pPr marL="0" indent="0">
               <a:buNone/>
-              <a:defRPr sz="2400" b="1"/>
+              <a:defRPr sz="2772" b="1"/>
             </a:lvl1pPr>
-            <a:lvl2pPr marL="457200" indent="0">
-              <a:buNone/>
-              <a:defRPr sz="2000" b="1"/>
+            <a:lvl2pPr marL="528020" indent="0">
+              <a:buNone/>
+              <a:defRPr sz="2310" b="1"/>
             </a:lvl2pPr>
-            <a:lvl3pPr marL="914400" indent="0">
-              <a:buNone/>
-              <a:defRPr sz="1800" b="1"/>
+            <a:lvl3pPr marL="1056041" indent="0">
+              <a:buNone/>
+              <a:defRPr sz="2079" b="1"/>
             </a:lvl3pPr>
-            <a:lvl4pPr marL="1371600" indent="0">
-              <a:buNone/>
-              <a:defRPr sz="1600" b="1"/>
+            <a:lvl4pPr marL="1584061" indent="0">
+              <a:buNone/>
+              <a:defRPr sz="1848" b="1"/>
             </a:lvl4pPr>
-            <a:lvl5pPr marL="1828800" indent="0">
-              <a:buNone/>
-              <a:defRPr sz="1600" b="1"/>
+            <a:lvl5pPr marL="2112081" indent="0">
+              <a:buNone/>
+              <a:defRPr sz="1848" b="1"/>
             </a:lvl5pPr>
-            <a:lvl6pPr marL="2286000" indent="0">
-              <a:buNone/>
-              <a:defRPr sz="1600" b="1"/>
+            <a:lvl6pPr marL="2640101" indent="0">
+              <a:buNone/>
+              <a:defRPr sz="1848" b="1"/>
             </a:lvl6pPr>
-            <a:lvl7pPr marL="2743200" indent="0">
-              <a:buNone/>
-              <a:defRPr sz="1600" b="1"/>
+            <a:lvl7pPr marL="3168122" indent="0">
+              <a:buNone/>
+              <a:defRPr sz="1848" b="1"/>
             </a:lvl7pPr>
-            <a:lvl8pPr marL="3200400" indent="0">
-              <a:buNone/>
-              <a:defRPr sz="1600" b="1"/>
+            <a:lvl8pPr marL="3696142" indent="0">
+              <a:buNone/>
+              <a:defRPr sz="1848" b="1"/>
             </a:lvl8pPr>
-            <a:lvl9pPr marL="3657600" indent="0">
-              <a:buNone/>
-              <a:defRPr sz="1600" b="1"/>
+            <a:lvl9pPr marL="4224162" indent="0">
+              <a:buNone/>
+              <a:defRPr sz="1848" b="1"/>
             </a:lvl9pPr>
           </a:lstStyle>
           <a:p>
@@ -1424,8 +1424,8 @@
         </p:nvSpPr>
         <p:spPr>
           <a:xfrm>
-            <a:off x="1239891" y="2505075"/>
-            <a:ext cx="7615123" cy="3684588"/>
+            <a:off x="1239891" y="2893014"/>
+            <a:ext cx="7615123" cy="4255188"/>
           </a:xfrm>
         </p:spPr>
         <p:txBody>
@@ -1481,8 +1481,8 @@
         </p:nvSpPr>
         <p:spPr>
           <a:xfrm>
-            <a:off x="9112836" y="1681163"/>
-            <a:ext cx="7652626" cy="823912"/>
+            <a:off x="9112836" y="1941510"/>
+            <a:ext cx="7652626" cy="951504"/>
           </a:xfrm>
         </p:spPr>
         <p:txBody>
@@ -1490,39 +1490,39 @@
           <a:lstStyle>
             <a:lvl1pPr marL="0" indent="0">
               <a:buNone/>
-              <a:defRPr sz="2400" b="1"/>
+              <a:defRPr sz="2772" b="1"/>
             </a:lvl1pPr>
-            <a:lvl2pPr marL="457200" indent="0">
-              <a:buNone/>
-              <a:defRPr sz="2000" b="1"/>
+            <a:lvl2pPr marL="528020" indent="0">
+              <a:buNone/>
+              <a:defRPr sz="2310" b="1"/>
             </a:lvl2pPr>
-            <a:lvl3pPr marL="914400" indent="0">
-              <a:buNone/>
-              <a:defRPr sz="1800" b="1"/>
+            <a:lvl3pPr marL="1056041" indent="0">
+              <a:buNone/>
+              <a:defRPr sz="2079" b="1"/>
             </a:lvl3pPr>
-            <a:lvl4pPr marL="1371600" indent="0">
-              <a:buNone/>
-              <a:defRPr sz="1600" b="1"/>
+            <a:lvl4pPr marL="1584061" indent="0">
+              <a:buNone/>
+              <a:defRPr sz="1848" b="1"/>
             </a:lvl4pPr>
-            <a:lvl5pPr marL="1828800" indent="0">
-              <a:buNone/>
-              <a:defRPr sz="1600" b="1"/>
+            <a:lvl5pPr marL="2112081" indent="0">
+              <a:buNone/>
+              <a:defRPr sz="1848" b="1"/>
             </a:lvl5pPr>
-            <a:lvl6pPr marL="2286000" indent="0">
-              <a:buNone/>
-              <a:defRPr sz="1600" b="1"/>
+            <a:lvl6pPr marL="2640101" indent="0">
+              <a:buNone/>
+              <a:defRPr sz="1848" b="1"/>
             </a:lvl6pPr>
-            <a:lvl7pPr marL="2743200" indent="0">
-              <a:buNone/>
-              <a:defRPr sz="1600" b="1"/>
+            <a:lvl7pPr marL="3168122" indent="0">
+              <a:buNone/>
+              <a:defRPr sz="1848" b="1"/>
             </a:lvl7pPr>
-            <a:lvl8pPr marL="3200400" indent="0">
-              <a:buNone/>
-              <a:defRPr sz="1600" b="1"/>
+            <a:lvl8pPr marL="3696142" indent="0">
+              <a:buNone/>
+              <a:defRPr sz="1848" b="1"/>
             </a:lvl8pPr>
-            <a:lvl9pPr marL="3657600" indent="0">
-              <a:buNone/>
-              <a:defRPr sz="1600" b="1"/>
+            <a:lvl9pPr marL="4224162" indent="0">
+              <a:buNone/>
+              <a:defRPr sz="1848" b="1"/>
             </a:lvl9pPr>
           </a:lstStyle>
           <a:p>
@@ -1546,8 +1546,8 @@
         </p:nvSpPr>
         <p:spPr>
           <a:xfrm>
-            <a:off x="9112836" y="2505075"/>
-            <a:ext cx="7652626" cy="3684588"/>
+            <a:off x="9112836" y="2893014"/>
+            <a:ext cx="7652626" cy="4255188"/>
           </a:xfrm>
         </p:spPr>
         <p:txBody>
@@ -1659,7 +1659,7 @@
     </p:spTree>
     <p:extLst>
       <p:ext uri="{BB962C8B-B14F-4D97-AF65-F5344CB8AC3E}">
-        <p14:creationId xmlns:p14="http://schemas.microsoft.com/office/powerpoint/2010/main" val="2610364349"/>
+        <p14:creationId xmlns:p14="http://schemas.microsoft.com/office/powerpoint/2010/main" val="2292345214"/>
       </p:ext>
     </p:extLst>
   </p:cSld>
@@ -1777,7 +1777,7 @@
     </p:spTree>
     <p:extLst>
       <p:ext uri="{BB962C8B-B14F-4D97-AF65-F5344CB8AC3E}">
-        <p14:creationId xmlns:p14="http://schemas.microsoft.com/office/powerpoint/2010/main" val="89307799"/>
+        <p14:creationId xmlns:p14="http://schemas.microsoft.com/office/powerpoint/2010/main" val="1762810182"/>
       </p:ext>
     </p:extLst>
   </p:cSld>
@@ -1872,7 +1872,7 @@
     </p:spTree>
     <p:extLst>
       <p:ext uri="{BB962C8B-B14F-4D97-AF65-F5344CB8AC3E}">
-        <p14:creationId xmlns:p14="http://schemas.microsoft.com/office/powerpoint/2010/main" val="4201994519"/>
+        <p14:creationId xmlns:p14="http://schemas.microsoft.com/office/powerpoint/2010/main" val="3152304294"/>
       </p:ext>
     </p:extLst>
   </p:cSld>
@@ -1911,15 +1911,15 @@
         </p:nvSpPr>
         <p:spPr>
           <a:xfrm>
-            <a:off x="1239891" y="457200"/>
-            <a:ext cx="5805682" cy="1600200"/>
+            <a:off x="1239891" y="528002"/>
+            <a:ext cx="5805682" cy="1848009"/>
           </a:xfrm>
         </p:spPr>
         <p:txBody>
           <a:bodyPr anchor="b"/>
           <a:lstStyle>
             <a:lvl1pPr>
-              <a:defRPr sz="3200"/>
+              <a:defRPr sz="3696"/>
             </a:lvl1pPr>
           </a:lstStyle>
           <a:p>
@@ -1943,39 +1943,39 @@
         </p:nvSpPr>
         <p:spPr>
           <a:xfrm>
-            <a:off x="7652626" y="987426"/>
-            <a:ext cx="9112836" cy="4873625"/>
+            <a:off x="7652626" y="1140340"/>
+            <a:ext cx="9112836" cy="5628360"/>
           </a:xfrm>
         </p:spPr>
         <p:txBody>
           <a:bodyPr/>
           <a:lstStyle>
             <a:lvl1pPr>
-              <a:defRPr sz="3200"/>
+              <a:defRPr sz="3696"/>
             </a:lvl1pPr>
             <a:lvl2pPr>
-              <a:defRPr sz="2800"/>
+              <a:defRPr sz="3234"/>
             </a:lvl2pPr>
             <a:lvl3pPr>
-              <a:defRPr sz="2400"/>
+              <a:defRPr sz="2772"/>
             </a:lvl3pPr>
             <a:lvl4pPr>
-              <a:defRPr sz="2000"/>
+              <a:defRPr sz="2310"/>
             </a:lvl4pPr>
             <a:lvl5pPr>
-              <a:defRPr sz="2000"/>
+              <a:defRPr sz="2310"/>
             </a:lvl5pPr>
             <a:lvl6pPr>
-              <a:defRPr sz="2000"/>
+              <a:defRPr sz="2310"/>
             </a:lvl6pPr>
             <a:lvl7pPr>
-              <a:defRPr sz="2000"/>
+              <a:defRPr sz="2310"/>
             </a:lvl7pPr>
             <a:lvl8pPr>
-              <a:defRPr sz="2000"/>
+              <a:defRPr sz="2310"/>
             </a:lvl8pPr>
             <a:lvl9pPr>
-              <a:defRPr sz="2000"/>
+              <a:defRPr sz="2310"/>
             </a:lvl9pPr>
           </a:lstStyle>
           <a:p>
@@ -2028,8 +2028,8 @@
         </p:nvSpPr>
         <p:spPr>
           <a:xfrm>
-            <a:off x="1239891" y="2057400"/>
-            <a:ext cx="5805682" cy="3811588"/>
+            <a:off x="1239891" y="2376011"/>
+            <a:ext cx="5805682" cy="4401855"/>
           </a:xfrm>
         </p:spPr>
         <p:txBody>
@@ -2037,39 +2037,39 @@
           <a:lstStyle>
             <a:lvl1pPr marL="0" indent="0">
               <a:buNone/>
-              <a:defRPr sz="1600"/>
+              <a:defRPr sz="1848"/>
             </a:lvl1pPr>
-            <a:lvl2pPr marL="457200" indent="0">
-              <a:buNone/>
-              <a:defRPr sz="1400"/>
+            <a:lvl2pPr marL="528020" indent="0">
+              <a:buNone/>
+              <a:defRPr sz="1617"/>
             </a:lvl2pPr>
-            <a:lvl3pPr marL="914400" indent="0">
-              <a:buNone/>
-              <a:defRPr sz="1200"/>
+            <a:lvl3pPr marL="1056041" indent="0">
+              <a:buNone/>
+              <a:defRPr sz="1386"/>
             </a:lvl3pPr>
-            <a:lvl4pPr marL="1371600" indent="0">
-              <a:buNone/>
-              <a:defRPr sz="1000"/>
+            <a:lvl4pPr marL="1584061" indent="0">
+              <a:buNone/>
+              <a:defRPr sz="1155"/>
             </a:lvl4pPr>
-            <a:lvl5pPr marL="1828800" indent="0">
-              <a:buNone/>
-              <a:defRPr sz="1000"/>
+            <a:lvl5pPr marL="2112081" indent="0">
+              <a:buNone/>
+              <a:defRPr sz="1155"/>
             </a:lvl5pPr>
-            <a:lvl6pPr marL="2286000" indent="0">
-              <a:buNone/>
-              <a:defRPr sz="1000"/>
+            <a:lvl6pPr marL="2640101" indent="0">
+              <a:buNone/>
+              <a:defRPr sz="1155"/>
             </a:lvl6pPr>
-            <a:lvl7pPr marL="2743200" indent="0">
-              <a:buNone/>
-              <a:defRPr sz="1000"/>
+            <a:lvl7pPr marL="3168122" indent="0">
+              <a:buNone/>
+              <a:defRPr sz="1155"/>
             </a:lvl7pPr>
-            <a:lvl8pPr marL="3200400" indent="0">
-              <a:buNone/>
-              <a:defRPr sz="1000"/>
+            <a:lvl8pPr marL="3696142" indent="0">
+              <a:buNone/>
+              <a:defRPr sz="1155"/>
             </a:lvl8pPr>
-            <a:lvl9pPr marL="3657600" indent="0">
-              <a:buNone/>
-              <a:defRPr sz="1000"/>
+            <a:lvl9pPr marL="4224162" indent="0">
+              <a:buNone/>
+              <a:defRPr sz="1155"/>
             </a:lvl9pPr>
           </a:lstStyle>
           <a:p>
@@ -2149,7 +2149,7 @@
     </p:spTree>
     <p:extLst>
       <p:ext uri="{BB962C8B-B14F-4D97-AF65-F5344CB8AC3E}">
-        <p14:creationId xmlns:p14="http://schemas.microsoft.com/office/powerpoint/2010/main" val="1148794896"/>
+        <p14:creationId xmlns:p14="http://schemas.microsoft.com/office/powerpoint/2010/main" val="1580367120"/>
       </p:ext>
     </p:extLst>
   </p:cSld>
@@ -2188,15 +2188,15 @@
         </p:nvSpPr>
         <p:spPr>
           <a:xfrm>
-            <a:off x="1239891" y="457200"/>
-            <a:ext cx="5805682" cy="1600200"/>
+            <a:off x="1239891" y="528002"/>
+            <a:ext cx="5805682" cy="1848009"/>
           </a:xfrm>
         </p:spPr>
         <p:txBody>
           <a:bodyPr anchor="b"/>
           <a:lstStyle>
             <a:lvl1pPr>
-              <a:defRPr sz="3200"/>
+              <a:defRPr sz="3696"/>
             </a:lvl1pPr>
           </a:lstStyle>
           <a:p>
@@ -2220,8 +2220,8 @@
         </p:nvSpPr>
         <p:spPr>
           <a:xfrm>
-            <a:off x="7652626" y="987426"/>
-            <a:ext cx="9112836" cy="4873625"/>
+            <a:off x="7652626" y="1140340"/>
+            <a:ext cx="9112836" cy="5628360"/>
           </a:xfrm>
         </p:spPr>
         <p:txBody>
@@ -2229,39 +2229,39 @@
           <a:lstStyle>
             <a:lvl1pPr marL="0" indent="0">
               <a:buNone/>
-              <a:defRPr sz="3200"/>
+              <a:defRPr sz="3696"/>
             </a:lvl1pPr>
-            <a:lvl2pPr marL="457200" indent="0">
-              <a:buNone/>
-              <a:defRPr sz="2800"/>
+            <a:lvl2pPr marL="528020" indent="0">
+              <a:buNone/>
+              <a:defRPr sz="3234"/>
             </a:lvl2pPr>
-            <a:lvl3pPr marL="914400" indent="0">
-              <a:buNone/>
-              <a:defRPr sz="2400"/>
+            <a:lvl3pPr marL="1056041" indent="0">
+              <a:buNone/>
+              <a:defRPr sz="2772"/>
             </a:lvl3pPr>
-            <a:lvl4pPr marL="1371600" indent="0">
-              <a:buNone/>
-              <a:defRPr sz="2000"/>
+            <a:lvl4pPr marL="1584061" indent="0">
+              <a:buNone/>
+              <a:defRPr sz="2310"/>
             </a:lvl4pPr>
-            <a:lvl5pPr marL="1828800" indent="0">
-              <a:buNone/>
-              <a:defRPr sz="2000"/>
+            <a:lvl5pPr marL="2112081" indent="0">
+              <a:buNone/>
+              <a:defRPr sz="2310"/>
             </a:lvl5pPr>
-            <a:lvl6pPr marL="2286000" indent="0">
-              <a:buNone/>
-              <a:defRPr sz="2000"/>
+            <a:lvl6pPr marL="2640101" indent="0">
+              <a:buNone/>
+              <a:defRPr sz="2310"/>
             </a:lvl6pPr>
-            <a:lvl7pPr marL="2743200" indent="0">
-              <a:buNone/>
-              <a:defRPr sz="2000"/>
+            <a:lvl7pPr marL="3168122" indent="0">
+              <a:buNone/>
+              <a:defRPr sz="2310"/>
             </a:lvl7pPr>
-            <a:lvl8pPr marL="3200400" indent="0">
-              <a:buNone/>
-              <a:defRPr sz="2000"/>
+            <a:lvl8pPr marL="3696142" indent="0">
+              <a:buNone/>
+              <a:defRPr sz="2310"/>
             </a:lvl8pPr>
-            <a:lvl9pPr marL="3657600" indent="0">
-              <a:buNone/>
-              <a:defRPr sz="2000"/>
+            <a:lvl9pPr marL="4224162" indent="0">
+              <a:buNone/>
+              <a:defRPr sz="2310"/>
             </a:lvl9pPr>
           </a:lstStyle>
           <a:p>
@@ -2285,8 +2285,8 @@
         </p:nvSpPr>
         <p:spPr>
           <a:xfrm>
-            <a:off x="1239891" y="2057400"/>
-            <a:ext cx="5805682" cy="3811588"/>
+            <a:off x="1239891" y="2376011"/>
+            <a:ext cx="5805682" cy="4401855"/>
           </a:xfrm>
         </p:spPr>
         <p:txBody>
@@ -2294,39 +2294,39 @@
           <a:lstStyle>
             <a:lvl1pPr marL="0" indent="0">
               <a:buNone/>
-              <a:defRPr sz="1600"/>
+              <a:defRPr sz="1848"/>
             </a:lvl1pPr>
-            <a:lvl2pPr marL="457200" indent="0">
-              <a:buNone/>
-              <a:defRPr sz="1400"/>
+            <a:lvl2pPr marL="528020" indent="0">
+              <a:buNone/>
+              <a:defRPr sz="1617"/>
             </a:lvl2pPr>
-            <a:lvl3pPr marL="914400" indent="0">
-              <a:buNone/>
-              <a:defRPr sz="1200"/>
+            <a:lvl3pPr marL="1056041" indent="0">
+              <a:buNone/>
+              <a:defRPr sz="1386"/>
             </a:lvl3pPr>
-            <a:lvl4pPr marL="1371600" indent="0">
-              <a:buNone/>
-              <a:defRPr sz="1000"/>
+            <a:lvl4pPr marL="1584061" indent="0">
+              <a:buNone/>
+              <a:defRPr sz="1155"/>
             </a:lvl4pPr>
-            <a:lvl5pPr marL="1828800" indent="0">
-              <a:buNone/>
-              <a:defRPr sz="1000"/>
+            <a:lvl5pPr marL="2112081" indent="0">
+              <a:buNone/>
+              <a:defRPr sz="1155"/>
             </a:lvl5pPr>
-            <a:lvl6pPr marL="2286000" indent="0">
-              <a:buNone/>
-              <a:defRPr sz="1000"/>
+            <a:lvl6pPr marL="2640101" indent="0">
+              <a:buNone/>
+              <a:defRPr sz="1155"/>
             </a:lvl6pPr>
-            <a:lvl7pPr marL="2743200" indent="0">
-              <a:buNone/>
-              <a:defRPr sz="1000"/>
+            <a:lvl7pPr marL="3168122" indent="0">
+              <a:buNone/>
+              <a:defRPr sz="1155"/>
             </a:lvl7pPr>
-            <a:lvl8pPr marL="3200400" indent="0">
-              <a:buNone/>
-              <a:defRPr sz="1000"/>
+            <a:lvl8pPr marL="3696142" indent="0">
+              <a:buNone/>
+              <a:defRPr sz="1155"/>
             </a:lvl8pPr>
-            <a:lvl9pPr marL="3657600" indent="0">
-              <a:buNone/>
-              <a:defRPr sz="1000"/>
+            <a:lvl9pPr marL="4224162" indent="0">
+              <a:buNone/>
+              <a:defRPr sz="1155"/>
             </a:lvl9pPr>
           </a:lstStyle>
           <a:p>
@@ -2406,7 +2406,7 @@
     </p:spTree>
     <p:extLst>
       <p:ext uri="{BB962C8B-B14F-4D97-AF65-F5344CB8AC3E}">
-        <p14:creationId xmlns:p14="http://schemas.microsoft.com/office/powerpoint/2010/main" val="1380480017"/>
+        <p14:creationId xmlns:p14="http://schemas.microsoft.com/office/powerpoint/2010/main" val="2161289000"/>
       </p:ext>
     </p:extLst>
   </p:cSld>
@@ -2450,8 +2450,8 @@
         </p:nvSpPr>
         <p:spPr>
           <a:xfrm>
-            <a:off x="1237546" y="365126"/>
-            <a:ext cx="15525572" cy="1325563"/>
+            <a:off x="1237546" y="421669"/>
+            <a:ext cx="15525572" cy="1530841"/>
           </a:xfrm>
           <a:prstGeom prst="rect">
             <a:avLst/>
@@ -2483,8 +2483,8 @@
         </p:nvSpPr>
         <p:spPr>
           <a:xfrm>
-            <a:off x="1237546" y="1825625"/>
-            <a:ext cx="15525572" cy="4351338"/>
+            <a:off x="1237546" y="2108344"/>
+            <a:ext cx="15525572" cy="5025191"/>
           </a:xfrm>
           <a:prstGeom prst="rect">
             <a:avLst/>
@@ -2545,8 +2545,8 @@
         </p:nvSpPr>
         <p:spPr>
           <a:xfrm>
-            <a:off x="1237546" y="6356351"/>
-            <a:ext cx="4050149" cy="365125"/>
+            <a:off x="1237546" y="7340702"/>
+            <a:ext cx="4050149" cy="421669"/>
           </a:xfrm>
           <a:prstGeom prst="rect">
             <a:avLst/>
@@ -2556,7 +2556,7 @@
           <a:bodyPr vert="horz" lIns="91440" tIns="45720" rIns="91440" bIns="45720" rtlCol="0" anchor="ctr"/>
           <a:lstStyle>
             <a:lvl1pPr algn="l">
-              <a:defRPr sz="1200">
+              <a:defRPr sz="1386">
                 <a:solidFill>
                   <a:schemeClr val="tx1">
                     <a:tint val="75000"/>
@@ -2586,8 +2586,8 @@
         </p:nvSpPr>
         <p:spPr>
           <a:xfrm>
-            <a:off x="5962720" y="6356351"/>
-            <a:ext cx="6075224" cy="365125"/>
+            <a:off x="5962720" y="7340702"/>
+            <a:ext cx="6075224" cy="421669"/>
           </a:xfrm>
           <a:prstGeom prst="rect">
             <a:avLst/>
@@ -2597,7 +2597,7 @@
           <a:bodyPr vert="horz" lIns="91440" tIns="45720" rIns="91440" bIns="45720" rtlCol="0" anchor="ctr"/>
           <a:lstStyle>
             <a:lvl1pPr algn="ctr">
-              <a:defRPr sz="1200">
+              <a:defRPr sz="1386">
                 <a:solidFill>
                   <a:schemeClr val="tx1">
                     <a:tint val="75000"/>
@@ -2623,8 +2623,8 @@
         </p:nvSpPr>
         <p:spPr>
           <a:xfrm>
-            <a:off x="12712968" y="6356351"/>
-            <a:ext cx="4050149" cy="365125"/>
+            <a:off x="12712968" y="7340702"/>
+            <a:ext cx="4050149" cy="421669"/>
           </a:xfrm>
           <a:prstGeom prst="rect">
             <a:avLst/>
@@ -2634,7 +2634,7 @@
           <a:bodyPr vert="horz" lIns="91440" tIns="45720" rIns="91440" bIns="45720" rtlCol="0" anchor="ctr"/>
           <a:lstStyle>
             <a:lvl1pPr algn="r">
-              <a:defRPr sz="1200">
+              <a:defRPr sz="1386">
                 <a:solidFill>
                   <a:schemeClr val="tx1">
                     <a:tint val="75000"/>
@@ -2655,27 +2655,27 @@
     </p:spTree>
     <p:extLst>
       <p:ext uri="{BB962C8B-B14F-4D97-AF65-F5344CB8AC3E}">
-        <p14:creationId xmlns:p14="http://schemas.microsoft.com/office/powerpoint/2010/main" val="262998206"/>
+        <p14:creationId xmlns:p14="http://schemas.microsoft.com/office/powerpoint/2010/main" val="3838262072"/>
       </p:ext>
     </p:extLst>
   </p:cSld>
   <p:clrMap bg1="lt1" tx1="dk1" bg2="lt2" tx2="dk2" accent1="accent1" accent2="accent2" accent3="accent3" accent4="accent4" accent5="accent5" accent6="accent6" hlink="hlink" folHlink="folHlink"/>
   <p:sldLayoutIdLst>
-    <p:sldLayoutId id="2147483673" r:id="rId1"/>
-    <p:sldLayoutId id="2147483674" r:id="rId2"/>
-    <p:sldLayoutId id="2147483675" r:id="rId3"/>
-    <p:sldLayoutId id="2147483676" r:id="rId4"/>
-    <p:sldLayoutId id="2147483677" r:id="rId5"/>
-    <p:sldLayoutId id="2147483678" r:id="rId6"/>
-    <p:sldLayoutId id="2147483679" r:id="rId7"/>
-    <p:sldLayoutId id="2147483680" r:id="rId8"/>
-    <p:sldLayoutId id="2147483681" r:id="rId9"/>
-    <p:sldLayoutId id="2147483682" r:id="rId10"/>
-    <p:sldLayoutId id="2147483683" r:id="rId11"/>
+    <p:sldLayoutId id="2147483685" r:id="rId1"/>
+    <p:sldLayoutId id="2147483686" r:id="rId2"/>
+    <p:sldLayoutId id="2147483687" r:id="rId3"/>
+    <p:sldLayoutId id="2147483688" r:id="rId4"/>
+    <p:sldLayoutId id="2147483689" r:id="rId5"/>
+    <p:sldLayoutId id="2147483690" r:id="rId6"/>
+    <p:sldLayoutId id="2147483691" r:id="rId7"/>
+    <p:sldLayoutId id="2147483692" r:id="rId8"/>
+    <p:sldLayoutId id="2147483693" r:id="rId9"/>
+    <p:sldLayoutId id="2147483694" r:id="rId10"/>
+    <p:sldLayoutId id="2147483695" r:id="rId11"/>
   </p:sldLayoutIdLst>
   <p:txStyles>
     <p:titleStyle>
-      <a:lvl1pPr algn="l" defTabSz="914400" rtl="0" eaLnBrk="1" latinLnBrk="0" hangingPunct="1">
+      <a:lvl1pPr algn="l" defTabSz="1056041" rtl="0" eaLnBrk="1" latinLnBrk="0" hangingPunct="1">
         <a:lnSpc>
           <a:spcPct val="90000"/>
         </a:lnSpc>
@@ -2683,7 +2683,7 @@
           <a:spcPct val="0"/>
         </a:spcBef>
         <a:buNone/>
-        <a:defRPr sz="4400" kern="1200">
+        <a:defRPr sz="5082" kern="1200">
           <a:solidFill>
             <a:schemeClr val="tx1"/>
           </a:solidFill>
@@ -2694,16 +2694,16 @@
       </a:lvl1pPr>
     </p:titleStyle>
     <p:bodyStyle>
-      <a:lvl1pPr marL="228600" indent="-228600" algn="l" defTabSz="914400" rtl="0" eaLnBrk="1" latinLnBrk="0" hangingPunct="1">
+      <a:lvl1pPr marL="264010" indent="-264010" algn="l" defTabSz="1056041" rtl="0" eaLnBrk="1" latinLnBrk="0" hangingPunct="1">
         <a:lnSpc>
           <a:spcPct val="90000"/>
         </a:lnSpc>
         <a:spcBef>
-          <a:spcPts val="1000"/>
+          <a:spcPts val="1155"/>
         </a:spcBef>
         <a:buFont typeface="Arial" panose="020B0604020202020204" pitchFamily="34" charset="0"/>
         <a:buChar char="•"/>
-        <a:defRPr sz="2800" kern="1200">
+        <a:defRPr sz="3234" kern="1200">
           <a:solidFill>
             <a:schemeClr val="tx1"/>
           </a:solidFill>
@@ -2712,16 +2712,16 @@
           <a:cs typeface="+mn-cs"/>
         </a:defRPr>
       </a:lvl1pPr>
-      <a:lvl2pPr marL="685800" indent="-228600" algn="l" defTabSz="914400" rtl="0" eaLnBrk="1" latinLnBrk="0" hangingPunct="1">
+      <a:lvl2pPr marL="792030" indent="-264010" algn="l" defTabSz="1056041" rtl="0" eaLnBrk="1" latinLnBrk="0" hangingPunct="1">
         <a:lnSpc>
           <a:spcPct val="90000"/>
         </a:lnSpc>
         <a:spcBef>
-          <a:spcPts val="500"/>
+          <a:spcPts val="577"/>
         </a:spcBef>
         <a:buFont typeface="Arial" panose="020B0604020202020204" pitchFamily="34" charset="0"/>
         <a:buChar char="•"/>
-        <a:defRPr sz="2400" kern="1200">
+        <a:defRPr sz="2772" kern="1200">
           <a:solidFill>
             <a:schemeClr val="tx1"/>
           </a:solidFill>
@@ -2730,16 +2730,16 @@
           <a:cs typeface="+mn-cs"/>
         </a:defRPr>
       </a:lvl2pPr>
-      <a:lvl3pPr marL="1143000" indent="-228600" algn="l" defTabSz="914400" rtl="0" eaLnBrk="1" latinLnBrk="0" hangingPunct="1">
+      <a:lvl3pPr marL="1320051" indent="-264010" algn="l" defTabSz="1056041" rtl="0" eaLnBrk="1" latinLnBrk="0" hangingPunct="1">
         <a:lnSpc>
           <a:spcPct val="90000"/>
         </a:lnSpc>
         <a:spcBef>
-          <a:spcPts val="500"/>
+          <a:spcPts val="577"/>
         </a:spcBef>
         <a:buFont typeface="Arial" panose="020B0604020202020204" pitchFamily="34" charset="0"/>
         <a:buChar char="•"/>
-        <a:defRPr sz="2000" kern="1200">
+        <a:defRPr sz="2310" kern="1200">
           <a:solidFill>
             <a:schemeClr val="tx1"/>
           </a:solidFill>
@@ -2748,16 +2748,16 @@
           <a:cs typeface="+mn-cs"/>
         </a:defRPr>
       </a:lvl3pPr>
-      <a:lvl4pPr marL="1600200" indent="-228600" algn="l" defTabSz="914400" rtl="0" eaLnBrk="1" latinLnBrk="0" hangingPunct="1">
+      <a:lvl4pPr marL="1848071" indent="-264010" algn="l" defTabSz="1056041" rtl="0" eaLnBrk="1" latinLnBrk="0" hangingPunct="1">
         <a:lnSpc>
           <a:spcPct val="90000"/>
         </a:lnSpc>
         <a:spcBef>
-          <a:spcPts val="500"/>
+          <a:spcPts val="577"/>
         </a:spcBef>
         <a:buFont typeface="Arial" panose="020B0604020202020204" pitchFamily="34" charset="0"/>
         <a:buChar char="•"/>
-        <a:defRPr sz="1800" kern="1200">
+        <a:defRPr sz="2079" kern="1200">
           <a:solidFill>
             <a:schemeClr val="tx1"/>
           </a:solidFill>
@@ -2766,16 +2766,16 @@
           <a:cs typeface="+mn-cs"/>
         </a:defRPr>
       </a:lvl4pPr>
-      <a:lvl5pPr marL="2057400" indent="-228600" algn="l" defTabSz="914400" rtl="0" eaLnBrk="1" latinLnBrk="0" hangingPunct="1">
+      <a:lvl5pPr marL="2376091" indent="-264010" algn="l" defTabSz="1056041" rtl="0" eaLnBrk="1" latinLnBrk="0" hangingPunct="1">
         <a:lnSpc>
           <a:spcPct val="90000"/>
         </a:lnSpc>
         <a:spcBef>
-          <a:spcPts val="500"/>
+          <a:spcPts val="577"/>
         </a:spcBef>
         <a:buFont typeface="Arial" panose="020B0604020202020204" pitchFamily="34" charset="0"/>
         <a:buChar char="•"/>
-        <a:defRPr sz="1800" kern="1200">
+        <a:defRPr sz="2079" kern="1200">
           <a:solidFill>
             <a:schemeClr val="tx1"/>
           </a:solidFill>
@@ -2784,16 +2784,16 @@
           <a:cs typeface="+mn-cs"/>
         </a:defRPr>
       </a:lvl5pPr>
-      <a:lvl6pPr marL="2514600" indent="-228600" algn="l" defTabSz="914400" rtl="0" eaLnBrk="1" latinLnBrk="0" hangingPunct="1">
+      <a:lvl6pPr marL="2904112" indent="-264010" algn="l" defTabSz="1056041" rtl="0" eaLnBrk="1" latinLnBrk="0" hangingPunct="1">
         <a:lnSpc>
           <a:spcPct val="90000"/>
         </a:lnSpc>
         <a:spcBef>
-          <a:spcPts val="500"/>
+          <a:spcPts val="577"/>
         </a:spcBef>
         <a:buFont typeface="Arial" panose="020B0604020202020204" pitchFamily="34" charset="0"/>
         <a:buChar char="•"/>
-        <a:defRPr sz="1800" kern="1200">
+        <a:defRPr sz="2079" kern="1200">
           <a:solidFill>
             <a:schemeClr val="tx1"/>
           </a:solidFill>
@@ -2802,16 +2802,16 @@
           <a:cs typeface="+mn-cs"/>
         </a:defRPr>
       </a:lvl6pPr>
-      <a:lvl7pPr marL="2971800" indent="-228600" algn="l" defTabSz="914400" rtl="0" eaLnBrk="1" latinLnBrk="0" hangingPunct="1">
+      <a:lvl7pPr marL="3432132" indent="-264010" algn="l" defTabSz="1056041" rtl="0" eaLnBrk="1" latinLnBrk="0" hangingPunct="1">
         <a:lnSpc>
           <a:spcPct val="90000"/>
         </a:lnSpc>
         <a:spcBef>
-          <a:spcPts val="500"/>
+          <a:spcPts val="577"/>
         </a:spcBef>
         <a:buFont typeface="Arial" panose="020B0604020202020204" pitchFamily="34" charset="0"/>
         <a:buChar char="•"/>
-        <a:defRPr sz="1800" kern="1200">
+        <a:defRPr sz="2079" kern="1200">
           <a:solidFill>
             <a:schemeClr val="tx1"/>
           </a:solidFill>
@@ -2820,16 +2820,16 @@
           <a:cs typeface="+mn-cs"/>
         </a:defRPr>
       </a:lvl7pPr>
-      <a:lvl8pPr marL="3429000" indent="-228600" algn="l" defTabSz="914400" rtl="0" eaLnBrk="1" latinLnBrk="0" hangingPunct="1">
+      <a:lvl8pPr marL="3960152" indent="-264010" algn="l" defTabSz="1056041" rtl="0" eaLnBrk="1" latinLnBrk="0" hangingPunct="1">
         <a:lnSpc>
           <a:spcPct val="90000"/>
         </a:lnSpc>
         <a:spcBef>
-          <a:spcPts val="500"/>
+          <a:spcPts val="577"/>
         </a:spcBef>
         <a:buFont typeface="Arial" panose="020B0604020202020204" pitchFamily="34" charset="0"/>
         <a:buChar char="•"/>
-        <a:defRPr sz="1800" kern="1200">
+        <a:defRPr sz="2079" kern="1200">
           <a:solidFill>
             <a:schemeClr val="tx1"/>
           </a:solidFill>
@@ -2838,16 +2838,16 @@
           <a:cs typeface="+mn-cs"/>
         </a:defRPr>
       </a:lvl8pPr>
-      <a:lvl9pPr marL="3886200" indent="-228600" algn="l" defTabSz="914400" rtl="0" eaLnBrk="1" latinLnBrk="0" hangingPunct="1">
+      <a:lvl9pPr marL="4488172" indent="-264010" algn="l" defTabSz="1056041" rtl="0" eaLnBrk="1" latinLnBrk="0" hangingPunct="1">
         <a:lnSpc>
           <a:spcPct val="90000"/>
         </a:lnSpc>
         <a:spcBef>
-          <a:spcPts val="500"/>
+          <a:spcPts val="577"/>
         </a:spcBef>
         <a:buFont typeface="Arial" panose="020B0604020202020204" pitchFamily="34" charset="0"/>
         <a:buChar char="•"/>
-        <a:defRPr sz="1800" kern="1200">
+        <a:defRPr sz="2079" kern="1200">
           <a:solidFill>
             <a:schemeClr val="tx1"/>
           </a:solidFill>
@@ -2861,8 +2861,8 @@
       <a:defPPr>
         <a:defRPr lang="en-US"/>
       </a:defPPr>
-      <a:lvl1pPr marL="0" algn="l" defTabSz="914400" rtl="0" eaLnBrk="1" latinLnBrk="0" hangingPunct="1">
-        <a:defRPr sz="1800" kern="1200">
+      <a:lvl1pPr marL="0" algn="l" defTabSz="1056041" rtl="0" eaLnBrk="1" latinLnBrk="0" hangingPunct="1">
+        <a:defRPr sz="2079" kern="1200">
           <a:solidFill>
             <a:schemeClr val="tx1"/>
           </a:solidFill>
@@ -2871,8 +2871,8 @@
           <a:cs typeface="+mn-cs"/>
         </a:defRPr>
       </a:lvl1pPr>
-      <a:lvl2pPr marL="457200" algn="l" defTabSz="914400" rtl="0" eaLnBrk="1" latinLnBrk="0" hangingPunct="1">
-        <a:defRPr sz="1800" kern="1200">
+      <a:lvl2pPr marL="528020" algn="l" defTabSz="1056041" rtl="0" eaLnBrk="1" latinLnBrk="0" hangingPunct="1">
+        <a:defRPr sz="2079" kern="1200">
           <a:solidFill>
             <a:schemeClr val="tx1"/>
           </a:solidFill>
@@ -2881,8 +2881,8 @@
           <a:cs typeface="+mn-cs"/>
         </a:defRPr>
       </a:lvl2pPr>
-      <a:lvl3pPr marL="914400" algn="l" defTabSz="914400" rtl="0" eaLnBrk="1" latinLnBrk="0" hangingPunct="1">
-        <a:defRPr sz="1800" kern="1200">
+      <a:lvl3pPr marL="1056041" algn="l" defTabSz="1056041" rtl="0" eaLnBrk="1" latinLnBrk="0" hangingPunct="1">
+        <a:defRPr sz="2079" kern="1200">
           <a:solidFill>
             <a:schemeClr val="tx1"/>
           </a:solidFill>
@@ -2891,8 +2891,8 @@
           <a:cs typeface="+mn-cs"/>
         </a:defRPr>
       </a:lvl3pPr>
-      <a:lvl4pPr marL="1371600" algn="l" defTabSz="914400" rtl="0" eaLnBrk="1" latinLnBrk="0" hangingPunct="1">
-        <a:defRPr sz="1800" kern="1200">
+      <a:lvl4pPr marL="1584061" algn="l" defTabSz="1056041" rtl="0" eaLnBrk="1" latinLnBrk="0" hangingPunct="1">
+        <a:defRPr sz="2079" kern="1200">
           <a:solidFill>
             <a:schemeClr val="tx1"/>
           </a:solidFill>
@@ -2901,8 +2901,8 @@
           <a:cs typeface="+mn-cs"/>
         </a:defRPr>
       </a:lvl4pPr>
-      <a:lvl5pPr marL="1828800" algn="l" defTabSz="914400" rtl="0" eaLnBrk="1" latinLnBrk="0" hangingPunct="1">
-        <a:defRPr sz="1800" kern="1200">
+      <a:lvl5pPr marL="2112081" algn="l" defTabSz="1056041" rtl="0" eaLnBrk="1" latinLnBrk="0" hangingPunct="1">
+        <a:defRPr sz="2079" kern="1200">
           <a:solidFill>
             <a:schemeClr val="tx1"/>
           </a:solidFill>
@@ -2911,8 +2911,8 @@
           <a:cs typeface="+mn-cs"/>
         </a:defRPr>
       </a:lvl5pPr>
-      <a:lvl6pPr marL="2286000" algn="l" defTabSz="914400" rtl="0" eaLnBrk="1" latinLnBrk="0" hangingPunct="1">
-        <a:defRPr sz="1800" kern="1200">
+      <a:lvl6pPr marL="2640101" algn="l" defTabSz="1056041" rtl="0" eaLnBrk="1" latinLnBrk="0" hangingPunct="1">
+        <a:defRPr sz="2079" kern="1200">
           <a:solidFill>
             <a:schemeClr val="tx1"/>
           </a:solidFill>
@@ -2921,8 +2921,8 @@
           <a:cs typeface="+mn-cs"/>
         </a:defRPr>
       </a:lvl6pPr>
-      <a:lvl7pPr marL="2743200" algn="l" defTabSz="914400" rtl="0" eaLnBrk="1" latinLnBrk="0" hangingPunct="1">
-        <a:defRPr sz="1800" kern="1200">
+      <a:lvl7pPr marL="3168122" algn="l" defTabSz="1056041" rtl="0" eaLnBrk="1" latinLnBrk="0" hangingPunct="1">
+        <a:defRPr sz="2079" kern="1200">
           <a:solidFill>
             <a:schemeClr val="tx1"/>
           </a:solidFill>
@@ -2931,8 +2931,8 @@
           <a:cs typeface="+mn-cs"/>
         </a:defRPr>
       </a:lvl7pPr>
-      <a:lvl8pPr marL="3200400" algn="l" defTabSz="914400" rtl="0" eaLnBrk="1" latinLnBrk="0" hangingPunct="1">
-        <a:defRPr sz="1800" kern="1200">
+      <a:lvl8pPr marL="3696142" algn="l" defTabSz="1056041" rtl="0" eaLnBrk="1" latinLnBrk="0" hangingPunct="1">
+        <a:defRPr sz="2079" kern="1200">
           <a:solidFill>
             <a:schemeClr val="tx1"/>
           </a:solidFill>
@@ -2941,8 +2941,8 @@
           <a:cs typeface="+mn-cs"/>
         </a:defRPr>
       </a:lvl8pPr>
-      <a:lvl9pPr marL="3657600" algn="l" defTabSz="914400" rtl="0" eaLnBrk="1" latinLnBrk="0" hangingPunct="1">
-        <a:defRPr sz="1800" kern="1200">
+      <a:lvl9pPr marL="4224162" algn="l" defTabSz="1056041" rtl="0" eaLnBrk="1" latinLnBrk="0" hangingPunct="1">
+        <a:defRPr sz="2079" kern="1200">
           <a:solidFill>
             <a:schemeClr val="tx1"/>
           </a:solidFill>
@@ -2975,10 +2975,10 @@
       </p:grpSpPr>
       <p:pic>
         <p:nvPicPr>
-          <p:cNvPr id="44" name="Picture 43">
-            <a:extLst>
-              <a:ext uri="{FF2B5EF4-FFF2-40B4-BE49-F238E27FC236}">
-                <a16:creationId xmlns:a16="http://schemas.microsoft.com/office/drawing/2014/main" id="{8CFFE07C-3AA1-E761-8AFB-09195406D6AB}"/>
+          <p:cNvPr id="92" name="Picture 91">
+            <a:extLst>
+              <a:ext uri="{FF2B5EF4-FFF2-40B4-BE49-F238E27FC236}">
+                <a16:creationId xmlns:a16="http://schemas.microsoft.com/office/drawing/2014/main" id="{1F1FB8CC-86E6-1AA8-0637-9E118FA8582A}"/>
               </a:ext>
             </a:extLst>
           </p:cNvPr>
@@ -2995,8 +2995,8 @@
         </p:blipFill>
         <p:spPr>
           <a:xfrm>
-            <a:off x="15331070" y="282127"/>
-            <a:ext cx="2083818" cy="2083818"/>
+            <a:off x="12148989" y="456994"/>
+            <a:ext cx="2082838" cy="2082838"/>
           </a:xfrm>
           <a:prstGeom prst="rect">
             <a:avLst/>
@@ -3005,10 +3005,10 @@
       </p:pic>
       <p:pic>
         <p:nvPicPr>
-          <p:cNvPr id="51" name="Picture 50">
-            <a:extLst>
-              <a:ext uri="{FF2B5EF4-FFF2-40B4-BE49-F238E27FC236}">
-                <a16:creationId xmlns:a16="http://schemas.microsoft.com/office/drawing/2014/main" id="{0D90282C-7DEF-083D-BB27-7521F4BEC39E}"/>
+          <p:cNvPr id="44" name="Picture 43">
+            <a:extLst>
+              <a:ext uri="{FF2B5EF4-FFF2-40B4-BE49-F238E27FC236}">
+                <a16:creationId xmlns:a16="http://schemas.microsoft.com/office/drawing/2014/main" id="{8CFFE07C-3AA1-E761-8AFB-09195406D6AB}"/>
               </a:ext>
             </a:extLst>
           </p:cNvPr>
@@ -3025,7 +3025,7 @@
         </p:blipFill>
         <p:spPr>
           <a:xfrm>
-            <a:off x="15319253" y="3824178"/>
+            <a:off x="15331070" y="813146"/>
             <a:ext cx="2083818" cy="2083818"/>
           </a:xfrm>
           <a:prstGeom prst="rect">
@@ -3035,10 +3035,10 @@
       </p:pic>
       <p:pic>
         <p:nvPicPr>
-          <p:cNvPr id="53" name="Picture 52">
-            <a:extLst>
-              <a:ext uri="{FF2B5EF4-FFF2-40B4-BE49-F238E27FC236}">
-                <a16:creationId xmlns:a16="http://schemas.microsoft.com/office/drawing/2014/main" id="{43D03433-F1A1-9B01-881B-F31F6A46443F}"/>
+          <p:cNvPr id="51" name="Picture 50">
+            <a:extLst>
+              <a:ext uri="{FF2B5EF4-FFF2-40B4-BE49-F238E27FC236}">
+                <a16:creationId xmlns:a16="http://schemas.microsoft.com/office/drawing/2014/main" id="{0D90282C-7DEF-083D-BB27-7521F4BEC39E}"/>
               </a:ext>
             </a:extLst>
           </p:cNvPr>
@@ -3055,7 +3055,37 @@
         </p:blipFill>
         <p:spPr>
           <a:xfrm>
-            <a:off x="15253656" y="4990687"/>
+            <a:off x="15319253" y="4355197"/>
+            <a:ext cx="2083818" cy="2083818"/>
+          </a:xfrm>
+          <a:prstGeom prst="rect">
+            <a:avLst/>
+          </a:prstGeom>
+        </p:spPr>
+      </p:pic>
+      <p:pic>
+        <p:nvPicPr>
+          <p:cNvPr id="53" name="Picture 52">
+            <a:extLst>
+              <a:ext uri="{FF2B5EF4-FFF2-40B4-BE49-F238E27FC236}">
+                <a16:creationId xmlns:a16="http://schemas.microsoft.com/office/drawing/2014/main" id="{43D03433-F1A1-9B01-881B-F31F6A46443F}"/>
+              </a:ext>
+            </a:extLst>
+          </p:cNvPr>
+          <p:cNvPicPr>
+            <a:picLocks noChangeAspect="1"/>
+          </p:cNvPicPr>
+          <p:nvPr/>
+        </p:nvPicPr>
+        <p:blipFill>
+          <a:blip r:embed="rId5"/>
+          <a:stretch>
+            <a:fillRect/>
+          </a:stretch>
+        </p:blipFill>
+        <p:spPr>
+          <a:xfrm>
+            <a:off x="15253656" y="5521706"/>
             <a:ext cx="2083818" cy="2083818"/>
           </a:xfrm>
           <a:prstGeom prst="rect">
@@ -3078,10 +3108,10 @@
           <p:nvPr/>
         </p:nvPicPr>
         <p:blipFill>
-          <a:blip r:embed="rId5">
+          <a:blip r:embed="rId6">
             <a:extLst>
               <a:ext uri="{96DAC541-7B7A-43D3-8B79-37D633B846F1}">
-                <asvg:svgBlip xmlns:asvg="http://schemas.microsoft.com/office/drawing/2016/SVG/main" r:embed="rId6"/>
+                <asvg:svgBlip xmlns:asvg="http://schemas.microsoft.com/office/drawing/2016/SVG/main" r:embed="rId7"/>
               </a:ext>
             </a:extLst>
           </a:blip>
@@ -3091,8 +3121,8 @@
         </p:blipFill>
         <p:spPr>
           <a:xfrm>
-            <a:off x="16162850" y="282127"/>
-            <a:ext cx="528562" cy="312332"/>
+            <a:off x="15822666" y="319859"/>
+            <a:ext cx="1100626" cy="650369"/>
           </a:xfrm>
           <a:prstGeom prst="rect">
             <a:avLst/>
@@ -3105,36 +3135,6 @@
             <a:extLst>
               <a:ext uri="{FF2B5EF4-FFF2-40B4-BE49-F238E27FC236}">
                 <a16:creationId xmlns:a16="http://schemas.microsoft.com/office/drawing/2014/main" id="{532409A3-0120-15B4-57C1-3DEDF37F02CF}"/>
-              </a:ext>
-            </a:extLst>
-          </p:cNvPr>
-          <p:cNvPicPr>
-            <a:picLocks noChangeAspect="1"/>
-          </p:cNvPicPr>
-          <p:nvPr/>
-        </p:nvPicPr>
-        <p:blipFill>
-          <a:blip r:embed="rId7"/>
-          <a:stretch>
-            <a:fillRect/>
-          </a:stretch>
-        </p:blipFill>
-        <p:spPr>
-          <a:xfrm>
-            <a:off x="81806" y="104112"/>
-            <a:ext cx="2083818" cy="2083818"/>
-          </a:xfrm>
-          <a:prstGeom prst="rect">
-            <a:avLst/>
-          </a:prstGeom>
-        </p:spPr>
-      </p:pic>
-      <p:pic>
-        <p:nvPicPr>
-          <p:cNvPr id="17" name="Picture 16">
-            <a:extLst>
-              <a:ext uri="{FF2B5EF4-FFF2-40B4-BE49-F238E27FC236}">
-                <a16:creationId xmlns:a16="http://schemas.microsoft.com/office/drawing/2014/main" id="{718122D5-497F-1466-A555-DB1C47455024}"/>
               </a:ext>
             </a:extLst>
           </p:cNvPr>
@@ -3151,7 +3151,7 @@
         </p:blipFill>
         <p:spPr>
           <a:xfrm>
-            <a:off x="81731" y="1068183"/>
+            <a:off x="81806" y="635131"/>
             <a:ext cx="2083818" cy="2083818"/>
           </a:xfrm>
           <a:prstGeom prst="rect">
@@ -3161,10 +3161,10 @@
       </p:pic>
       <p:pic>
         <p:nvPicPr>
-          <p:cNvPr id="85" name="Picture 84">
-            <a:extLst>
-              <a:ext uri="{FF2B5EF4-FFF2-40B4-BE49-F238E27FC236}">
-                <a16:creationId xmlns:a16="http://schemas.microsoft.com/office/drawing/2014/main" id="{D9BCB5DB-A77F-5DE5-14CA-0B8BA30150C2}"/>
+          <p:cNvPr id="17" name="Picture 16">
+            <a:extLst>
+              <a:ext uri="{FF2B5EF4-FFF2-40B4-BE49-F238E27FC236}">
+                <a16:creationId xmlns:a16="http://schemas.microsoft.com/office/drawing/2014/main" id="{718122D5-497F-1466-A555-DB1C47455024}"/>
               </a:ext>
             </a:extLst>
           </p:cNvPr>
@@ -3181,8 +3181,8 @@
         </p:blipFill>
         <p:spPr>
           <a:xfrm>
-            <a:off x="5165124" y="213764"/>
-            <a:ext cx="1993185" cy="1993185"/>
+            <a:off x="81731" y="1599202"/>
+            <a:ext cx="2083818" cy="2083818"/>
           </a:xfrm>
           <a:prstGeom prst="rect">
             <a:avLst/>
@@ -3191,10 +3191,10 @@
       </p:pic>
       <p:pic>
         <p:nvPicPr>
-          <p:cNvPr id="87" name="Picture 86">
-            <a:extLst>
-              <a:ext uri="{FF2B5EF4-FFF2-40B4-BE49-F238E27FC236}">
-                <a16:creationId xmlns:a16="http://schemas.microsoft.com/office/drawing/2014/main" id="{7816DE0F-B26D-3187-DC87-F592F2662F0E}"/>
+          <p:cNvPr id="85" name="Picture 84">
+            <a:extLst>
+              <a:ext uri="{FF2B5EF4-FFF2-40B4-BE49-F238E27FC236}">
+                <a16:creationId xmlns:a16="http://schemas.microsoft.com/office/drawing/2014/main" id="{D9BCB5DB-A77F-5DE5-14CA-0B8BA30150C2}"/>
               </a:ext>
             </a:extLst>
           </p:cNvPr>
@@ -3211,7 +3211,37 @@
         </p:blipFill>
         <p:spPr>
           <a:xfrm>
-            <a:off x="5195710" y="1324036"/>
+            <a:off x="5165125" y="744784"/>
+            <a:ext cx="1993185" cy="1993185"/>
+          </a:xfrm>
+          <a:prstGeom prst="rect">
+            <a:avLst/>
+          </a:prstGeom>
+        </p:spPr>
+      </p:pic>
+      <p:pic>
+        <p:nvPicPr>
+          <p:cNvPr id="87" name="Picture 86">
+            <a:extLst>
+              <a:ext uri="{FF2B5EF4-FFF2-40B4-BE49-F238E27FC236}">
+                <a16:creationId xmlns:a16="http://schemas.microsoft.com/office/drawing/2014/main" id="{7816DE0F-B26D-3187-DC87-F592F2662F0E}"/>
+              </a:ext>
+            </a:extLst>
+          </p:cNvPr>
+          <p:cNvPicPr>
+            <a:picLocks noChangeAspect="1"/>
+          </p:cNvPicPr>
+          <p:nvPr/>
+        </p:nvPicPr>
+        <p:blipFill>
+          <a:blip r:embed="rId11"/>
+          <a:stretch>
+            <a:fillRect/>
+          </a:stretch>
+        </p:blipFill>
+        <p:spPr>
+          <a:xfrm>
+            <a:off x="5195711" y="1855056"/>
             <a:ext cx="1998655" cy="1998655"/>
           </a:xfrm>
           <a:prstGeom prst="rect">
@@ -3233,7 +3263,7 @@
         </p:nvSpPr>
         <p:spPr>
           <a:xfrm>
-            <a:off x="240839" y="558365"/>
+            <a:off x="240839" y="1089385"/>
             <a:ext cx="522514" cy="5928117"/>
           </a:xfrm>
           <a:prstGeom prst="leftBracket">
@@ -3278,7 +3308,7 @@
         </p:nvSpPr>
         <p:spPr>
           <a:xfrm flipH="1">
-            <a:off x="1689842" y="558359"/>
+            <a:off x="1689843" y="1089379"/>
             <a:ext cx="522513" cy="5928117"/>
           </a:xfrm>
           <a:prstGeom prst="leftBracket">
@@ -3323,7 +3353,7 @@
         </p:nvSpPr>
         <p:spPr>
           <a:xfrm>
-            <a:off x="2793320" y="590742"/>
+            <a:off x="2793320" y="1121762"/>
             <a:ext cx="522514" cy="5895735"/>
           </a:xfrm>
           <a:prstGeom prst="leftBracket">
@@ -3368,7 +3398,7 @@
         </p:nvSpPr>
         <p:spPr>
           <a:xfrm flipH="1">
-            <a:off x="4552267" y="590739"/>
+            <a:off x="4552268" y="1121758"/>
             <a:ext cx="522513" cy="5895738"/>
           </a:xfrm>
           <a:prstGeom prst="leftBracket">
@@ -3413,7 +3443,7 @@
         </p:nvSpPr>
         <p:spPr>
           <a:xfrm>
-            <a:off x="15433499" y="645167"/>
+            <a:off x="15433499" y="1176186"/>
             <a:ext cx="522514" cy="5841310"/>
           </a:xfrm>
           <a:prstGeom prst="leftBracket">
@@ -3458,7 +3488,7 @@
         </p:nvSpPr>
         <p:spPr>
           <a:xfrm flipH="1">
-            <a:off x="16872103" y="645168"/>
+            <a:off x="16872104" y="1176187"/>
             <a:ext cx="522513" cy="5841318"/>
           </a:xfrm>
           <a:prstGeom prst="leftBracket">
@@ -3503,7 +3533,7 @@
         </p:nvSpPr>
         <p:spPr>
           <a:xfrm>
-            <a:off x="1019563" y="2753993"/>
+            <a:off x="1019564" y="3285012"/>
             <a:ext cx="298751" cy="1477328"/>
           </a:xfrm>
           <a:prstGeom prst="rect">
@@ -3562,8 +3592,8 @@
         </p:nvSpPr>
         <p:spPr>
           <a:xfrm>
-            <a:off x="2079937" y="3182201"/>
-            <a:ext cx="832760" cy="553998"/>
+            <a:off x="2079937" y="3713220"/>
+            <a:ext cx="832760" cy="630942"/>
           </a:xfrm>
           <a:prstGeom prst="rect">
             <a:avLst/>
@@ -3578,7 +3608,7 @@
           <a:p>
             <a:pPr algn="ctr"/>
             <a:r>
-              <a:rPr lang="en-GB" sz="3000" b="1" i="1" dirty="0">
+              <a:rPr lang="en-GB" sz="3500" b="1" i="1" dirty="0">
                 <a:latin typeface="CMU Serif BoldItalic" panose="02000603000000000000" pitchFamily="2" charset="0"/>
                 <a:ea typeface="CMU Serif BoldItalic" panose="02000603000000000000" pitchFamily="2" charset="0"/>
                 <a:cs typeface="CMU Serif BoldItalic" panose="02000603000000000000" pitchFamily="2" charset="0"/>
@@ -3602,8 +3632,8 @@
         </p:nvSpPr>
         <p:spPr>
           <a:xfrm>
-            <a:off x="3112064" y="1021625"/>
-            <a:ext cx="616449" cy="400110"/>
+            <a:off x="3112065" y="1552645"/>
+            <a:ext cx="616449" cy="630942"/>
           </a:xfrm>
           <a:prstGeom prst="rect">
             <a:avLst/>
@@ -3618,7 +3648,7 @@
           <a:p>
             <a:pPr algn="ctr"/>
             <a:r>
-              <a:rPr lang="en-GB" sz="2000" b="1" i="1" dirty="0">
+              <a:rPr lang="en-GB" sz="3500" b="1" i="1" dirty="0">
                 <a:latin typeface="CMU Serif" panose="02000603000000000000" pitchFamily="2" charset="0"/>
                 <a:ea typeface="CMU Serif" panose="02000603000000000000" pitchFamily="2" charset="0"/>
                 <a:cs typeface="CMU Serif" panose="02000603000000000000" pitchFamily="2" charset="0"/>
@@ -3642,7 +3672,7 @@
         </p:nvSpPr>
         <p:spPr>
           <a:xfrm>
-            <a:off x="3252629" y="2808981"/>
+            <a:off x="3252629" y="3340000"/>
             <a:ext cx="163592" cy="1477328"/>
           </a:xfrm>
           <a:prstGeom prst="rect">
@@ -3701,8 +3731,8 @@
         </p:nvSpPr>
         <p:spPr>
           <a:xfrm>
-            <a:off x="3112952" y="5816361"/>
-            <a:ext cx="616449" cy="400110"/>
+            <a:off x="3112953" y="6347381"/>
+            <a:ext cx="616449" cy="630942"/>
           </a:xfrm>
           <a:prstGeom prst="rect">
             <a:avLst/>
@@ -3717,7 +3747,7 @@
           <a:p>
             <a:pPr algn="ctr"/>
             <a:r>
-              <a:rPr lang="en-GB" sz="2000" b="1" i="1" dirty="0">
+              <a:rPr lang="en-GB" sz="3500" b="1" i="1" dirty="0">
                 <a:latin typeface="CMU Serif" panose="02000603000000000000" pitchFamily="2" charset="0"/>
                 <a:ea typeface="CMU Serif" panose="02000603000000000000" pitchFamily="2" charset="0"/>
                 <a:cs typeface="CMU Serif" panose="02000603000000000000" pitchFamily="2" charset="0"/>
@@ -3741,8 +3771,8 @@
         </p:nvSpPr>
         <p:spPr>
           <a:xfrm>
-            <a:off x="4127250" y="1021625"/>
-            <a:ext cx="830738" cy="400110"/>
+            <a:off x="4048746" y="1552645"/>
+            <a:ext cx="988963" cy="630942"/>
           </a:xfrm>
           <a:prstGeom prst="rect">
             <a:avLst/>
@@ -3757,7 +3787,7 @@
           <a:p>
             <a:pPr algn="ctr"/>
             <a:r>
-              <a:rPr lang="en-GB" sz="2000" b="1" i="1" dirty="0">
+              <a:rPr lang="en-GB" sz="3500" b="1" i="1" dirty="0">
                 <a:solidFill>
                   <a:srgbClr val="8B0000"/>
                 </a:solidFill>
@@ -3784,7 +3814,7 @@
         </p:nvSpPr>
         <p:spPr>
           <a:xfrm>
-            <a:off x="4399994" y="2776602"/>
+            <a:off x="4399995" y="3307621"/>
             <a:ext cx="179265" cy="1477328"/>
           </a:xfrm>
           <a:prstGeom prst="rect">
@@ -3852,8 +3882,8 @@
         </p:nvSpPr>
         <p:spPr>
           <a:xfrm>
-            <a:off x="4122636" y="5816361"/>
-            <a:ext cx="878149" cy="400110"/>
+            <a:off x="4122637" y="6347381"/>
+            <a:ext cx="878149" cy="630942"/>
           </a:xfrm>
           <a:prstGeom prst="rect">
             <a:avLst/>
@@ -3868,7 +3898,7 @@
           <a:p>
             <a:pPr algn="ctr"/>
             <a:r>
-              <a:rPr lang="en-GB" sz="2000" b="1" i="1" dirty="0">
+              <a:rPr lang="en-GB" sz="3500" b="1" i="1" dirty="0">
                 <a:solidFill>
                   <a:srgbClr val="8B0000"/>
                 </a:solidFill>
@@ -3895,7 +3925,7 @@
         </p:nvSpPr>
         <p:spPr>
           <a:xfrm>
-            <a:off x="5340071" y="555861"/>
+            <a:off x="5340071" y="1086881"/>
             <a:ext cx="522514" cy="2530347"/>
           </a:xfrm>
           <a:prstGeom prst="leftBracket">
@@ -3940,7 +3970,7 @@
         </p:nvSpPr>
         <p:spPr>
           <a:xfrm flipH="1">
-            <a:off x="6597700" y="555861"/>
+            <a:off x="6597701" y="1086881"/>
             <a:ext cx="522513" cy="2530347"/>
           </a:xfrm>
           <a:prstGeom prst="leftBracket">
@@ -3985,8 +4015,8 @@
         </p:nvSpPr>
         <p:spPr>
           <a:xfrm>
-            <a:off x="7268614" y="3152001"/>
-            <a:ext cx="636997" cy="553998"/>
+            <a:off x="7268615" y="3683020"/>
+            <a:ext cx="636997" cy="630942"/>
           </a:xfrm>
           <a:prstGeom prst="rect">
             <a:avLst/>
@@ -4001,7 +4031,7 @@
           <a:p>
             <a:pPr algn="ctr"/>
             <a:r>
-              <a:rPr lang="en-GB" sz="3000" b="1" i="1" dirty="0">
+              <a:rPr lang="en-GB" sz="3500" b="1" i="1" dirty="0">
                 <a:latin typeface="CMU Serif BoldItalic" panose="02000603000000000000" pitchFamily="2" charset="0"/>
                 <a:ea typeface="CMU Serif BoldItalic" panose="02000603000000000000" pitchFamily="2" charset="0"/>
                 <a:cs typeface="CMU Serif BoldItalic" panose="02000603000000000000" pitchFamily="2" charset="0"/>
@@ -4025,8 +4055,8 @@
         </p:nvSpPr>
         <p:spPr>
           <a:xfrm>
-            <a:off x="2903867" y="209509"/>
-            <a:ext cx="2047832" cy="430887"/>
+            <a:off x="2959575" y="369113"/>
+            <a:ext cx="2047832" cy="707886"/>
           </a:xfrm>
           <a:prstGeom prst="rect">
             <a:avLst/>
@@ -4041,7 +4071,7 @@
           <a:p>
             <a:pPr algn="ctr"/>
             <a:r>
-              <a:rPr lang="en-GB" sz="2200" b="1" i="1" dirty="0">
+              <a:rPr lang="en-GB" sz="4000" b="1" i="1" dirty="0">
                 <a:latin typeface="CMU Serif BoldItalic" panose="02000603000000000000" pitchFamily="2" charset="0"/>
                 <a:ea typeface="CMU Serif BoldItalic" panose="02000603000000000000" pitchFamily="2" charset="0"/>
                 <a:cs typeface="CMU Serif BoldItalic" panose="02000603000000000000" pitchFamily="2" charset="0"/>
@@ -4065,8 +4095,8 @@
         </p:nvSpPr>
         <p:spPr>
           <a:xfrm>
-            <a:off x="305397" y="141758"/>
-            <a:ext cx="1719937" cy="430887"/>
+            <a:off x="438672" y="274349"/>
+            <a:ext cx="1719937" cy="784830"/>
           </a:xfrm>
           <a:prstGeom prst="rect">
             <a:avLst/>
@@ -4081,7 +4111,7 @@
           <a:p>
             <a:pPr algn="ctr"/>
             <a:r>
-              <a:rPr lang="en-GB" sz="2200" b="1" i="1" dirty="0">
+              <a:rPr lang="en-GB" sz="4500" b="1" i="1" dirty="0">
                 <a:latin typeface="CMU Serif BoldItalic" panose="02000603000000000000" pitchFamily="2" charset="0"/>
                 <a:ea typeface="CMU Serif BoldItalic" panose="02000603000000000000" pitchFamily="2" charset="0"/>
                 <a:cs typeface="CMU Serif BoldItalic" panose="02000603000000000000" pitchFamily="2" charset="0"/>
@@ -4089,7 +4119,7 @@
               <a:t>y</a:t>
             </a:r>
             <a:r>
-              <a:rPr lang="en-GB" sz="2200" i="1" dirty="0">
+              <a:rPr lang="en-GB" sz="4500" i="1" dirty="0">
                 <a:latin typeface="CMU Serif" panose="02000603000000000000" pitchFamily="2" charset="0"/>
                 <a:ea typeface="CMU Serif" panose="02000603000000000000" pitchFamily="2" charset="0"/>
                 <a:cs typeface="CMU Serif" panose="02000603000000000000" pitchFamily="2" charset="0"/>
@@ -4114,10 +4144,10 @@
           <p:nvPr/>
         </p:nvPicPr>
         <p:blipFill>
-          <a:blip r:embed="rId11">
+          <a:blip r:embed="rId12">
             <a:extLst>
               <a:ext uri="{96DAC541-7B7A-43D3-8B79-37D633B846F1}">
-                <asvg:svgBlip xmlns:asvg="http://schemas.microsoft.com/office/drawing/2016/SVG/main" r:embed="rId12"/>
+                <asvg:svgBlip xmlns:asvg="http://schemas.microsoft.com/office/drawing/2016/SVG/main" r:embed="rId13"/>
               </a:ext>
             </a:extLst>
           </a:blip>
@@ -4127,8 +4157,8 @@
         </p:blipFill>
         <p:spPr>
           <a:xfrm>
-            <a:off x="6024012" y="258043"/>
-            <a:ext cx="549817" cy="297818"/>
+            <a:off x="5771668" y="366774"/>
+            <a:ext cx="1017441" cy="551114"/>
           </a:xfrm>
           <a:prstGeom prst="rect">
             <a:avLst/>
@@ -4141,36 +4171,6 @@
             <a:extLst>
               <a:ext uri="{FF2B5EF4-FFF2-40B4-BE49-F238E27FC236}">
                 <a16:creationId xmlns:a16="http://schemas.microsoft.com/office/drawing/2014/main" id="{9D8A7F00-AEF2-331C-1822-3F30CE19F1C7}"/>
-              </a:ext>
-            </a:extLst>
-          </p:cNvPr>
-          <p:cNvPicPr>
-            <a:picLocks noChangeAspect="1"/>
-          </p:cNvPicPr>
-          <p:nvPr/>
-        </p:nvPicPr>
-        <p:blipFill>
-          <a:blip r:embed="rId13"/>
-          <a:stretch>
-            <a:fillRect/>
-          </a:stretch>
-        </p:blipFill>
-        <p:spPr>
-          <a:xfrm>
-            <a:off x="74791" y="3932598"/>
-            <a:ext cx="2083818" cy="2083818"/>
-          </a:xfrm>
-          <a:prstGeom prst="rect">
-            <a:avLst/>
-          </a:prstGeom>
-        </p:spPr>
-      </p:pic>
-      <p:pic>
-        <p:nvPicPr>
-          <p:cNvPr id="26" name="Picture 25">
-            <a:extLst>
-              <a:ext uri="{FF2B5EF4-FFF2-40B4-BE49-F238E27FC236}">
-                <a16:creationId xmlns:a16="http://schemas.microsoft.com/office/drawing/2014/main" id="{A504981A-5600-B7A1-DB44-855742696B08}"/>
               </a:ext>
             </a:extLst>
           </p:cNvPr>
@@ -4187,186 +4187,20 @@
         </p:blipFill>
         <p:spPr>
           <a:xfrm>
-            <a:off x="81731" y="4990686"/>
-            <a:ext cx="2083819" cy="2083819"/>
+            <a:off x="74791" y="4463617"/>
+            <a:ext cx="2083818" cy="2083818"/>
           </a:xfrm>
           <a:prstGeom prst="rect">
             <a:avLst/>
           </a:prstGeom>
         </p:spPr>
       </p:pic>
-      <p:sp>
-        <p:nvSpPr>
-          <p:cNvPr id="27" name="TextBox 26">
-            <a:extLst>
-              <a:ext uri="{FF2B5EF4-FFF2-40B4-BE49-F238E27FC236}">
-                <a16:creationId xmlns:a16="http://schemas.microsoft.com/office/drawing/2014/main" id="{C59FC95F-AFB4-A3A9-969D-05C1CF506546}"/>
-              </a:ext>
-            </a:extLst>
-          </p:cNvPr>
-          <p:cNvSpPr txBox="1"/>
-          <p:nvPr/>
-        </p:nvSpPr>
-        <p:spPr>
-          <a:xfrm>
-            <a:off x="3103509" y="1872170"/>
-            <a:ext cx="616449" cy="400110"/>
-          </a:xfrm>
-          <a:prstGeom prst="rect">
-            <a:avLst/>
-          </a:prstGeom>
-          <a:noFill/>
-        </p:spPr>
-        <p:txBody>
-          <a:bodyPr wrap="square" rtlCol="0">
-            <a:spAutoFit/>
-          </a:bodyPr>
-          <a:lstStyle/>
-          <a:p>
-            <a:pPr algn="ctr"/>
-            <a:r>
-              <a:rPr lang="en-GB" sz="2000" b="1" i="1" dirty="0">
-                <a:latin typeface="CMU Serif" panose="02000603000000000000" pitchFamily="2" charset="0"/>
-                <a:ea typeface="CMU Serif" panose="02000603000000000000" pitchFamily="2" charset="0"/>
-                <a:cs typeface="CMU Serif" panose="02000603000000000000" pitchFamily="2" charset="0"/>
-              </a:rPr>
-              <a:t>1</a:t>
-            </a:r>
-          </a:p>
-        </p:txBody>
-      </p:sp>
-      <p:sp>
-        <p:nvSpPr>
-          <p:cNvPr id="28" name="TextBox 27">
-            <a:extLst>
-              <a:ext uri="{FF2B5EF4-FFF2-40B4-BE49-F238E27FC236}">
-                <a16:creationId xmlns:a16="http://schemas.microsoft.com/office/drawing/2014/main" id="{C4BABFB0-AB10-F509-1E6F-46A874D24E09}"/>
-              </a:ext>
-            </a:extLst>
-          </p:cNvPr>
-          <p:cNvSpPr txBox="1"/>
-          <p:nvPr/>
-        </p:nvSpPr>
-        <p:spPr>
-          <a:xfrm>
-            <a:off x="4136899" y="1872170"/>
-            <a:ext cx="830738" cy="400110"/>
-          </a:xfrm>
-          <a:prstGeom prst="rect">
-            <a:avLst/>
-          </a:prstGeom>
-          <a:noFill/>
-        </p:spPr>
-        <p:txBody>
-          <a:bodyPr wrap="square" rtlCol="0">
-            <a:spAutoFit/>
-          </a:bodyPr>
-          <a:lstStyle/>
-          <a:p>
-            <a:pPr algn="ctr"/>
-            <a:r>
-              <a:rPr lang="en-GB" sz="2000" b="1" i="1" dirty="0">
-                <a:solidFill>
-                  <a:srgbClr val="8B0000"/>
-                </a:solidFill>
-                <a:latin typeface="CMU Serif BoldItalic" panose="02000603000000000000" pitchFamily="2" charset="0"/>
-                <a:ea typeface="CMU Serif BoldItalic" panose="02000603000000000000" pitchFamily="2" charset="0"/>
-                <a:cs typeface="CMU Serif BoldItalic" panose="02000603000000000000" pitchFamily="2" charset="0"/>
-              </a:rPr>
-              <a:t>0</a:t>
-            </a:r>
-          </a:p>
-        </p:txBody>
-      </p:sp>
-      <p:sp>
-        <p:nvSpPr>
-          <p:cNvPr id="29" name="TextBox 28">
-            <a:extLst>
-              <a:ext uri="{FF2B5EF4-FFF2-40B4-BE49-F238E27FC236}">
-                <a16:creationId xmlns:a16="http://schemas.microsoft.com/office/drawing/2014/main" id="{7BD30F33-7CB3-4862-9FA8-C02C625FCDF5}"/>
-              </a:ext>
-            </a:extLst>
-          </p:cNvPr>
-          <p:cNvSpPr txBox="1"/>
-          <p:nvPr/>
-        </p:nvSpPr>
-        <p:spPr>
-          <a:xfrm>
-            <a:off x="3119967" y="4823010"/>
-            <a:ext cx="616449" cy="400110"/>
-          </a:xfrm>
-          <a:prstGeom prst="rect">
-            <a:avLst/>
-          </a:prstGeom>
-          <a:noFill/>
-        </p:spPr>
-        <p:txBody>
-          <a:bodyPr wrap="square" rtlCol="0">
-            <a:spAutoFit/>
-          </a:bodyPr>
-          <a:lstStyle/>
-          <a:p>
-            <a:pPr algn="ctr"/>
-            <a:r>
-              <a:rPr lang="en-GB" sz="2000" b="1" i="1" dirty="0">
-                <a:latin typeface="CMU Serif" panose="02000603000000000000" pitchFamily="2" charset="0"/>
-                <a:ea typeface="CMU Serif" panose="02000603000000000000" pitchFamily="2" charset="0"/>
-                <a:cs typeface="CMU Serif" panose="02000603000000000000" pitchFamily="2" charset="0"/>
-              </a:rPr>
-              <a:t>1</a:t>
-            </a:r>
-          </a:p>
-        </p:txBody>
-      </p:sp>
-      <p:sp>
-        <p:nvSpPr>
-          <p:cNvPr id="31" name="TextBox 30">
-            <a:extLst>
-              <a:ext uri="{FF2B5EF4-FFF2-40B4-BE49-F238E27FC236}">
-                <a16:creationId xmlns:a16="http://schemas.microsoft.com/office/drawing/2014/main" id="{CA40EC51-5809-E82A-7D76-C7D7DA310A54}"/>
-              </a:ext>
-            </a:extLst>
-          </p:cNvPr>
-          <p:cNvSpPr txBox="1"/>
-          <p:nvPr/>
-        </p:nvSpPr>
-        <p:spPr>
-          <a:xfrm>
-            <a:off x="4104101" y="4823010"/>
-            <a:ext cx="830738" cy="400110"/>
-          </a:xfrm>
-          <a:prstGeom prst="rect">
-            <a:avLst/>
-          </a:prstGeom>
-          <a:noFill/>
-        </p:spPr>
-        <p:txBody>
-          <a:bodyPr wrap="square" rtlCol="0">
-            <a:spAutoFit/>
-          </a:bodyPr>
-          <a:lstStyle/>
-          <a:p>
-            <a:pPr algn="ctr"/>
-            <a:r>
-              <a:rPr lang="en-GB" sz="2000" b="1" i="1" dirty="0">
-                <a:solidFill>
-                  <a:srgbClr val="8B0000"/>
-                </a:solidFill>
-                <a:latin typeface="CMU Serif BoldItalic" panose="02000603000000000000" pitchFamily="2" charset="0"/>
-                <a:ea typeface="CMU Serif BoldItalic" panose="02000603000000000000" pitchFamily="2" charset="0"/>
-                <a:cs typeface="CMU Serif BoldItalic" panose="02000603000000000000" pitchFamily="2" charset="0"/>
-              </a:rPr>
-              <a:t>1.2</a:t>
-            </a:r>
-          </a:p>
-        </p:txBody>
-      </p:sp>
       <p:pic>
         <p:nvPicPr>
-          <p:cNvPr id="48" name="Picture 47">
-            <a:extLst>
-              <a:ext uri="{FF2B5EF4-FFF2-40B4-BE49-F238E27FC236}">
-                <a16:creationId xmlns:a16="http://schemas.microsoft.com/office/drawing/2014/main" id="{63FF9D84-A9C0-AEF6-5E1E-CE9657805F7C}"/>
+          <p:cNvPr id="26" name="Picture 25">
+            <a:extLst>
+              <a:ext uri="{FF2B5EF4-FFF2-40B4-BE49-F238E27FC236}">
+                <a16:creationId xmlns:a16="http://schemas.microsoft.com/office/drawing/2014/main" id="{A504981A-5600-B7A1-DB44-855742696B08}"/>
               </a:ext>
             </a:extLst>
           </p:cNvPr>
@@ -4383,7 +4217,203 @@
         </p:blipFill>
         <p:spPr>
           <a:xfrm>
-            <a:off x="15268912" y="1426780"/>
+            <a:off x="81732" y="5521706"/>
+            <a:ext cx="2083819" cy="2083819"/>
+          </a:xfrm>
+          <a:prstGeom prst="rect">
+            <a:avLst/>
+          </a:prstGeom>
+        </p:spPr>
+      </p:pic>
+      <p:sp>
+        <p:nvSpPr>
+          <p:cNvPr id="27" name="TextBox 26">
+            <a:extLst>
+              <a:ext uri="{FF2B5EF4-FFF2-40B4-BE49-F238E27FC236}">
+                <a16:creationId xmlns:a16="http://schemas.microsoft.com/office/drawing/2014/main" id="{C59FC95F-AFB4-A3A9-969D-05C1CF506546}"/>
+              </a:ext>
+            </a:extLst>
+          </p:cNvPr>
+          <p:cNvSpPr txBox="1"/>
+          <p:nvPr/>
+        </p:nvSpPr>
+        <p:spPr>
+          <a:xfrm>
+            <a:off x="3103510" y="2403190"/>
+            <a:ext cx="616449" cy="630942"/>
+          </a:xfrm>
+          <a:prstGeom prst="rect">
+            <a:avLst/>
+          </a:prstGeom>
+          <a:noFill/>
+        </p:spPr>
+        <p:txBody>
+          <a:bodyPr wrap="square" rtlCol="0">
+            <a:spAutoFit/>
+          </a:bodyPr>
+          <a:lstStyle/>
+          <a:p>
+            <a:pPr algn="ctr"/>
+            <a:r>
+              <a:rPr lang="en-GB" sz="3500" b="1" i="1" dirty="0">
+                <a:latin typeface="CMU Serif" panose="02000603000000000000" pitchFamily="2" charset="0"/>
+                <a:ea typeface="CMU Serif" panose="02000603000000000000" pitchFamily="2" charset="0"/>
+                <a:cs typeface="CMU Serif" panose="02000603000000000000" pitchFamily="2" charset="0"/>
+              </a:rPr>
+              <a:t>1</a:t>
+            </a:r>
+          </a:p>
+        </p:txBody>
+      </p:sp>
+      <p:sp>
+        <p:nvSpPr>
+          <p:cNvPr id="28" name="TextBox 27">
+            <a:extLst>
+              <a:ext uri="{FF2B5EF4-FFF2-40B4-BE49-F238E27FC236}">
+                <a16:creationId xmlns:a16="http://schemas.microsoft.com/office/drawing/2014/main" id="{C4BABFB0-AB10-F509-1E6F-46A874D24E09}"/>
+              </a:ext>
+            </a:extLst>
+          </p:cNvPr>
+          <p:cNvSpPr txBox="1"/>
+          <p:nvPr/>
+        </p:nvSpPr>
+        <p:spPr>
+          <a:xfrm>
+            <a:off x="4136899" y="2403190"/>
+            <a:ext cx="830738" cy="630942"/>
+          </a:xfrm>
+          <a:prstGeom prst="rect">
+            <a:avLst/>
+          </a:prstGeom>
+          <a:noFill/>
+        </p:spPr>
+        <p:txBody>
+          <a:bodyPr wrap="square" rtlCol="0">
+            <a:spAutoFit/>
+          </a:bodyPr>
+          <a:lstStyle/>
+          <a:p>
+            <a:pPr algn="ctr"/>
+            <a:r>
+              <a:rPr lang="en-GB" sz="3500" b="1" i="1" dirty="0">
+                <a:solidFill>
+                  <a:srgbClr val="8B0000"/>
+                </a:solidFill>
+                <a:latin typeface="CMU Serif BoldItalic" panose="02000603000000000000" pitchFamily="2" charset="0"/>
+                <a:ea typeface="CMU Serif BoldItalic" panose="02000603000000000000" pitchFamily="2" charset="0"/>
+                <a:cs typeface="CMU Serif BoldItalic" panose="02000603000000000000" pitchFamily="2" charset="0"/>
+              </a:rPr>
+              <a:t>0</a:t>
+            </a:r>
+          </a:p>
+        </p:txBody>
+      </p:sp>
+      <p:sp>
+        <p:nvSpPr>
+          <p:cNvPr id="29" name="TextBox 28">
+            <a:extLst>
+              <a:ext uri="{FF2B5EF4-FFF2-40B4-BE49-F238E27FC236}">
+                <a16:creationId xmlns:a16="http://schemas.microsoft.com/office/drawing/2014/main" id="{7BD30F33-7CB3-4862-9FA8-C02C625FCDF5}"/>
+              </a:ext>
+            </a:extLst>
+          </p:cNvPr>
+          <p:cNvSpPr txBox="1"/>
+          <p:nvPr/>
+        </p:nvSpPr>
+        <p:spPr>
+          <a:xfrm>
+            <a:off x="3119968" y="5354030"/>
+            <a:ext cx="616449" cy="630942"/>
+          </a:xfrm>
+          <a:prstGeom prst="rect">
+            <a:avLst/>
+          </a:prstGeom>
+          <a:noFill/>
+        </p:spPr>
+        <p:txBody>
+          <a:bodyPr wrap="square" rtlCol="0">
+            <a:spAutoFit/>
+          </a:bodyPr>
+          <a:lstStyle/>
+          <a:p>
+            <a:pPr algn="ctr"/>
+            <a:r>
+              <a:rPr lang="en-GB" sz="3500" b="1" i="1" dirty="0">
+                <a:latin typeface="CMU Serif" panose="02000603000000000000" pitchFamily="2" charset="0"/>
+                <a:ea typeface="CMU Serif" panose="02000603000000000000" pitchFamily="2" charset="0"/>
+                <a:cs typeface="CMU Serif" panose="02000603000000000000" pitchFamily="2" charset="0"/>
+              </a:rPr>
+              <a:t>1</a:t>
+            </a:r>
+          </a:p>
+        </p:txBody>
+      </p:sp>
+      <p:sp>
+        <p:nvSpPr>
+          <p:cNvPr id="31" name="TextBox 30">
+            <a:extLst>
+              <a:ext uri="{FF2B5EF4-FFF2-40B4-BE49-F238E27FC236}">
+                <a16:creationId xmlns:a16="http://schemas.microsoft.com/office/drawing/2014/main" id="{CA40EC51-5809-E82A-7D76-C7D7DA310A54}"/>
+              </a:ext>
+            </a:extLst>
+          </p:cNvPr>
+          <p:cNvSpPr txBox="1"/>
+          <p:nvPr/>
+        </p:nvSpPr>
+        <p:spPr>
+          <a:xfrm>
+            <a:off x="4042784" y="5372917"/>
+            <a:ext cx="953458" cy="630942"/>
+          </a:xfrm>
+          <a:prstGeom prst="rect">
+            <a:avLst/>
+          </a:prstGeom>
+          <a:noFill/>
+        </p:spPr>
+        <p:txBody>
+          <a:bodyPr wrap="square" rtlCol="0">
+            <a:spAutoFit/>
+          </a:bodyPr>
+          <a:lstStyle/>
+          <a:p>
+            <a:pPr algn="ctr"/>
+            <a:r>
+              <a:rPr lang="en-GB" sz="3500" b="1" i="1" dirty="0">
+                <a:solidFill>
+                  <a:srgbClr val="8B0000"/>
+                </a:solidFill>
+                <a:latin typeface="CMU Serif BoldItalic" panose="02000603000000000000" pitchFamily="2" charset="0"/>
+                <a:ea typeface="CMU Serif BoldItalic" panose="02000603000000000000" pitchFamily="2" charset="0"/>
+                <a:cs typeface="CMU Serif BoldItalic" panose="02000603000000000000" pitchFamily="2" charset="0"/>
+              </a:rPr>
+              <a:t>1.2</a:t>
+            </a:r>
+          </a:p>
+        </p:txBody>
+      </p:sp>
+      <p:pic>
+        <p:nvPicPr>
+          <p:cNvPr id="48" name="Picture 47">
+            <a:extLst>
+              <a:ext uri="{FF2B5EF4-FFF2-40B4-BE49-F238E27FC236}">
+                <a16:creationId xmlns:a16="http://schemas.microsoft.com/office/drawing/2014/main" id="{63FF9D84-A9C0-AEF6-5E1E-CE9657805F7C}"/>
+              </a:ext>
+            </a:extLst>
+          </p:cNvPr>
+          <p:cNvPicPr>
+            <a:picLocks noChangeAspect="1"/>
+          </p:cNvPicPr>
+          <p:nvPr/>
+        </p:nvPicPr>
+        <p:blipFill>
+          <a:blip r:embed="rId16"/>
+          <a:stretch>
+            <a:fillRect/>
+          </a:stretch>
+        </p:blipFill>
+        <p:spPr>
+          <a:xfrm>
+            <a:off x="15268912" y="1957799"/>
             <a:ext cx="2083818" cy="2083818"/>
           </a:xfrm>
           <a:prstGeom prst="rect">
@@ -4405,7 +4435,7 @@
         </p:nvSpPr>
         <p:spPr>
           <a:xfrm>
-            <a:off x="16372979" y="2753993"/>
+            <a:off x="16372980" y="3285012"/>
             <a:ext cx="298751" cy="1477328"/>
           </a:xfrm>
           <a:prstGeom prst="rect">
@@ -4464,7 +4494,7 @@
         </p:nvSpPr>
         <p:spPr>
           <a:xfrm>
-            <a:off x="8020431" y="558363"/>
+            <a:off x="8020431" y="1089382"/>
             <a:ext cx="522514" cy="5928114"/>
           </a:xfrm>
           <a:prstGeom prst="leftBracket">
@@ -4509,7 +4539,7 @@
         </p:nvSpPr>
         <p:spPr>
           <a:xfrm flipH="1">
-            <a:off x="11592795" y="561547"/>
+            <a:off x="11592796" y="1092567"/>
             <a:ext cx="522513" cy="5928117"/>
           </a:xfrm>
           <a:prstGeom prst="leftBracket">
@@ -4554,8 +4584,8 @@
         </p:nvSpPr>
         <p:spPr>
           <a:xfrm>
-            <a:off x="8328711" y="1050816"/>
-            <a:ext cx="616449" cy="400110"/>
+            <a:off x="8328712" y="1581836"/>
+            <a:ext cx="616449" cy="630942"/>
           </a:xfrm>
           <a:prstGeom prst="rect">
             <a:avLst/>
@@ -4570,7 +4600,7 @@
           <a:p>
             <a:pPr algn="ctr"/>
             <a:r>
-              <a:rPr lang="en-GB" sz="2000" b="1" i="1" dirty="0">
+              <a:rPr lang="en-GB" sz="3500" b="1" i="1" dirty="0">
                 <a:solidFill>
                   <a:srgbClr val="076400"/>
                 </a:solidFill>
@@ -4597,7 +4627,7 @@
         </p:nvSpPr>
         <p:spPr>
           <a:xfrm>
-            <a:off x="8469276" y="2838172"/>
+            <a:off x="8469276" y="3369191"/>
             <a:ext cx="163592" cy="1477328"/>
           </a:xfrm>
           <a:prstGeom prst="rect">
@@ -4665,8 +4695,8 @@
         </p:nvSpPr>
         <p:spPr>
           <a:xfrm>
-            <a:off x="11157155" y="1021625"/>
-            <a:ext cx="830738" cy="400110"/>
+            <a:off x="11157155" y="1552645"/>
+            <a:ext cx="830738" cy="630942"/>
           </a:xfrm>
           <a:prstGeom prst="rect">
             <a:avLst/>
@@ -4681,7 +4711,7 @@
           <a:p>
             <a:pPr algn="ctr"/>
             <a:r>
-              <a:rPr lang="en-GB" sz="2000" b="1" i="1" dirty="0">
+              <a:rPr lang="en-GB" sz="3500" b="1" i="1" dirty="0">
                 <a:solidFill>
                   <a:srgbClr val="000D8B"/>
                 </a:solidFill>
@@ -4708,7 +4738,7 @@
         </p:nvSpPr>
         <p:spPr>
           <a:xfrm>
-            <a:off x="11356757" y="2751906"/>
+            <a:off x="11356758" y="3282925"/>
             <a:ext cx="179265" cy="1477328"/>
           </a:xfrm>
           <a:prstGeom prst="rect">
@@ -4776,8 +4806,8 @@
         </p:nvSpPr>
         <p:spPr>
           <a:xfrm>
-            <a:off x="9020118" y="222849"/>
-            <a:ext cx="2047832" cy="430887"/>
+            <a:off x="8992713" y="304251"/>
+            <a:ext cx="2047832" cy="784830"/>
           </a:xfrm>
           <a:prstGeom prst="rect">
             <a:avLst/>
@@ -4792,7 +4822,7 @@
           <a:p>
             <a:pPr algn="ctr"/>
             <a:r>
-              <a:rPr lang="en-GB" sz="2200" b="1" i="1" dirty="0">
+              <a:rPr lang="en-GB" sz="4500" b="1" i="1" dirty="0">
                 <a:latin typeface="CMU Serif BoldItalic" panose="02000603000000000000" pitchFamily="2" charset="0"/>
                 <a:ea typeface="CMU Serif BoldItalic" panose="02000603000000000000" pitchFamily="2" charset="0"/>
                 <a:cs typeface="CMU Serif BoldItalic" panose="02000603000000000000" pitchFamily="2" charset="0"/>
@@ -4816,8 +4846,8 @@
         </p:nvSpPr>
         <p:spPr>
           <a:xfrm>
-            <a:off x="8320156" y="2054713"/>
-            <a:ext cx="616449" cy="400110"/>
+            <a:off x="8320157" y="2585733"/>
+            <a:ext cx="616449" cy="630942"/>
           </a:xfrm>
           <a:prstGeom prst="rect">
             <a:avLst/>
@@ -4832,7 +4862,7 @@
           <a:p>
             <a:pPr algn="ctr"/>
             <a:r>
-              <a:rPr lang="en-GB" sz="2000" b="1" i="1" dirty="0">
+              <a:rPr lang="en-GB" sz="3500" b="1" i="1" dirty="0">
                 <a:solidFill>
                   <a:srgbClr val="076400"/>
                 </a:solidFill>
@@ -4859,8 +4889,8 @@
         </p:nvSpPr>
         <p:spPr>
           <a:xfrm>
-            <a:off x="11120653" y="2008813"/>
-            <a:ext cx="830738" cy="400110"/>
+            <a:off x="11120653" y="2539833"/>
+            <a:ext cx="830738" cy="630942"/>
           </a:xfrm>
           <a:prstGeom prst="rect">
             <a:avLst/>
@@ -4875,7 +4905,7 @@
           <a:p>
             <a:pPr algn="ctr"/>
             <a:r>
-              <a:rPr lang="en-GB" sz="2000" b="1" i="1" dirty="0">
+              <a:rPr lang="en-GB" sz="3500" b="1" i="1" dirty="0">
                 <a:solidFill>
                   <a:srgbClr val="000D8B"/>
                 </a:solidFill>
@@ -4902,7 +4932,7 @@
         </p:nvSpPr>
         <p:spPr>
           <a:xfrm rot="16200000">
-            <a:off x="9913016" y="565146"/>
+            <a:off x="9913016" y="1096165"/>
             <a:ext cx="163592" cy="1477328"/>
           </a:xfrm>
           <a:prstGeom prst="rect">
@@ -4961,7 +4991,7 @@
         </p:nvSpPr>
         <p:spPr>
           <a:xfrm rot="16200000">
-            <a:off x="9913016" y="1552000"/>
+            <a:off x="9913016" y="2083019"/>
             <a:ext cx="163592" cy="1477328"/>
           </a:xfrm>
           <a:prstGeom prst="rect">
@@ -5020,7 +5050,7 @@
         </p:nvSpPr>
         <p:spPr>
           <a:xfrm rot="16200000">
-            <a:off x="9913016" y="2472245"/>
+            <a:off x="9913016" y="3003264"/>
             <a:ext cx="163592" cy="1477328"/>
           </a:xfrm>
           <a:prstGeom prst="rect">
@@ -5085,7 +5115,7 @@
         </p:nvSpPr>
         <p:spPr>
           <a:xfrm rot="16200000">
-            <a:off x="9913016" y="2927119"/>
+            <a:off x="9913016" y="3458138"/>
             <a:ext cx="163592" cy="1477328"/>
           </a:xfrm>
           <a:prstGeom prst="rect">
@@ -5150,7 +5180,7 @@
         </p:nvSpPr>
         <p:spPr>
           <a:xfrm rot="16200000">
-            <a:off x="9913016" y="3374400"/>
+            <a:off x="9913016" y="3905419"/>
             <a:ext cx="163592" cy="1477328"/>
           </a:xfrm>
           <a:prstGeom prst="rect">
@@ -5215,8 +5245,8 @@
         </p:nvSpPr>
         <p:spPr>
           <a:xfrm>
-            <a:off x="8295546" y="4611894"/>
-            <a:ext cx="616449" cy="400110"/>
+            <a:off x="8295547" y="5142914"/>
+            <a:ext cx="616449" cy="630942"/>
           </a:xfrm>
           <a:prstGeom prst="rect">
             <a:avLst/>
@@ -5231,7 +5261,7 @@
           <a:p>
             <a:pPr algn="ctr"/>
             <a:r>
-              <a:rPr lang="en-GB" sz="2000" b="1" i="1" dirty="0">
+              <a:rPr lang="en-GB" sz="3500" b="1" i="1" dirty="0">
                 <a:solidFill>
                   <a:srgbClr val="076400"/>
                 </a:solidFill>
@@ -5258,8 +5288,8 @@
         </p:nvSpPr>
         <p:spPr>
           <a:xfrm>
-            <a:off x="11123990" y="4582703"/>
-            <a:ext cx="830738" cy="400110"/>
+            <a:off x="11123990" y="5113723"/>
+            <a:ext cx="830738" cy="630942"/>
           </a:xfrm>
           <a:prstGeom prst="rect">
             <a:avLst/>
@@ -5274,7 +5304,7 @@
           <a:p>
             <a:pPr algn="ctr"/>
             <a:r>
-              <a:rPr lang="en-GB" sz="2000" b="1" i="1" dirty="0">
+              <a:rPr lang="en-GB" sz="3500" b="1" i="1" dirty="0">
                 <a:solidFill>
                   <a:srgbClr val="000D8B"/>
                 </a:solidFill>
@@ -5301,8 +5331,8 @@
         </p:nvSpPr>
         <p:spPr>
           <a:xfrm>
-            <a:off x="8286991" y="5615791"/>
-            <a:ext cx="616449" cy="400110"/>
+            <a:off x="8286992" y="6146811"/>
+            <a:ext cx="616449" cy="630942"/>
           </a:xfrm>
           <a:prstGeom prst="rect">
             <a:avLst/>
@@ -5317,7 +5347,7 @@
           <a:p>
             <a:pPr algn="ctr"/>
             <a:r>
-              <a:rPr lang="en-GB" sz="2000" b="1" i="1" dirty="0">
+              <a:rPr lang="en-GB" sz="3500" b="1" i="1" dirty="0">
                 <a:solidFill>
                   <a:srgbClr val="076400"/>
                 </a:solidFill>
@@ -5344,8 +5374,8 @@
         </p:nvSpPr>
         <p:spPr>
           <a:xfrm>
-            <a:off x="11087488" y="5569891"/>
-            <a:ext cx="830738" cy="400110"/>
+            <a:off x="11087488" y="6100911"/>
+            <a:ext cx="830738" cy="630942"/>
           </a:xfrm>
           <a:prstGeom prst="rect">
             <a:avLst/>
@@ -5360,7 +5390,7 @@
           <a:p>
             <a:pPr algn="ctr"/>
             <a:r>
-              <a:rPr lang="en-GB" sz="2000" b="1" i="1" dirty="0">
+              <a:rPr lang="en-GB" sz="3500" b="1" i="1" dirty="0">
                 <a:solidFill>
                   <a:srgbClr val="000D8B"/>
                 </a:solidFill>
@@ -5387,7 +5417,7 @@
         </p:nvSpPr>
         <p:spPr>
           <a:xfrm rot="16200000">
-            <a:off x="9879851" y="4126224"/>
+            <a:off x="9879851" y="4657243"/>
             <a:ext cx="163592" cy="1477328"/>
           </a:xfrm>
           <a:prstGeom prst="rect">
@@ -5446,7 +5476,7 @@
         </p:nvSpPr>
         <p:spPr>
           <a:xfrm rot="16200000">
-            <a:off x="9879851" y="5113078"/>
+            <a:off x="9879851" y="5644097"/>
             <a:ext cx="163592" cy="1477328"/>
           </a:xfrm>
           <a:prstGeom prst="rect">
@@ -5505,7 +5535,7 @@
         </p:nvSpPr>
         <p:spPr>
           <a:xfrm>
-            <a:off x="12383245" y="572645"/>
+            <a:off x="12383245" y="1103664"/>
             <a:ext cx="522514" cy="3202524"/>
           </a:xfrm>
           <a:prstGeom prst="leftBracket">
@@ -5550,7 +5580,7 @@
         </p:nvSpPr>
         <p:spPr>
           <a:xfrm flipH="1">
-            <a:off x="13640873" y="572645"/>
+            <a:off x="13640874" y="1103664"/>
             <a:ext cx="522513" cy="3202524"/>
           </a:xfrm>
           <a:prstGeom prst="leftBracket">
@@ -5595,8 +5625,8 @@
         </p:nvSpPr>
         <p:spPr>
           <a:xfrm>
-            <a:off x="14452999" y="3182201"/>
-            <a:ext cx="636997" cy="553998"/>
+            <a:off x="14453000" y="3713220"/>
+            <a:ext cx="636997" cy="630942"/>
           </a:xfrm>
           <a:prstGeom prst="rect">
             <a:avLst/>
@@ -5611,7 +5641,7 @@
           <a:p>
             <a:pPr algn="ctr"/>
             <a:r>
-              <a:rPr lang="en-GB" sz="3000" b="1" i="1" dirty="0">
+              <a:rPr lang="en-GB" sz="3500" b="1" i="1" dirty="0">
                 <a:latin typeface="CMU Serif BoldItalic" panose="02000603000000000000" pitchFamily="2" charset="0"/>
                 <a:ea typeface="CMU Serif BoldItalic" panose="02000603000000000000" pitchFamily="2" charset="0"/>
                 <a:cs typeface="CMU Serif BoldItalic" panose="02000603000000000000" pitchFamily="2" charset="0"/>
@@ -5623,10 +5653,10 @@
       </p:sp>
       <p:sp>
         <p:nvSpPr>
-          <p:cNvPr id="89" name="TextBox 88">
-            <a:extLst>
-              <a:ext uri="{FF2B5EF4-FFF2-40B4-BE49-F238E27FC236}">
-                <a16:creationId xmlns:a16="http://schemas.microsoft.com/office/drawing/2014/main" id="{3C035ED0-A6B7-9A78-5298-704162242FCC}"/>
+          <p:cNvPr id="94" name="TextBox 93">
+            <a:extLst>
+              <a:ext uri="{FF2B5EF4-FFF2-40B4-BE49-F238E27FC236}">
+                <a16:creationId xmlns:a16="http://schemas.microsoft.com/office/drawing/2014/main" id="{C4A558F3-E5D5-257E-E810-B181EEB01661}"/>
               </a:ext>
             </a:extLst>
           </p:cNvPr>
@@ -5635,85 +5665,7 @@
         </p:nvSpPr>
         <p:spPr>
           <a:xfrm>
-            <a:off x="12468149" y="156506"/>
-            <a:ext cx="1719937" cy="430887"/>
-          </a:xfrm>
-          <a:prstGeom prst="rect">
-            <a:avLst/>
-          </a:prstGeom>
-          <a:noFill/>
-        </p:spPr>
-        <p:txBody>
-          <a:bodyPr wrap="square" rtlCol="0">
-            <a:spAutoFit/>
-          </a:bodyPr>
-          <a:lstStyle/>
-          <a:p>
-            <a:pPr algn="ctr"/>
-            <a:r>
-              <a:rPr lang="en-GB" sz="2200" b="1" i="1" dirty="0">
-                <a:latin typeface="CMU Serif BoldItalic" panose="02000603000000000000" pitchFamily="2" charset="0"/>
-                <a:ea typeface="CMU Serif BoldItalic" panose="02000603000000000000" pitchFamily="2" charset="0"/>
-                <a:cs typeface="CMU Serif BoldItalic" panose="02000603000000000000" pitchFamily="2" charset="0"/>
-              </a:rPr>
-              <a:t>u</a:t>
-            </a:r>
-            <a:r>
-              <a:rPr lang="en-GB" sz="2200" i="1" dirty="0">
-                <a:latin typeface="CMU Serif" panose="02000603000000000000" pitchFamily="2" charset="0"/>
-                <a:ea typeface="CMU Serif" panose="02000603000000000000" pitchFamily="2" charset="0"/>
-                <a:cs typeface="CMU Serif" panose="02000603000000000000" pitchFamily="2" charset="0"/>
-              </a:rPr>
-              <a:t>(t)</a:t>
-            </a:r>
-          </a:p>
-        </p:txBody>
-      </p:sp>
-      <p:pic>
-        <p:nvPicPr>
-          <p:cNvPr id="92" name="Picture 91">
-            <a:extLst>
-              <a:ext uri="{FF2B5EF4-FFF2-40B4-BE49-F238E27FC236}">
-                <a16:creationId xmlns:a16="http://schemas.microsoft.com/office/drawing/2014/main" id="{1F1FB8CC-86E6-1AA8-0637-9E118FA8582A}"/>
-              </a:ext>
-            </a:extLst>
-          </p:cNvPr>
-          <p:cNvPicPr>
-            <a:picLocks noChangeAspect="1"/>
-          </p:cNvPicPr>
-          <p:nvPr/>
-        </p:nvPicPr>
-        <p:blipFill>
-          <a:blip r:embed="rId16"/>
-          <a:stretch>
-            <a:fillRect/>
-          </a:stretch>
-        </p:blipFill>
-        <p:spPr>
-          <a:xfrm>
-            <a:off x="12148989" y="-74025"/>
-            <a:ext cx="2082838" cy="2082838"/>
-          </a:xfrm>
-          <a:prstGeom prst="rect">
-            <a:avLst/>
-          </a:prstGeom>
-        </p:spPr>
-      </p:pic>
-      <p:sp>
-        <p:nvSpPr>
-          <p:cNvPr id="94" name="TextBox 93">
-            <a:extLst>
-              <a:ext uri="{FF2B5EF4-FFF2-40B4-BE49-F238E27FC236}">
-                <a16:creationId xmlns:a16="http://schemas.microsoft.com/office/drawing/2014/main" id="{C4A558F3-E5D5-257E-E810-B181EEB01661}"/>
-              </a:ext>
-            </a:extLst>
-          </p:cNvPr>
-          <p:cNvSpPr txBox="1"/>
-          <p:nvPr/>
-        </p:nvSpPr>
-        <p:spPr>
-          <a:xfrm>
-            <a:off x="13139708" y="1371428"/>
+            <a:off x="13139708" y="1902447"/>
             <a:ext cx="163592" cy="1477328"/>
           </a:xfrm>
           <a:prstGeom prst="rect">
@@ -5780,7 +5732,7 @@
         </p:blipFill>
         <p:spPr>
           <a:xfrm>
-            <a:off x="12128880" y="2417781"/>
+            <a:off x="12128880" y="2948800"/>
             <a:ext cx="2082838" cy="2082838"/>
           </a:xfrm>
           <a:prstGeom prst="rect">
@@ -5788,6 +5740,54 @@
           </a:prstGeom>
         </p:spPr>
       </p:pic>
+      <p:sp>
+        <p:nvSpPr>
+          <p:cNvPr id="8" name="TextBox 7">
+            <a:extLst>
+              <a:ext uri="{FF2B5EF4-FFF2-40B4-BE49-F238E27FC236}">
+                <a16:creationId xmlns:a16="http://schemas.microsoft.com/office/drawing/2014/main" id="{D73ADA2D-0005-A9B2-47A2-53E3CE09F431}"/>
+              </a:ext>
+            </a:extLst>
+          </p:cNvPr>
+          <p:cNvSpPr txBox="1"/>
+          <p:nvPr/>
+        </p:nvSpPr>
+        <p:spPr>
+          <a:xfrm>
+            <a:off x="12505367" y="249916"/>
+            <a:ext cx="1719937" cy="784830"/>
+          </a:xfrm>
+          <a:prstGeom prst="rect">
+            <a:avLst/>
+          </a:prstGeom>
+          <a:noFill/>
+        </p:spPr>
+        <p:txBody>
+          <a:bodyPr wrap="square" rtlCol="0">
+            <a:spAutoFit/>
+          </a:bodyPr>
+          <a:lstStyle/>
+          <a:p>
+            <a:pPr algn="ctr"/>
+            <a:r>
+              <a:rPr lang="en-GB" sz="4500" b="1" i="1" dirty="0">
+                <a:latin typeface="CMU Serif BoldItalic" panose="02000603000000000000" pitchFamily="2" charset="0"/>
+                <a:ea typeface="CMU Serif BoldItalic" panose="02000603000000000000" pitchFamily="2" charset="0"/>
+                <a:cs typeface="CMU Serif BoldItalic" panose="02000603000000000000" pitchFamily="2" charset="0"/>
+              </a:rPr>
+              <a:t>u</a:t>
+            </a:r>
+            <a:r>
+              <a:rPr lang="en-GB" sz="4500" i="1" dirty="0">
+                <a:latin typeface="CMU Serif" panose="02000603000000000000" pitchFamily="2" charset="0"/>
+                <a:ea typeface="CMU Serif" panose="02000603000000000000" pitchFamily="2" charset="0"/>
+                <a:cs typeface="CMU Serif" panose="02000603000000000000" pitchFamily="2" charset="0"/>
+              </a:rPr>
+              <a:t>(t)</a:t>
+            </a:r>
+          </a:p>
+        </p:txBody>
+      </p:sp>
     </p:spTree>
     <p:extLst>
       <p:ext uri="{BB962C8B-B14F-4D97-AF65-F5344CB8AC3E}">

--- a/figures/fmm-diagram.pptx
+++ b/figures/fmm-diagram.pptx
@@ -3771,7 +3771,7 @@
         </p:nvSpPr>
         <p:spPr>
           <a:xfrm>
-            <a:off x="4048746" y="1552645"/>
+            <a:off x="3928770" y="1552645"/>
             <a:ext cx="988963" cy="630942"/>
           </a:xfrm>
           <a:prstGeom prst="rect">
@@ -3882,7 +3882,7 @@
         </p:nvSpPr>
         <p:spPr>
           <a:xfrm>
-            <a:off x="4122637" y="6347381"/>
+            <a:off x="4002931" y="6347381"/>
             <a:ext cx="878149" cy="630942"/>
           </a:xfrm>
           <a:prstGeom prst="rect">
@@ -4279,7 +4279,7 @@
         </p:nvSpPr>
         <p:spPr>
           <a:xfrm>
-            <a:off x="4136899" y="2403190"/>
+            <a:off x="4002931" y="2403190"/>
             <a:ext cx="830738" cy="630942"/>
           </a:xfrm>
           <a:prstGeom prst="rect">
@@ -4362,7 +4362,7 @@
         </p:nvSpPr>
         <p:spPr>
           <a:xfrm>
-            <a:off x="4042784" y="5372917"/>
+            <a:off x="3948376" y="5354030"/>
             <a:ext cx="953458" cy="630942"/>
           </a:xfrm>
           <a:prstGeom prst="rect">
@@ -5784,6 +5784,126 @@
                 <a:cs typeface="CMU Serif" panose="02000603000000000000" pitchFamily="2" charset="0"/>
               </a:rPr>
               <a:t>(t)</a:t>
+            </a:r>
+          </a:p>
+        </p:txBody>
+      </p:sp>
+      <p:sp>
+        <p:nvSpPr>
+          <p:cNvPr id="9" name="TextBox 8">
+            <a:extLst>
+              <a:ext uri="{FF2B5EF4-FFF2-40B4-BE49-F238E27FC236}">
+                <a16:creationId xmlns:a16="http://schemas.microsoft.com/office/drawing/2014/main" id="{C7A60CB0-B050-22BF-3546-7412F009C101}"/>
+              </a:ext>
+            </a:extLst>
+          </p:cNvPr>
+          <p:cNvSpPr txBox="1"/>
+          <p:nvPr/>
+        </p:nvSpPr>
+        <p:spPr>
+          <a:xfrm>
+            <a:off x="2097454" y="403436"/>
+            <a:ext cx="832760" cy="630942"/>
+          </a:xfrm>
+          <a:prstGeom prst="rect">
+            <a:avLst/>
+          </a:prstGeom>
+          <a:noFill/>
+        </p:spPr>
+        <p:txBody>
+          <a:bodyPr wrap="square" rtlCol="0">
+            <a:spAutoFit/>
+          </a:bodyPr>
+          <a:lstStyle/>
+          <a:p>
+            <a:pPr algn="ctr"/>
+            <a:r>
+              <a:rPr lang="en-GB" sz="3500" b="1" i="1" dirty="0">
+                <a:latin typeface="CMU Serif BoldItalic" panose="02000603000000000000" pitchFamily="2" charset="0"/>
+                <a:ea typeface="CMU Serif BoldItalic" panose="02000603000000000000" pitchFamily="2" charset="0"/>
+                <a:cs typeface="CMU Serif BoldItalic" panose="02000603000000000000" pitchFamily="2" charset="0"/>
+              </a:rPr>
+              <a:t>=</a:t>
+            </a:r>
+          </a:p>
+        </p:txBody>
+      </p:sp>
+      <p:sp>
+        <p:nvSpPr>
+          <p:cNvPr id="10" name="TextBox 9">
+            <a:extLst>
+              <a:ext uri="{FF2B5EF4-FFF2-40B4-BE49-F238E27FC236}">
+                <a16:creationId xmlns:a16="http://schemas.microsoft.com/office/drawing/2014/main" id="{4D3E3EC1-F297-4ABE-78AD-BA3023C010C9}"/>
+              </a:ext>
+            </a:extLst>
+          </p:cNvPr>
+          <p:cNvSpPr txBox="1"/>
+          <p:nvPr/>
+        </p:nvSpPr>
+        <p:spPr>
+          <a:xfrm>
+            <a:off x="7315296" y="392107"/>
+            <a:ext cx="636997" cy="630942"/>
+          </a:xfrm>
+          <a:prstGeom prst="rect">
+            <a:avLst/>
+          </a:prstGeom>
+          <a:noFill/>
+        </p:spPr>
+        <p:txBody>
+          <a:bodyPr wrap="square" rtlCol="0">
+            <a:spAutoFit/>
+          </a:bodyPr>
+          <a:lstStyle/>
+          <a:p>
+            <a:pPr algn="ctr"/>
+            <a:r>
+              <a:rPr lang="en-GB" sz="3500" b="1" i="1" dirty="0">
+                <a:latin typeface="CMU Serif BoldItalic" panose="02000603000000000000" pitchFamily="2" charset="0"/>
+                <a:ea typeface="CMU Serif BoldItalic" panose="02000603000000000000" pitchFamily="2" charset="0"/>
+                <a:cs typeface="CMU Serif BoldItalic" panose="02000603000000000000" pitchFamily="2" charset="0"/>
+              </a:rPr>
+              <a:t>+</a:t>
+            </a:r>
+          </a:p>
+        </p:txBody>
+      </p:sp>
+      <p:sp>
+        <p:nvSpPr>
+          <p:cNvPr id="12" name="TextBox 11">
+            <a:extLst>
+              <a:ext uri="{FF2B5EF4-FFF2-40B4-BE49-F238E27FC236}">
+                <a16:creationId xmlns:a16="http://schemas.microsoft.com/office/drawing/2014/main" id="{EB35F483-3FEC-19FE-58E0-DE0D1DDAA1E9}"/>
+              </a:ext>
+            </a:extLst>
+          </p:cNvPr>
+          <p:cNvSpPr txBox="1"/>
+          <p:nvPr/>
+        </p:nvSpPr>
+        <p:spPr>
+          <a:xfrm>
+            <a:off x="14453000" y="378395"/>
+            <a:ext cx="636997" cy="630942"/>
+          </a:xfrm>
+          <a:prstGeom prst="rect">
+            <a:avLst/>
+          </a:prstGeom>
+          <a:noFill/>
+        </p:spPr>
+        <p:txBody>
+          <a:bodyPr wrap="square" rtlCol="0">
+            <a:spAutoFit/>
+          </a:bodyPr>
+          <a:lstStyle/>
+          <a:p>
+            <a:pPr algn="ctr"/>
+            <a:r>
+              <a:rPr lang="en-GB" sz="3500" b="1" i="1" dirty="0">
+                <a:latin typeface="CMU Serif BoldItalic" panose="02000603000000000000" pitchFamily="2" charset="0"/>
+                <a:ea typeface="CMU Serif BoldItalic" panose="02000603000000000000" pitchFamily="2" charset="0"/>
+                <a:cs typeface="CMU Serif BoldItalic" panose="02000603000000000000" pitchFamily="2" charset="0"/>
+              </a:rPr>
+              <a:t>+</a:t>
             </a:r>
           </a:p>
         </p:txBody>

--- a/figures/fmm-diagram.pptx
+++ b/figures/fmm-diagram.pptx
@@ -3121,8 +3121,8 @@
         </p:blipFill>
         <p:spPr>
           <a:xfrm>
-            <a:off x="15822666" y="319859"/>
-            <a:ext cx="1100626" cy="650369"/>
+            <a:off x="16013052" y="16880"/>
+            <a:ext cx="892053" cy="527122"/>
           </a:xfrm>
           <a:prstGeom prst="rect">
             <a:avLst/>
@@ -4055,7 +4055,7 @@
         </p:nvSpPr>
         <p:spPr>
           <a:xfrm>
-            <a:off x="2959575" y="369113"/>
+            <a:off x="2913656" y="-18985"/>
             <a:ext cx="2047832" cy="707886"/>
           </a:xfrm>
           <a:prstGeom prst="rect">
@@ -4081,54 +4081,6 @@
           </a:p>
         </p:txBody>
       </p:sp>
-      <p:sp>
-        <p:nvSpPr>
-          <p:cNvPr id="72" name="TextBox 71">
-            <a:extLst>
-              <a:ext uri="{FF2B5EF4-FFF2-40B4-BE49-F238E27FC236}">
-                <a16:creationId xmlns:a16="http://schemas.microsoft.com/office/drawing/2014/main" id="{BE2129A3-0739-AF8E-DB1D-BED539C5702F}"/>
-              </a:ext>
-            </a:extLst>
-          </p:cNvPr>
-          <p:cNvSpPr txBox="1"/>
-          <p:nvPr/>
-        </p:nvSpPr>
-        <p:spPr>
-          <a:xfrm>
-            <a:off x="438672" y="274349"/>
-            <a:ext cx="1719937" cy="784830"/>
-          </a:xfrm>
-          <a:prstGeom prst="rect">
-            <a:avLst/>
-          </a:prstGeom>
-          <a:noFill/>
-        </p:spPr>
-        <p:txBody>
-          <a:bodyPr wrap="square" rtlCol="0">
-            <a:spAutoFit/>
-          </a:bodyPr>
-          <a:lstStyle/>
-          <a:p>
-            <a:pPr algn="ctr"/>
-            <a:r>
-              <a:rPr lang="en-GB" sz="4500" b="1" i="1" dirty="0">
-                <a:latin typeface="CMU Serif BoldItalic" panose="02000603000000000000" pitchFamily="2" charset="0"/>
-                <a:ea typeface="CMU Serif BoldItalic" panose="02000603000000000000" pitchFamily="2" charset="0"/>
-                <a:cs typeface="CMU Serif BoldItalic" panose="02000603000000000000" pitchFamily="2" charset="0"/>
-              </a:rPr>
-              <a:t>y</a:t>
-            </a:r>
-            <a:r>
-              <a:rPr lang="en-GB" sz="4500" i="1" dirty="0">
-                <a:latin typeface="CMU Serif" panose="02000603000000000000" pitchFamily="2" charset="0"/>
-                <a:ea typeface="CMU Serif" panose="02000603000000000000" pitchFamily="2" charset="0"/>
-                <a:cs typeface="CMU Serif" panose="02000603000000000000" pitchFamily="2" charset="0"/>
-              </a:rPr>
-              <a:t>(t)</a:t>
-            </a:r>
-          </a:p>
-        </p:txBody>
-      </p:sp>
       <p:pic>
         <p:nvPicPr>
           <p:cNvPr id="79" name="Graphic 78">
@@ -4157,8 +4109,8 @@
         </p:blipFill>
         <p:spPr>
           <a:xfrm>
-            <a:off x="5771668" y="366774"/>
-            <a:ext cx="1017441" cy="551114"/>
+            <a:off x="5923345" y="69416"/>
+            <a:ext cx="991716" cy="537180"/>
           </a:xfrm>
           <a:prstGeom prst="rect">
             <a:avLst/>
@@ -4806,7 +4758,7 @@
         </p:nvSpPr>
         <p:spPr>
           <a:xfrm>
-            <a:off x="8992713" y="304251"/>
+            <a:off x="8977099" y="-60307"/>
             <a:ext cx="2047832" cy="784830"/>
           </a:xfrm>
           <a:prstGeom prst="rect">
@@ -5742,172 +5694,400 @@
       </p:pic>
       <p:sp>
         <p:nvSpPr>
-          <p:cNvPr id="8" name="TextBox 7">
-            <a:extLst>
-              <a:ext uri="{FF2B5EF4-FFF2-40B4-BE49-F238E27FC236}">
-                <a16:creationId xmlns:a16="http://schemas.microsoft.com/office/drawing/2014/main" id="{D73ADA2D-0005-A9B2-47A2-53E3CE09F431}"/>
-              </a:ext>
-            </a:extLst>
-          </p:cNvPr>
-          <p:cNvSpPr txBox="1"/>
-          <p:nvPr/>
-        </p:nvSpPr>
-        <p:spPr>
-          <a:xfrm>
-            <a:off x="12505367" y="249916"/>
-            <a:ext cx="1719937" cy="784830"/>
+          <p:cNvPr id="13" name="Left Brace 12">
+            <a:extLst>
+              <a:ext uri="{FF2B5EF4-FFF2-40B4-BE49-F238E27FC236}">
+                <a16:creationId xmlns:a16="http://schemas.microsoft.com/office/drawing/2014/main" id="{20E6C45F-00C3-6CC9-570D-66ED0549E5C0}"/>
+              </a:ext>
+            </a:extLst>
+          </p:cNvPr>
+          <p:cNvSpPr/>
+          <p:nvPr/>
+        </p:nvSpPr>
+        <p:spPr>
+          <a:xfrm rot="5400000">
+            <a:off x="9877635" y="-1288865"/>
+            <a:ext cx="380470" cy="4094878"/>
+          </a:xfrm>
+          <a:prstGeom prst="leftBrace">
+            <a:avLst/>
+          </a:prstGeom>
+          <a:ln w="12700">
+            <a:solidFill>
+              <a:schemeClr val="bg2">
+                <a:lumMod val="25000"/>
+              </a:schemeClr>
+            </a:solidFill>
+          </a:ln>
+        </p:spPr>
+        <p:style>
+          <a:lnRef idx="1">
+            <a:schemeClr val="dk1"/>
+          </a:lnRef>
+          <a:fillRef idx="0">
+            <a:schemeClr val="dk1"/>
+          </a:fillRef>
+          <a:effectRef idx="0">
+            <a:schemeClr val="dk1"/>
+          </a:effectRef>
+          <a:fontRef idx="minor">
+            <a:schemeClr val="tx1"/>
+          </a:fontRef>
+        </p:style>
+        <p:txBody>
+          <a:bodyPr rtlCol="0" anchor="ctr"/>
+          <a:lstStyle/>
+          <a:p>
+            <a:pPr algn="ctr"/>
+            <a:endParaRPr lang="en-GB"/>
+          </a:p>
+        </p:txBody>
+      </p:sp>
+      <p:sp>
+        <p:nvSpPr>
+          <p:cNvPr id="16" name="Left Brace 15">
+            <a:extLst>
+              <a:ext uri="{FF2B5EF4-FFF2-40B4-BE49-F238E27FC236}">
+                <a16:creationId xmlns:a16="http://schemas.microsoft.com/office/drawing/2014/main" id="{3AEE1284-367B-5746-C99C-34F0FD58DD36}"/>
+              </a:ext>
+            </a:extLst>
+          </p:cNvPr>
+          <p:cNvSpPr/>
+          <p:nvPr/>
+        </p:nvSpPr>
+        <p:spPr>
+          <a:xfrm rot="5400000">
+            <a:off x="13086418" y="-101395"/>
+            <a:ext cx="401565" cy="1719937"/>
+          </a:xfrm>
+          <a:prstGeom prst="leftBrace">
+            <a:avLst/>
+          </a:prstGeom>
+          <a:ln w="12700">
+            <a:solidFill>
+              <a:schemeClr val="bg2">
+                <a:lumMod val="25000"/>
+              </a:schemeClr>
+            </a:solidFill>
+          </a:ln>
+        </p:spPr>
+        <p:style>
+          <a:lnRef idx="1">
+            <a:schemeClr val="dk1"/>
+          </a:lnRef>
+          <a:fillRef idx="0">
+            <a:schemeClr val="dk1"/>
+          </a:fillRef>
+          <a:effectRef idx="0">
+            <a:schemeClr val="dk1"/>
+          </a:effectRef>
+          <a:fontRef idx="minor">
+            <a:schemeClr val="tx1"/>
+          </a:fontRef>
+        </p:style>
+        <p:txBody>
+          <a:bodyPr rtlCol="0" anchor="ctr"/>
+          <a:lstStyle/>
+          <a:p>
+            <a:pPr algn="ctr"/>
+            <a:endParaRPr lang="en-GB"/>
+          </a:p>
+        </p:txBody>
+      </p:sp>
+      <p:sp>
+        <p:nvSpPr>
+          <p:cNvPr id="18" name="Left Brace 17">
+            <a:extLst>
+              <a:ext uri="{FF2B5EF4-FFF2-40B4-BE49-F238E27FC236}">
+                <a16:creationId xmlns:a16="http://schemas.microsoft.com/office/drawing/2014/main" id="{B27FED24-1928-2862-BBAA-3A0C2CCDB423}"/>
+              </a:ext>
+            </a:extLst>
+          </p:cNvPr>
+          <p:cNvSpPr/>
+          <p:nvPr/>
+        </p:nvSpPr>
+        <p:spPr>
+          <a:xfrm rot="5400000">
+            <a:off x="16191758" y="-196906"/>
+            <a:ext cx="404808" cy="1886622"/>
+          </a:xfrm>
+          <a:prstGeom prst="leftBrace">
+            <a:avLst/>
+          </a:prstGeom>
+          <a:ln w="12700">
+            <a:solidFill>
+              <a:schemeClr val="bg2">
+                <a:lumMod val="25000"/>
+              </a:schemeClr>
+            </a:solidFill>
+          </a:ln>
+        </p:spPr>
+        <p:style>
+          <a:lnRef idx="1">
+            <a:schemeClr val="dk1"/>
+          </a:lnRef>
+          <a:fillRef idx="0">
+            <a:schemeClr val="dk1"/>
+          </a:fillRef>
+          <a:effectRef idx="0">
+            <a:schemeClr val="dk1"/>
+          </a:effectRef>
+          <a:fontRef idx="minor">
+            <a:schemeClr val="tx1"/>
+          </a:fontRef>
+        </p:style>
+        <p:txBody>
+          <a:bodyPr rtlCol="0" anchor="ctr"/>
+          <a:lstStyle/>
+          <a:p>
+            <a:pPr algn="ctr"/>
+            <a:endParaRPr lang="en-GB"/>
+          </a:p>
+        </p:txBody>
+      </p:sp>
+      <p:sp>
+        <p:nvSpPr>
+          <p:cNvPr id="34" name="Left Brace 33">
+            <a:extLst>
+              <a:ext uri="{FF2B5EF4-FFF2-40B4-BE49-F238E27FC236}">
+                <a16:creationId xmlns:a16="http://schemas.microsoft.com/office/drawing/2014/main" id="{A500693C-9372-903F-65F8-40A32F3BDA69}"/>
+              </a:ext>
+            </a:extLst>
+          </p:cNvPr>
+          <p:cNvSpPr/>
+          <p:nvPr/>
+        </p:nvSpPr>
+        <p:spPr>
+          <a:xfrm rot="5400000">
+            <a:off x="6029361" y="-161479"/>
+            <a:ext cx="401565" cy="1780145"/>
+          </a:xfrm>
+          <a:prstGeom prst="leftBrace">
+            <a:avLst/>
+          </a:prstGeom>
+          <a:ln w="12700">
+            <a:solidFill>
+              <a:schemeClr val="bg2">
+                <a:lumMod val="25000"/>
+              </a:schemeClr>
+            </a:solidFill>
+          </a:ln>
+        </p:spPr>
+        <p:style>
+          <a:lnRef idx="1">
+            <a:schemeClr val="dk1"/>
+          </a:lnRef>
+          <a:fillRef idx="0">
+            <a:schemeClr val="dk1"/>
+          </a:fillRef>
+          <a:effectRef idx="0">
+            <a:schemeClr val="dk1"/>
+          </a:effectRef>
+          <a:fontRef idx="minor">
+            <a:schemeClr val="tx1"/>
+          </a:fontRef>
+        </p:style>
+        <p:txBody>
+          <a:bodyPr rtlCol="0" anchor="ctr"/>
+          <a:lstStyle/>
+          <a:p>
+            <a:pPr algn="ctr"/>
+            <a:endParaRPr lang="en-GB">
+              <a:solidFill>
+                <a:schemeClr val="bg2">
+                  <a:lumMod val="50000"/>
+                </a:schemeClr>
+              </a:solidFill>
+            </a:endParaRPr>
+          </a:p>
+        </p:txBody>
+      </p:sp>
+      <p:sp>
+        <p:nvSpPr>
+          <p:cNvPr id="36" name="Left Brace 35">
+            <a:extLst>
+              <a:ext uri="{FF2B5EF4-FFF2-40B4-BE49-F238E27FC236}">
+                <a16:creationId xmlns:a16="http://schemas.microsoft.com/office/drawing/2014/main" id="{2B6D5801-D354-EB4D-FB66-155B9A5619ED}"/>
+              </a:ext>
+            </a:extLst>
+          </p:cNvPr>
+          <p:cNvSpPr/>
+          <p:nvPr/>
+        </p:nvSpPr>
+        <p:spPr>
+          <a:xfrm rot="5400000">
+            <a:off x="3733268" y="-408471"/>
+            <a:ext cx="401565" cy="2281463"/>
+          </a:xfrm>
+          <a:prstGeom prst="leftBrace">
+            <a:avLst/>
+          </a:prstGeom>
+          <a:ln w="12700">
+            <a:solidFill>
+              <a:schemeClr val="bg2">
+                <a:lumMod val="25000"/>
+              </a:schemeClr>
+            </a:solidFill>
+          </a:ln>
+        </p:spPr>
+        <p:style>
+          <a:lnRef idx="1">
+            <a:schemeClr val="dk1"/>
+          </a:lnRef>
+          <a:fillRef idx="0">
+            <a:schemeClr val="dk1"/>
+          </a:fillRef>
+          <a:effectRef idx="0">
+            <a:schemeClr val="dk1"/>
+          </a:effectRef>
+          <a:fontRef idx="minor">
+            <a:schemeClr val="tx1"/>
+          </a:fontRef>
+        </p:style>
+        <p:txBody>
+          <a:bodyPr rtlCol="0" anchor="ctr"/>
+          <a:lstStyle/>
+          <a:p>
+            <a:pPr algn="ctr"/>
+            <a:endParaRPr lang="en-GB">
+              <a:solidFill>
+                <a:schemeClr val="bg2">
+                  <a:lumMod val="50000"/>
+                </a:schemeClr>
+              </a:solidFill>
+            </a:endParaRPr>
+          </a:p>
+        </p:txBody>
+      </p:sp>
+      <p:sp>
+        <p:nvSpPr>
+          <p:cNvPr id="37" name="Left Brace 36">
+            <a:extLst>
+              <a:ext uri="{FF2B5EF4-FFF2-40B4-BE49-F238E27FC236}">
+                <a16:creationId xmlns:a16="http://schemas.microsoft.com/office/drawing/2014/main" id="{5A90FA2B-3577-BA8A-6BE1-A8A5519B6D1D}"/>
+              </a:ext>
+            </a:extLst>
+          </p:cNvPr>
+          <p:cNvSpPr/>
+          <p:nvPr/>
+        </p:nvSpPr>
+        <p:spPr>
+          <a:xfrm rot="5400000">
+            <a:off x="1036767" y="-208749"/>
+            <a:ext cx="401565" cy="1949612"/>
+          </a:xfrm>
+          <a:prstGeom prst="leftBrace">
+            <a:avLst/>
+          </a:prstGeom>
+          <a:ln w="12700">
+            <a:solidFill>
+              <a:schemeClr val="bg2">
+                <a:lumMod val="25000"/>
+              </a:schemeClr>
+            </a:solidFill>
+          </a:ln>
+        </p:spPr>
+        <p:style>
+          <a:lnRef idx="1">
+            <a:schemeClr val="dk1"/>
+          </a:lnRef>
+          <a:fillRef idx="0">
+            <a:schemeClr val="dk1"/>
+          </a:fillRef>
+          <a:effectRef idx="0">
+            <a:schemeClr val="dk1"/>
+          </a:effectRef>
+          <a:fontRef idx="minor">
+            <a:schemeClr val="tx1"/>
+          </a:fontRef>
+        </p:style>
+        <p:txBody>
+          <a:bodyPr rtlCol="0" anchor="ctr"/>
+          <a:lstStyle/>
+          <a:p>
+            <a:pPr algn="ctr"/>
+            <a:endParaRPr lang="en-GB">
+              <a:solidFill>
+                <a:schemeClr val="bg2">
+                  <a:lumMod val="50000"/>
+                </a:schemeClr>
+              </a:solidFill>
+            </a:endParaRPr>
+          </a:p>
+        </p:txBody>
+      </p:sp>
+      <p:pic>
+        <p:nvPicPr>
+          <p:cNvPr id="39" name="Graphic 38">
+            <a:extLst>
+              <a:ext uri="{FF2B5EF4-FFF2-40B4-BE49-F238E27FC236}">
+                <a16:creationId xmlns:a16="http://schemas.microsoft.com/office/drawing/2014/main" id="{C812DAE0-D816-2915-43D1-109F2D07B237}"/>
+              </a:ext>
+            </a:extLst>
+          </p:cNvPr>
+          <p:cNvPicPr>
+            <a:picLocks noChangeAspect="1"/>
+          </p:cNvPicPr>
+          <p:nvPr/>
+        </p:nvPicPr>
+        <p:blipFill>
+          <a:blip r:embed="rId18">
+            <a:extLst>
+              <a:ext uri="{96DAC541-7B7A-43D3-8B79-37D633B846F1}">
+                <asvg:svgBlip xmlns:asvg="http://schemas.microsoft.com/office/drawing/2016/SVG/main" r:embed="rId19"/>
+              </a:ext>
+            </a:extLst>
+          </a:blip>
+          <a:stretch>
+            <a:fillRect/>
+          </a:stretch>
+        </p:blipFill>
+        <p:spPr>
+          <a:xfrm>
+            <a:off x="841774" y="82771"/>
+            <a:ext cx="897212" cy="485990"/>
           </a:xfrm>
           <a:prstGeom prst="rect">
             <a:avLst/>
           </a:prstGeom>
-          <a:noFill/>
-        </p:spPr>
-        <p:txBody>
-          <a:bodyPr wrap="square" rtlCol="0">
-            <a:spAutoFit/>
-          </a:bodyPr>
-          <a:lstStyle/>
-          <a:p>
-            <a:pPr algn="ctr"/>
-            <a:r>
-              <a:rPr lang="en-GB" sz="4500" b="1" i="1" dirty="0">
-                <a:latin typeface="CMU Serif BoldItalic" panose="02000603000000000000" pitchFamily="2" charset="0"/>
-                <a:ea typeface="CMU Serif BoldItalic" panose="02000603000000000000" pitchFamily="2" charset="0"/>
-                <a:cs typeface="CMU Serif BoldItalic" panose="02000603000000000000" pitchFamily="2" charset="0"/>
-              </a:rPr>
-              <a:t>u</a:t>
-            </a:r>
-            <a:r>
-              <a:rPr lang="en-GB" sz="4500" i="1" dirty="0">
-                <a:latin typeface="CMU Serif" panose="02000603000000000000" pitchFamily="2" charset="0"/>
-                <a:ea typeface="CMU Serif" panose="02000603000000000000" pitchFamily="2" charset="0"/>
-                <a:cs typeface="CMU Serif" panose="02000603000000000000" pitchFamily="2" charset="0"/>
-              </a:rPr>
-              <a:t>(t)</a:t>
-            </a:r>
-          </a:p>
-        </p:txBody>
-      </p:sp>
-      <p:sp>
-        <p:nvSpPr>
-          <p:cNvPr id="9" name="TextBox 8">
-            <a:extLst>
-              <a:ext uri="{FF2B5EF4-FFF2-40B4-BE49-F238E27FC236}">
-                <a16:creationId xmlns:a16="http://schemas.microsoft.com/office/drawing/2014/main" id="{C7A60CB0-B050-22BF-3546-7412F009C101}"/>
-              </a:ext>
-            </a:extLst>
-          </p:cNvPr>
-          <p:cNvSpPr txBox="1"/>
-          <p:nvPr/>
-        </p:nvSpPr>
-        <p:spPr>
-          <a:xfrm>
-            <a:off x="2097454" y="403436"/>
-            <a:ext cx="832760" cy="630942"/>
+        </p:spPr>
+      </p:pic>
+      <p:pic>
+        <p:nvPicPr>
+          <p:cNvPr id="41" name="Graphic 40">
+            <a:extLst>
+              <a:ext uri="{FF2B5EF4-FFF2-40B4-BE49-F238E27FC236}">
+                <a16:creationId xmlns:a16="http://schemas.microsoft.com/office/drawing/2014/main" id="{8BD0806B-43F4-4F5B-08B4-2479482222DB}"/>
+              </a:ext>
+            </a:extLst>
+          </p:cNvPr>
+          <p:cNvPicPr>
+            <a:picLocks noChangeAspect="1"/>
+          </p:cNvPicPr>
+          <p:nvPr/>
+        </p:nvPicPr>
+        <p:blipFill>
+          <a:blip r:embed="rId20">
+            <a:extLst>
+              <a:ext uri="{96DAC541-7B7A-43D3-8B79-37D633B846F1}">
+                <asvg:svgBlip xmlns:asvg="http://schemas.microsoft.com/office/drawing/2016/SVG/main" r:embed="rId21"/>
+              </a:ext>
+            </a:extLst>
+          </a:blip>
+          <a:stretch>
+            <a:fillRect/>
+          </a:stretch>
+        </p:blipFill>
+        <p:spPr>
+          <a:xfrm>
+            <a:off x="12905759" y="52381"/>
+            <a:ext cx="892053" cy="483195"/>
           </a:xfrm>
           <a:prstGeom prst="rect">
             <a:avLst/>
           </a:prstGeom>
-          <a:noFill/>
-        </p:spPr>
-        <p:txBody>
-          <a:bodyPr wrap="square" rtlCol="0">
-            <a:spAutoFit/>
-          </a:bodyPr>
-          <a:lstStyle/>
-          <a:p>
-            <a:pPr algn="ctr"/>
-            <a:r>
-              <a:rPr lang="en-GB" sz="3500" b="1" i="1" dirty="0">
-                <a:latin typeface="CMU Serif BoldItalic" panose="02000603000000000000" pitchFamily="2" charset="0"/>
-                <a:ea typeface="CMU Serif BoldItalic" panose="02000603000000000000" pitchFamily="2" charset="0"/>
-                <a:cs typeface="CMU Serif BoldItalic" panose="02000603000000000000" pitchFamily="2" charset="0"/>
-              </a:rPr>
-              <a:t>=</a:t>
-            </a:r>
-          </a:p>
-        </p:txBody>
-      </p:sp>
-      <p:sp>
-        <p:nvSpPr>
-          <p:cNvPr id="10" name="TextBox 9">
-            <a:extLst>
-              <a:ext uri="{FF2B5EF4-FFF2-40B4-BE49-F238E27FC236}">
-                <a16:creationId xmlns:a16="http://schemas.microsoft.com/office/drawing/2014/main" id="{4D3E3EC1-F297-4ABE-78AD-BA3023C010C9}"/>
-              </a:ext>
-            </a:extLst>
-          </p:cNvPr>
-          <p:cNvSpPr txBox="1"/>
-          <p:nvPr/>
-        </p:nvSpPr>
-        <p:spPr>
-          <a:xfrm>
-            <a:off x="7315296" y="392107"/>
-            <a:ext cx="636997" cy="630942"/>
-          </a:xfrm>
-          <a:prstGeom prst="rect">
-            <a:avLst/>
-          </a:prstGeom>
-          <a:noFill/>
-        </p:spPr>
-        <p:txBody>
-          <a:bodyPr wrap="square" rtlCol="0">
-            <a:spAutoFit/>
-          </a:bodyPr>
-          <a:lstStyle/>
-          <a:p>
-            <a:pPr algn="ctr"/>
-            <a:r>
-              <a:rPr lang="en-GB" sz="3500" b="1" i="1" dirty="0">
-                <a:latin typeface="CMU Serif BoldItalic" panose="02000603000000000000" pitchFamily="2" charset="0"/>
-                <a:ea typeface="CMU Serif BoldItalic" panose="02000603000000000000" pitchFamily="2" charset="0"/>
-                <a:cs typeface="CMU Serif BoldItalic" panose="02000603000000000000" pitchFamily="2" charset="0"/>
-              </a:rPr>
-              <a:t>+</a:t>
-            </a:r>
-          </a:p>
-        </p:txBody>
-      </p:sp>
-      <p:sp>
-        <p:nvSpPr>
-          <p:cNvPr id="12" name="TextBox 11">
-            <a:extLst>
-              <a:ext uri="{FF2B5EF4-FFF2-40B4-BE49-F238E27FC236}">
-                <a16:creationId xmlns:a16="http://schemas.microsoft.com/office/drawing/2014/main" id="{EB35F483-3FEC-19FE-58E0-DE0D1DDAA1E9}"/>
-              </a:ext>
-            </a:extLst>
-          </p:cNvPr>
-          <p:cNvSpPr txBox="1"/>
-          <p:nvPr/>
-        </p:nvSpPr>
-        <p:spPr>
-          <a:xfrm>
-            <a:off x="14453000" y="378395"/>
-            <a:ext cx="636997" cy="630942"/>
-          </a:xfrm>
-          <a:prstGeom prst="rect">
-            <a:avLst/>
-          </a:prstGeom>
-          <a:noFill/>
-        </p:spPr>
-        <p:txBody>
-          <a:bodyPr wrap="square" rtlCol="0">
-            <a:spAutoFit/>
-          </a:bodyPr>
-          <a:lstStyle/>
-          <a:p>
-            <a:pPr algn="ctr"/>
-            <a:r>
-              <a:rPr lang="en-GB" sz="3500" b="1" i="1" dirty="0">
-                <a:latin typeface="CMU Serif BoldItalic" panose="02000603000000000000" pitchFamily="2" charset="0"/>
-                <a:ea typeface="CMU Serif BoldItalic" panose="02000603000000000000" pitchFamily="2" charset="0"/>
-                <a:cs typeface="CMU Serif BoldItalic" panose="02000603000000000000" pitchFamily="2" charset="0"/>
-              </a:rPr>
-              <a:t>+</a:t>
-            </a:r>
-          </a:p>
-        </p:txBody>
-      </p:sp>
+        </p:spPr>
+      </p:pic>
     </p:spTree>
     <p:extLst>
       <p:ext uri="{BB962C8B-B14F-4D97-AF65-F5344CB8AC3E}">

--- a/figures/fmm-diagram.pptx
+++ b/figures/fmm-diagram.pptx
@@ -2,12 +2,12 @@
 <file path=ppt/presentation.xml><?xml version="1.0" encoding="utf-8"?>
 <p:presentation xmlns:a="http://schemas.openxmlformats.org/drawingml/2006/main" xmlns:r="http://schemas.openxmlformats.org/officeDocument/2006/relationships" xmlns:p="http://schemas.openxmlformats.org/presentationml/2006/main" saveSubsetFonts="1" autoCompressPictures="0">
   <p:sldMasterIdLst>
-    <p:sldMasterId id="2147483684" r:id="rId1"/>
+    <p:sldMasterId id="2147483708" r:id="rId1"/>
   </p:sldMasterIdLst>
   <p:sldIdLst>
     <p:sldId id="259" r:id="rId2"/>
   </p:sldIdLst>
-  <p:sldSz cx="18000663" cy="7920038"/>
+  <p:sldSz cx="18719800" cy="8999538"/>
   <p:notesSz cx="6858000" cy="9144000"/>
   <p:defaultTextStyle>
     <a:defPPr>
@@ -141,15 +141,15 @@
         </p:nvSpPr>
         <p:spPr>
           <a:xfrm>
-            <a:off x="2250083" y="1296173"/>
-            <a:ext cx="13500497" cy="2757347"/>
+            <a:off x="2339975" y="1472842"/>
+            <a:ext cx="14039850" cy="3133172"/>
           </a:xfrm>
         </p:spPr>
         <p:txBody>
           <a:bodyPr anchor="b"/>
           <a:lstStyle>
             <a:lvl1pPr algn="ctr">
-              <a:defRPr sz="6929"/>
+              <a:defRPr sz="7874"/>
             </a:lvl1pPr>
           </a:lstStyle>
           <a:p>
@@ -173,8 +173,8 @@
         </p:nvSpPr>
         <p:spPr>
           <a:xfrm>
-            <a:off x="2250083" y="4159854"/>
-            <a:ext cx="13500497" cy="1912175"/>
+            <a:off x="2339975" y="4726842"/>
+            <a:ext cx="14039850" cy="2172804"/>
           </a:xfrm>
         </p:spPr>
         <p:txBody>
@@ -182,39 +182,39 @@
           <a:lstStyle>
             <a:lvl1pPr marL="0" indent="0" algn="ctr">
               <a:buNone/>
-              <a:defRPr sz="2772"/>
+              <a:defRPr sz="3150"/>
             </a:lvl1pPr>
-            <a:lvl2pPr marL="528020" indent="0" algn="ctr">
+            <a:lvl2pPr marL="599984" indent="0" algn="ctr">
               <a:buNone/>
-              <a:defRPr sz="2310"/>
+              <a:defRPr sz="2625"/>
             </a:lvl2pPr>
-            <a:lvl3pPr marL="1056041" indent="0" algn="ctr">
+            <a:lvl3pPr marL="1199967" indent="0" algn="ctr">
               <a:buNone/>
-              <a:defRPr sz="2079"/>
+              <a:defRPr sz="2362"/>
             </a:lvl3pPr>
-            <a:lvl4pPr marL="1584061" indent="0" algn="ctr">
+            <a:lvl4pPr marL="1799951" indent="0" algn="ctr">
               <a:buNone/>
-              <a:defRPr sz="1848"/>
+              <a:defRPr sz="2100"/>
             </a:lvl4pPr>
-            <a:lvl5pPr marL="2112081" indent="0" algn="ctr">
+            <a:lvl5pPr marL="2399934" indent="0" algn="ctr">
               <a:buNone/>
-              <a:defRPr sz="1848"/>
+              <a:defRPr sz="2100"/>
             </a:lvl5pPr>
-            <a:lvl6pPr marL="2640101" indent="0" algn="ctr">
+            <a:lvl6pPr marL="2999918" indent="0" algn="ctr">
               <a:buNone/>
-              <a:defRPr sz="1848"/>
+              <a:defRPr sz="2100"/>
             </a:lvl6pPr>
-            <a:lvl7pPr marL="3168122" indent="0" algn="ctr">
+            <a:lvl7pPr marL="3599901" indent="0" algn="ctr">
               <a:buNone/>
-              <a:defRPr sz="1848"/>
+              <a:defRPr sz="2100"/>
             </a:lvl7pPr>
-            <a:lvl8pPr marL="3696142" indent="0" algn="ctr">
+            <a:lvl8pPr marL="4199885" indent="0" algn="ctr">
               <a:buNone/>
-              <a:defRPr sz="1848"/>
+              <a:defRPr sz="2100"/>
             </a:lvl8pPr>
-            <a:lvl9pPr marL="4224162" indent="0" algn="ctr">
+            <a:lvl9pPr marL="4799868" indent="0" algn="ctr">
               <a:buNone/>
-              <a:defRPr sz="1848"/>
+              <a:defRPr sz="2100"/>
             </a:lvl9pPr>
           </a:lstStyle>
           <a:p>
@@ -294,7 +294,7 @@
     </p:spTree>
     <p:extLst>
       <p:ext uri="{BB962C8B-B14F-4D97-AF65-F5344CB8AC3E}">
-        <p14:creationId xmlns:p14="http://schemas.microsoft.com/office/powerpoint/2010/main" val="550557975"/>
+        <p14:creationId xmlns:p14="http://schemas.microsoft.com/office/powerpoint/2010/main" val="1652035099"/>
       </p:ext>
     </p:extLst>
   </p:cSld>
@@ -464,7 +464,7 @@
     </p:spTree>
     <p:extLst>
       <p:ext uri="{BB962C8B-B14F-4D97-AF65-F5344CB8AC3E}">
-        <p14:creationId xmlns:p14="http://schemas.microsoft.com/office/powerpoint/2010/main" val="3588224004"/>
+        <p14:creationId xmlns:p14="http://schemas.microsoft.com/office/powerpoint/2010/main" val="647975808"/>
       </p:ext>
     </p:extLst>
   </p:cSld>
@@ -503,8 +503,8 @@
         </p:nvSpPr>
         <p:spPr>
           <a:xfrm>
-            <a:off x="12881724" y="421669"/>
-            <a:ext cx="3881393" cy="6711866"/>
+            <a:off x="13396357" y="479142"/>
+            <a:ext cx="4036457" cy="7626692"/>
           </a:xfrm>
         </p:spPr>
         <p:txBody>
@@ -531,8 +531,8 @@
         </p:nvSpPr>
         <p:spPr>
           <a:xfrm>
-            <a:off x="1237545" y="421669"/>
-            <a:ext cx="11419171" cy="6711866"/>
+            <a:off x="1286986" y="479142"/>
+            <a:ext cx="11875373" cy="7626692"/>
           </a:xfrm>
         </p:spPr>
         <p:txBody>
@@ -644,7 +644,7 @@
     </p:spTree>
     <p:extLst>
       <p:ext uri="{BB962C8B-B14F-4D97-AF65-F5344CB8AC3E}">
-        <p14:creationId xmlns:p14="http://schemas.microsoft.com/office/powerpoint/2010/main" val="3008967617"/>
+        <p14:creationId xmlns:p14="http://schemas.microsoft.com/office/powerpoint/2010/main" val="4146003618"/>
       </p:ext>
     </p:extLst>
   </p:cSld>
@@ -814,7 +814,7 @@
     </p:spTree>
     <p:extLst>
       <p:ext uri="{BB962C8B-B14F-4D97-AF65-F5344CB8AC3E}">
-        <p14:creationId xmlns:p14="http://schemas.microsoft.com/office/powerpoint/2010/main" val="2477220400"/>
+        <p14:creationId xmlns:p14="http://schemas.microsoft.com/office/powerpoint/2010/main" val="3955203252"/>
       </p:ext>
     </p:extLst>
   </p:cSld>
@@ -853,15 +853,15 @@
         </p:nvSpPr>
         <p:spPr>
           <a:xfrm>
-            <a:off x="1228170" y="1974511"/>
-            <a:ext cx="15525572" cy="3294515"/>
+            <a:off x="1277236" y="2243636"/>
+            <a:ext cx="16145828" cy="3743557"/>
           </a:xfrm>
         </p:spPr>
         <p:txBody>
           <a:bodyPr anchor="b"/>
           <a:lstStyle>
             <a:lvl1pPr>
-              <a:defRPr sz="6929"/>
+              <a:defRPr sz="7874"/>
             </a:lvl1pPr>
           </a:lstStyle>
           <a:p>
@@ -885,8 +885,8 @@
         </p:nvSpPr>
         <p:spPr>
           <a:xfrm>
-            <a:off x="1228170" y="5300193"/>
-            <a:ext cx="15525572" cy="1732508"/>
+            <a:off x="1277236" y="6022609"/>
+            <a:ext cx="16145828" cy="1968648"/>
           </a:xfrm>
         </p:spPr>
         <p:txBody>
@@ -894,7 +894,7 @@
           <a:lstStyle>
             <a:lvl1pPr marL="0" indent="0">
               <a:buNone/>
-              <a:defRPr sz="2772">
+              <a:defRPr sz="3150">
                 <a:solidFill>
                   <a:schemeClr val="tx1">
                     <a:tint val="75000"/>
@@ -902,9 +902,9 @@
                 </a:solidFill>
               </a:defRPr>
             </a:lvl1pPr>
-            <a:lvl2pPr marL="528020" indent="0">
+            <a:lvl2pPr marL="599984" indent="0">
               <a:buNone/>
-              <a:defRPr sz="2310">
+              <a:defRPr sz="2625">
                 <a:solidFill>
                   <a:schemeClr val="tx1">
                     <a:tint val="75000"/>
@@ -912,9 +912,9 @@
                 </a:solidFill>
               </a:defRPr>
             </a:lvl2pPr>
-            <a:lvl3pPr marL="1056041" indent="0">
+            <a:lvl3pPr marL="1199967" indent="0">
               <a:buNone/>
-              <a:defRPr sz="2079">
+              <a:defRPr sz="2362">
                 <a:solidFill>
                   <a:schemeClr val="tx1">
                     <a:tint val="75000"/>
@@ -922,9 +922,9 @@
                 </a:solidFill>
               </a:defRPr>
             </a:lvl3pPr>
-            <a:lvl4pPr marL="1584061" indent="0">
+            <a:lvl4pPr marL="1799951" indent="0">
               <a:buNone/>
-              <a:defRPr sz="1848">
+              <a:defRPr sz="2100">
                 <a:solidFill>
                   <a:schemeClr val="tx1">
                     <a:tint val="75000"/>
@@ -932,9 +932,9 @@
                 </a:solidFill>
               </a:defRPr>
             </a:lvl4pPr>
-            <a:lvl5pPr marL="2112081" indent="0">
+            <a:lvl5pPr marL="2399934" indent="0">
               <a:buNone/>
-              <a:defRPr sz="1848">
+              <a:defRPr sz="2100">
                 <a:solidFill>
                   <a:schemeClr val="tx1">
                     <a:tint val="75000"/>
@@ -942,9 +942,9 @@
                 </a:solidFill>
               </a:defRPr>
             </a:lvl5pPr>
-            <a:lvl6pPr marL="2640101" indent="0">
+            <a:lvl6pPr marL="2999918" indent="0">
               <a:buNone/>
-              <a:defRPr sz="1848">
+              <a:defRPr sz="2100">
                 <a:solidFill>
                   <a:schemeClr val="tx1">
                     <a:tint val="75000"/>
@@ -952,9 +952,9 @@
                 </a:solidFill>
               </a:defRPr>
             </a:lvl6pPr>
-            <a:lvl7pPr marL="3168122" indent="0">
+            <a:lvl7pPr marL="3599901" indent="0">
               <a:buNone/>
-              <a:defRPr sz="1848">
+              <a:defRPr sz="2100">
                 <a:solidFill>
                   <a:schemeClr val="tx1">
                     <a:tint val="75000"/>
@@ -962,9 +962,9 @@
                 </a:solidFill>
               </a:defRPr>
             </a:lvl7pPr>
-            <a:lvl8pPr marL="3696142" indent="0">
+            <a:lvl8pPr marL="4199885" indent="0">
               <a:buNone/>
-              <a:defRPr sz="1848">
+              <a:defRPr sz="2100">
                 <a:solidFill>
                   <a:schemeClr val="tx1">
                     <a:tint val="75000"/>
@@ -972,9 +972,9 @@
                 </a:solidFill>
               </a:defRPr>
             </a:lvl8pPr>
-            <a:lvl9pPr marL="4224162" indent="0">
+            <a:lvl9pPr marL="4799868" indent="0">
               <a:buNone/>
-              <a:defRPr sz="1848">
+              <a:defRPr sz="2100">
                 <a:solidFill>
                   <a:schemeClr val="tx1">
                     <a:tint val="75000"/>
@@ -1060,7 +1060,7 @@
     </p:spTree>
     <p:extLst>
       <p:ext uri="{BB962C8B-B14F-4D97-AF65-F5344CB8AC3E}">
-        <p14:creationId xmlns:p14="http://schemas.microsoft.com/office/powerpoint/2010/main" val="3154873486"/>
+        <p14:creationId xmlns:p14="http://schemas.microsoft.com/office/powerpoint/2010/main" val="2503102636"/>
       </p:ext>
     </p:extLst>
   </p:cSld>
@@ -1122,8 +1122,8 @@
         </p:nvSpPr>
         <p:spPr>
           <a:xfrm>
-            <a:off x="1237545" y="2108344"/>
-            <a:ext cx="7650282" cy="5025191"/>
+            <a:off x="1286986" y="2395710"/>
+            <a:ext cx="7955915" cy="5710124"/>
           </a:xfrm>
         </p:spPr>
         <p:txBody>
@@ -1179,8 +1179,8 @@
         </p:nvSpPr>
         <p:spPr>
           <a:xfrm>
-            <a:off x="9112836" y="2108344"/>
-            <a:ext cx="7650282" cy="5025191"/>
+            <a:off x="9476899" y="2395710"/>
+            <a:ext cx="7955915" cy="5710124"/>
           </a:xfrm>
         </p:spPr>
         <p:txBody>
@@ -1292,7 +1292,7 @@
     </p:spTree>
     <p:extLst>
       <p:ext uri="{BB962C8B-B14F-4D97-AF65-F5344CB8AC3E}">
-        <p14:creationId xmlns:p14="http://schemas.microsoft.com/office/powerpoint/2010/main" val="192877135"/>
+        <p14:creationId xmlns:p14="http://schemas.microsoft.com/office/powerpoint/2010/main" val="945929338"/>
       </p:ext>
     </p:extLst>
   </p:cSld>
@@ -1331,8 +1331,8 @@
         </p:nvSpPr>
         <p:spPr>
           <a:xfrm>
-            <a:off x="1239890" y="421669"/>
-            <a:ext cx="15525572" cy="1530841"/>
+            <a:off x="1289424" y="479143"/>
+            <a:ext cx="16145828" cy="1739495"/>
           </a:xfrm>
         </p:spPr>
         <p:txBody>
@@ -1359,8 +1359,8 @@
         </p:nvSpPr>
         <p:spPr>
           <a:xfrm>
-            <a:off x="1239891" y="1941510"/>
-            <a:ext cx="7615123" cy="951504"/>
+            <a:off x="1289425" y="2206137"/>
+            <a:ext cx="7919352" cy="1081194"/>
           </a:xfrm>
         </p:spPr>
         <p:txBody>
@@ -1368,39 +1368,39 @@
           <a:lstStyle>
             <a:lvl1pPr marL="0" indent="0">
               <a:buNone/>
-              <a:defRPr sz="2772" b="1"/>
+              <a:defRPr sz="3150" b="1"/>
             </a:lvl1pPr>
-            <a:lvl2pPr marL="528020" indent="0">
+            <a:lvl2pPr marL="599984" indent="0">
               <a:buNone/>
-              <a:defRPr sz="2310" b="1"/>
+              <a:defRPr sz="2625" b="1"/>
             </a:lvl2pPr>
-            <a:lvl3pPr marL="1056041" indent="0">
+            <a:lvl3pPr marL="1199967" indent="0">
               <a:buNone/>
-              <a:defRPr sz="2079" b="1"/>
+              <a:defRPr sz="2362" b="1"/>
             </a:lvl3pPr>
-            <a:lvl4pPr marL="1584061" indent="0">
+            <a:lvl4pPr marL="1799951" indent="0">
               <a:buNone/>
-              <a:defRPr sz="1848" b="1"/>
+              <a:defRPr sz="2100" b="1"/>
             </a:lvl4pPr>
-            <a:lvl5pPr marL="2112081" indent="0">
+            <a:lvl5pPr marL="2399934" indent="0">
               <a:buNone/>
-              <a:defRPr sz="1848" b="1"/>
+              <a:defRPr sz="2100" b="1"/>
             </a:lvl5pPr>
-            <a:lvl6pPr marL="2640101" indent="0">
+            <a:lvl6pPr marL="2999918" indent="0">
               <a:buNone/>
-              <a:defRPr sz="1848" b="1"/>
+              <a:defRPr sz="2100" b="1"/>
             </a:lvl6pPr>
-            <a:lvl7pPr marL="3168122" indent="0">
+            <a:lvl7pPr marL="3599901" indent="0">
               <a:buNone/>
-              <a:defRPr sz="1848" b="1"/>
+              <a:defRPr sz="2100" b="1"/>
             </a:lvl7pPr>
-            <a:lvl8pPr marL="3696142" indent="0">
+            <a:lvl8pPr marL="4199885" indent="0">
               <a:buNone/>
-              <a:defRPr sz="1848" b="1"/>
+              <a:defRPr sz="2100" b="1"/>
             </a:lvl8pPr>
-            <a:lvl9pPr marL="4224162" indent="0">
+            <a:lvl9pPr marL="4799868" indent="0">
               <a:buNone/>
-              <a:defRPr sz="1848" b="1"/>
+              <a:defRPr sz="2100" b="1"/>
             </a:lvl9pPr>
           </a:lstStyle>
           <a:p>
@@ -1424,8 +1424,8 @@
         </p:nvSpPr>
         <p:spPr>
           <a:xfrm>
-            <a:off x="1239891" y="2893014"/>
-            <a:ext cx="7615123" cy="4255188"/>
+            <a:off x="1289425" y="3287331"/>
+            <a:ext cx="7919352" cy="4835169"/>
           </a:xfrm>
         </p:spPr>
         <p:txBody>
@@ -1481,8 +1481,8 @@
         </p:nvSpPr>
         <p:spPr>
           <a:xfrm>
-            <a:off x="9112836" y="1941510"/>
-            <a:ext cx="7652626" cy="951504"/>
+            <a:off x="9476899" y="2206137"/>
+            <a:ext cx="7958353" cy="1081194"/>
           </a:xfrm>
         </p:spPr>
         <p:txBody>
@@ -1490,39 +1490,39 @@
           <a:lstStyle>
             <a:lvl1pPr marL="0" indent="0">
               <a:buNone/>
-              <a:defRPr sz="2772" b="1"/>
+              <a:defRPr sz="3150" b="1"/>
             </a:lvl1pPr>
-            <a:lvl2pPr marL="528020" indent="0">
+            <a:lvl2pPr marL="599984" indent="0">
               <a:buNone/>
-              <a:defRPr sz="2310" b="1"/>
+              <a:defRPr sz="2625" b="1"/>
             </a:lvl2pPr>
-            <a:lvl3pPr marL="1056041" indent="0">
+            <a:lvl3pPr marL="1199967" indent="0">
               <a:buNone/>
-              <a:defRPr sz="2079" b="1"/>
+              <a:defRPr sz="2362" b="1"/>
             </a:lvl3pPr>
-            <a:lvl4pPr marL="1584061" indent="0">
+            <a:lvl4pPr marL="1799951" indent="0">
               <a:buNone/>
-              <a:defRPr sz="1848" b="1"/>
+              <a:defRPr sz="2100" b="1"/>
             </a:lvl4pPr>
-            <a:lvl5pPr marL="2112081" indent="0">
+            <a:lvl5pPr marL="2399934" indent="0">
               <a:buNone/>
-              <a:defRPr sz="1848" b="1"/>
+              <a:defRPr sz="2100" b="1"/>
             </a:lvl5pPr>
-            <a:lvl6pPr marL="2640101" indent="0">
+            <a:lvl6pPr marL="2999918" indent="0">
               <a:buNone/>
-              <a:defRPr sz="1848" b="1"/>
+              <a:defRPr sz="2100" b="1"/>
             </a:lvl6pPr>
-            <a:lvl7pPr marL="3168122" indent="0">
+            <a:lvl7pPr marL="3599901" indent="0">
               <a:buNone/>
-              <a:defRPr sz="1848" b="1"/>
+              <a:defRPr sz="2100" b="1"/>
             </a:lvl7pPr>
-            <a:lvl8pPr marL="3696142" indent="0">
+            <a:lvl8pPr marL="4199885" indent="0">
               <a:buNone/>
-              <a:defRPr sz="1848" b="1"/>
+              <a:defRPr sz="2100" b="1"/>
             </a:lvl8pPr>
-            <a:lvl9pPr marL="4224162" indent="0">
+            <a:lvl9pPr marL="4799868" indent="0">
               <a:buNone/>
-              <a:defRPr sz="1848" b="1"/>
+              <a:defRPr sz="2100" b="1"/>
             </a:lvl9pPr>
           </a:lstStyle>
           <a:p>
@@ -1546,8 +1546,8 @@
         </p:nvSpPr>
         <p:spPr>
           <a:xfrm>
-            <a:off x="9112836" y="2893014"/>
-            <a:ext cx="7652626" cy="4255188"/>
+            <a:off x="9476899" y="3287331"/>
+            <a:ext cx="7958353" cy="4835169"/>
           </a:xfrm>
         </p:spPr>
         <p:txBody>
@@ -1659,7 +1659,7 @@
     </p:spTree>
     <p:extLst>
       <p:ext uri="{BB962C8B-B14F-4D97-AF65-F5344CB8AC3E}">
-        <p14:creationId xmlns:p14="http://schemas.microsoft.com/office/powerpoint/2010/main" val="2292345214"/>
+        <p14:creationId xmlns:p14="http://schemas.microsoft.com/office/powerpoint/2010/main" val="1210495966"/>
       </p:ext>
     </p:extLst>
   </p:cSld>
@@ -1777,7 +1777,7 @@
     </p:spTree>
     <p:extLst>
       <p:ext uri="{BB962C8B-B14F-4D97-AF65-F5344CB8AC3E}">
-        <p14:creationId xmlns:p14="http://schemas.microsoft.com/office/powerpoint/2010/main" val="1762810182"/>
+        <p14:creationId xmlns:p14="http://schemas.microsoft.com/office/powerpoint/2010/main" val="3262991198"/>
       </p:ext>
     </p:extLst>
   </p:cSld>
@@ -1872,7 +1872,7 @@
     </p:spTree>
     <p:extLst>
       <p:ext uri="{BB962C8B-B14F-4D97-AF65-F5344CB8AC3E}">
-        <p14:creationId xmlns:p14="http://schemas.microsoft.com/office/powerpoint/2010/main" val="3152304294"/>
+        <p14:creationId xmlns:p14="http://schemas.microsoft.com/office/powerpoint/2010/main" val="1789174349"/>
       </p:ext>
     </p:extLst>
   </p:cSld>
@@ -1911,15 +1911,15 @@
         </p:nvSpPr>
         <p:spPr>
           <a:xfrm>
-            <a:off x="1239891" y="528002"/>
-            <a:ext cx="5805682" cy="1848009"/>
+            <a:off x="1289425" y="599969"/>
+            <a:ext cx="6037622" cy="2099892"/>
           </a:xfrm>
         </p:spPr>
         <p:txBody>
           <a:bodyPr anchor="b"/>
           <a:lstStyle>
             <a:lvl1pPr>
-              <a:defRPr sz="3696"/>
+              <a:defRPr sz="4199"/>
             </a:lvl1pPr>
           </a:lstStyle>
           <a:p>
@@ -1943,39 +1943,39 @@
         </p:nvSpPr>
         <p:spPr>
           <a:xfrm>
-            <a:off x="7652626" y="1140340"/>
-            <a:ext cx="9112836" cy="5628360"/>
+            <a:off x="7958353" y="1295767"/>
+            <a:ext cx="9476899" cy="6395505"/>
           </a:xfrm>
         </p:spPr>
         <p:txBody>
           <a:bodyPr/>
           <a:lstStyle>
             <a:lvl1pPr>
-              <a:defRPr sz="3696"/>
+              <a:defRPr sz="4199"/>
             </a:lvl1pPr>
             <a:lvl2pPr>
-              <a:defRPr sz="3234"/>
+              <a:defRPr sz="3674"/>
             </a:lvl2pPr>
             <a:lvl3pPr>
-              <a:defRPr sz="2772"/>
+              <a:defRPr sz="3150"/>
             </a:lvl3pPr>
             <a:lvl4pPr>
-              <a:defRPr sz="2310"/>
+              <a:defRPr sz="2625"/>
             </a:lvl4pPr>
             <a:lvl5pPr>
-              <a:defRPr sz="2310"/>
+              <a:defRPr sz="2625"/>
             </a:lvl5pPr>
             <a:lvl6pPr>
-              <a:defRPr sz="2310"/>
+              <a:defRPr sz="2625"/>
             </a:lvl6pPr>
             <a:lvl7pPr>
-              <a:defRPr sz="2310"/>
+              <a:defRPr sz="2625"/>
             </a:lvl7pPr>
             <a:lvl8pPr>
-              <a:defRPr sz="2310"/>
+              <a:defRPr sz="2625"/>
             </a:lvl8pPr>
             <a:lvl9pPr>
-              <a:defRPr sz="2310"/>
+              <a:defRPr sz="2625"/>
             </a:lvl9pPr>
           </a:lstStyle>
           <a:p>
@@ -2028,8 +2028,8 @@
         </p:nvSpPr>
         <p:spPr>
           <a:xfrm>
-            <a:off x="1239891" y="2376011"/>
-            <a:ext cx="5805682" cy="4401855"/>
+            <a:off x="1289425" y="2699862"/>
+            <a:ext cx="6037622" cy="5001827"/>
           </a:xfrm>
         </p:spPr>
         <p:txBody>
@@ -2037,39 +2037,39 @@
           <a:lstStyle>
             <a:lvl1pPr marL="0" indent="0">
               <a:buNone/>
-              <a:defRPr sz="1848"/>
+              <a:defRPr sz="2100"/>
             </a:lvl1pPr>
-            <a:lvl2pPr marL="528020" indent="0">
+            <a:lvl2pPr marL="599984" indent="0">
               <a:buNone/>
-              <a:defRPr sz="1617"/>
+              <a:defRPr sz="1837"/>
             </a:lvl2pPr>
-            <a:lvl3pPr marL="1056041" indent="0">
+            <a:lvl3pPr marL="1199967" indent="0">
               <a:buNone/>
-              <a:defRPr sz="1386"/>
+              <a:defRPr sz="1575"/>
             </a:lvl3pPr>
-            <a:lvl4pPr marL="1584061" indent="0">
+            <a:lvl4pPr marL="1799951" indent="0">
               <a:buNone/>
-              <a:defRPr sz="1155"/>
+              <a:defRPr sz="1312"/>
             </a:lvl4pPr>
-            <a:lvl5pPr marL="2112081" indent="0">
+            <a:lvl5pPr marL="2399934" indent="0">
               <a:buNone/>
-              <a:defRPr sz="1155"/>
+              <a:defRPr sz="1312"/>
             </a:lvl5pPr>
-            <a:lvl6pPr marL="2640101" indent="0">
+            <a:lvl6pPr marL="2999918" indent="0">
               <a:buNone/>
-              <a:defRPr sz="1155"/>
+              <a:defRPr sz="1312"/>
             </a:lvl6pPr>
-            <a:lvl7pPr marL="3168122" indent="0">
+            <a:lvl7pPr marL="3599901" indent="0">
               <a:buNone/>
-              <a:defRPr sz="1155"/>
+              <a:defRPr sz="1312"/>
             </a:lvl7pPr>
-            <a:lvl8pPr marL="3696142" indent="0">
+            <a:lvl8pPr marL="4199885" indent="0">
               <a:buNone/>
-              <a:defRPr sz="1155"/>
+              <a:defRPr sz="1312"/>
             </a:lvl8pPr>
-            <a:lvl9pPr marL="4224162" indent="0">
+            <a:lvl9pPr marL="4799868" indent="0">
               <a:buNone/>
-              <a:defRPr sz="1155"/>
+              <a:defRPr sz="1312"/>
             </a:lvl9pPr>
           </a:lstStyle>
           <a:p>
@@ -2149,7 +2149,7 @@
     </p:spTree>
     <p:extLst>
       <p:ext uri="{BB962C8B-B14F-4D97-AF65-F5344CB8AC3E}">
-        <p14:creationId xmlns:p14="http://schemas.microsoft.com/office/powerpoint/2010/main" val="1580367120"/>
+        <p14:creationId xmlns:p14="http://schemas.microsoft.com/office/powerpoint/2010/main" val="2837334935"/>
       </p:ext>
     </p:extLst>
   </p:cSld>
@@ -2188,15 +2188,15 @@
         </p:nvSpPr>
         <p:spPr>
           <a:xfrm>
-            <a:off x="1239891" y="528002"/>
-            <a:ext cx="5805682" cy="1848009"/>
+            <a:off x="1289425" y="599969"/>
+            <a:ext cx="6037622" cy="2099892"/>
           </a:xfrm>
         </p:spPr>
         <p:txBody>
           <a:bodyPr anchor="b"/>
           <a:lstStyle>
             <a:lvl1pPr>
-              <a:defRPr sz="3696"/>
+              <a:defRPr sz="4199"/>
             </a:lvl1pPr>
           </a:lstStyle>
           <a:p>
@@ -2220,8 +2220,8 @@
         </p:nvSpPr>
         <p:spPr>
           <a:xfrm>
-            <a:off x="7652626" y="1140340"/>
-            <a:ext cx="9112836" cy="5628360"/>
+            <a:off x="7958353" y="1295767"/>
+            <a:ext cx="9476899" cy="6395505"/>
           </a:xfrm>
         </p:spPr>
         <p:txBody>
@@ -2229,39 +2229,39 @@
           <a:lstStyle>
             <a:lvl1pPr marL="0" indent="0">
               <a:buNone/>
-              <a:defRPr sz="3696"/>
+              <a:defRPr sz="4199"/>
             </a:lvl1pPr>
-            <a:lvl2pPr marL="528020" indent="0">
+            <a:lvl2pPr marL="599984" indent="0">
               <a:buNone/>
-              <a:defRPr sz="3234"/>
+              <a:defRPr sz="3674"/>
             </a:lvl2pPr>
-            <a:lvl3pPr marL="1056041" indent="0">
+            <a:lvl3pPr marL="1199967" indent="0">
               <a:buNone/>
-              <a:defRPr sz="2772"/>
+              <a:defRPr sz="3150"/>
             </a:lvl3pPr>
-            <a:lvl4pPr marL="1584061" indent="0">
+            <a:lvl4pPr marL="1799951" indent="0">
               <a:buNone/>
-              <a:defRPr sz="2310"/>
+              <a:defRPr sz="2625"/>
             </a:lvl4pPr>
-            <a:lvl5pPr marL="2112081" indent="0">
+            <a:lvl5pPr marL="2399934" indent="0">
               <a:buNone/>
-              <a:defRPr sz="2310"/>
+              <a:defRPr sz="2625"/>
             </a:lvl5pPr>
-            <a:lvl6pPr marL="2640101" indent="0">
+            <a:lvl6pPr marL="2999918" indent="0">
               <a:buNone/>
-              <a:defRPr sz="2310"/>
+              <a:defRPr sz="2625"/>
             </a:lvl6pPr>
-            <a:lvl7pPr marL="3168122" indent="0">
+            <a:lvl7pPr marL="3599901" indent="0">
               <a:buNone/>
-              <a:defRPr sz="2310"/>
+              <a:defRPr sz="2625"/>
             </a:lvl7pPr>
-            <a:lvl8pPr marL="3696142" indent="0">
+            <a:lvl8pPr marL="4199885" indent="0">
               <a:buNone/>
-              <a:defRPr sz="2310"/>
+              <a:defRPr sz="2625"/>
             </a:lvl8pPr>
-            <a:lvl9pPr marL="4224162" indent="0">
+            <a:lvl9pPr marL="4799868" indent="0">
               <a:buNone/>
-              <a:defRPr sz="2310"/>
+              <a:defRPr sz="2625"/>
             </a:lvl9pPr>
           </a:lstStyle>
           <a:p>
@@ -2285,8 +2285,8 @@
         </p:nvSpPr>
         <p:spPr>
           <a:xfrm>
-            <a:off x="1239891" y="2376011"/>
-            <a:ext cx="5805682" cy="4401855"/>
+            <a:off x="1289425" y="2699862"/>
+            <a:ext cx="6037622" cy="5001827"/>
           </a:xfrm>
         </p:spPr>
         <p:txBody>
@@ -2294,39 +2294,39 @@
           <a:lstStyle>
             <a:lvl1pPr marL="0" indent="0">
               <a:buNone/>
-              <a:defRPr sz="1848"/>
+              <a:defRPr sz="2100"/>
             </a:lvl1pPr>
-            <a:lvl2pPr marL="528020" indent="0">
+            <a:lvl2pPr marL="599984" indent="0">
               <a:buNone/>
-              <a:defRPr sz="1617"/>
+              <a:defRPr sz="1837"/>
             </a:lvl2pPr>
-            <a:lvl3pPr marL="1056041" indent="0">
+            <a:lvl3pPr marL="1199967" indent="0">
               <a:buNone/>
-              <a:defRPr sz="1386"/>
+              <a:defRPr sz="1575"/>
             </a:lvl3pPr>
-            <a:lvl4pPr marL="1584061" indent="0">
+            <a:lvl4pPr marL="1799951" indent="0">
               <a:buNone/>
-              <a:defRPr sz="1155"/>
+              <a:defRPr sz="1312"/>
             </a:lvl4pPr>
-            <a:lvl5pPr marL="2112081" indent="0">
+            <a:lvl5pPr marL="2399934" indent="0">
               <a:buNone/>
-              <a:defRPr sz="1155"/>
+              <a:defRPr sz="1312"/>
             </a:lvl5pPr>
-            <a:lvl6pPr marL="2640101" indent="0">
+            <a:lvl6pPr marL="2999918" indent="0">
               <a:buNone/>
-              <a:defRPr sz="1155"/>
+              <a:defRPr sz="1312"/>
             </a:lvl6pPr>
-            <a:lvl7pPr marL="3168122" indent="0">
+            <a:lvl7pPr marL="3599901" indent="0">
               <a:buNone/>
-              <a:defRPr sz="1155"/>
+              <a:defRPr sz="1312"/>
             </a:lvl7pPr>
-            <a:lvl8pPr marL="3696142" indent="0">
+            <a:lvl8pPr marL="4199885" indent="0">
               <a:buNone/>
-              <a:defRPr sz="1155"/>
+              <a:defRPr sz="1312"/>
             </a:lvl8pPr>
-            <a:lvl9pPr marL="4224162" indent="0">
+            <a:lvl9pPr marL="4799868" indent="0">
               <a:buNone/>
-              <a:defRPr sz="1155"/>
+              <a:defRPr sz="1312"/>
             </a:lvl9pPr>
           </a:lstStyle>
           <a:p>
@@ -2406,7 +2406,7 @@
     </p:spTree>
     <p:extLst>
       <p:ext uri="{BB962C8B-B14F-4D97-AF65-F5344CB8AC3E}">
-        <p14:creationId xmlns:p14="http://schemas.microsoft.com/office/powerpoint/2010/main" val="2161289000"/>
+        <p14:creationId xmlns:p14="http://schemas.microsoft.com/office/powerpoint/2010/main" val="1756417482"/>
       </p:ext>
     </p:extLst>
   </p:cSld>
@@ -2450,8 +2450,8 @@
         </p:nvSpPr>
         <p:spPr>
           <a:xfrm>
-            <a:off x="1237546" y="421669"/>
-            <a:ext cx="15525572" cy="1530841"/>
+            <a:off x="1286986" y="479143"/>
+            <a:ext cx="16145828" cy="1739495"/>
           </a:xfrm>
           <a:prstGeom prst="rect">
             <a:avLst/>
@@ -2483,8 +2483,8 @@
         </p:nvSpPr>
         <p:spPr>
           <a:xfrm>
-            <a:off x="1237546" y="2108344"/>
-            <a:ext cx="15525572" cy="5025191"/>
+            <a:off x="1286986" y="2395710"/>
+            <a:ext cx="16145828" cy="5710124"/>
           </a:xfrm>
           <a:prstGeom prst="rect">
             <a:avLst/>
@@ -2545,8 +2545,8 @@
         </p:nvSpPr>
         <p:spPr>
           <a:xfrm>
-            <a:off x="1237546" y="7340702"/>
-            <a:ext cx="4050149" cy="421669"/>
+            <a:off x="1286986" y="8341239"/>
+            <a:ext cx="4211955" cy="479142"/>
           </a:xfrm>
           <a:prstGeom prst="rect">
             <a:avLst/>
@@ -2556,7 +2556,7 @@
           <a:bodyPr vert="horz" lIns="91440" tIns="45720" rIns="91440" bIns="45720" rtlCol="0" anchor="ctr"/>
           <a:lstStyle>
             <a:lvl1pPr algn="l">
-              <a:defRPr sz="1386">
+              <a:defRPr sz="1575">
                 <a:solidFill>
                   <a:schemeClr val="tx1">
                     <a:tint val="75000"/>
@@ -2586,8 +2586,8 @@
         </p:nvSpPr>
         <p:spPr>
           <a:xfrm>
-            <a:off x="5962720" y="7340702"/>
-            <a:ext cx="6075224" cy="421669"/>
+            <a:off x="6200934" y="8341239"/>
+            <a:ext cx="6317933" cy="479142"/>
           </a:xfrm>
           <a:prstGeom prst="rect">
             <a:avLst/>
@@ -2597,7 +2597,7 @@
           <a:bodyPr vert="horz" lIns="91440" tIns="45720" rIns="91440" bIns="45720" rtlCol="0" anchor="ctr"/>
           <a:lstStyle>
             <a:lvl1pPr algn="ctr">
-              <a:defRPr sz="1386">
+              <a:defRPr sz="1575">
                 <a:solidFill>
                   <a:schemeClr val="tx1">
                     <a:tint val="75000"/>
@@ -2623,8 +2623,8 @@
         </p:nvSpPr>
         <p:spPr>
           <a:xfrm>
-            <a:off x="12712968" y="7340702"/>
-            <a:ext cx="4050149" cy="421669"/>
+            <a:off x="13220859" y="8341239"/>
+            <a:ext cx="4211955" cy="479142"/>
           </a:xfrm>
           <a:prstGeom prst="rect">
             <a:avLst/>
@@ -2634,7 +2634,7 @@
           <a:bodyPr vert="horz" lIns="91440" tIns="45720" rIns="91440" bIns="45720" rtlCol="0" anchor="ctr"/>
           <a:lstStyle>
             <a:lvl1pPr algn="r">
-              <a:defRPr sz="1386">
+              <a:defRPr sz="1575">
                 <a:solidFill>
                   <a:schemeClr val="tx1">
                     <a:tint val="75000"/>
@@ -2655,27 +2655,27 @@
     </p:spTree>
     <p:extLst>
       <p:ext uri="{BB962C8B-B14F-4D97-AF65-F5344CB8AC3E}">
-        <p14:creationId xmlns:p14="http://schemas.microsoft.com/office/powerpoint/2010/main" val="3838262072"/>
+        <p14:creationId xmlns:p14="http://schemas.microsoft.com/office/powerpoint/2010/main" val="2034360640"/>
       </p:ext>
     </p:extLst>
   </p:cSld>
   <p:clrMap bg1="lt1" tx1="dk1" bg2="lt2" tx2="dk2" accent1="accent1" accent2="accent2" accent3="accent3" accent4="accent4" accent5="accent5" accent6="accent6" hlink="hlink" folHlink="folHlink"/>
   <p:sldLayoutIdLst>
-    <p:sldLayoutId id="2147483685" r:id="rId1"/>
-    <p:sldLayoutId id="2147483686" r:id="rId2"/>
-    <p:sldLayoutId id="2147483687" r:id="rId3"/>
-    <p:sldLayoutId id="2147483688" r:id="rId4"/>
-    <p:sldLayoutId id="2147483689" r:id="rId5"/>
-    <p:sldLayoutId id="2147483690" r:id="rId6"/>
-    <p:sldLayoutId id="2147483691" r:id="rId7"/>
-    <p:sldLayoutId id="2147483692" r:id="rId8"/>
-    <p:sldLayoutId id="2147483693" r:id="rId9"/>
-    <p:sldLayoutId id="2147483694" r:id="rId10"/>
-    <p:sldLayoutId id="2147483695" r:id="rId11"/>
+    <p:sldLayoutId id="2147483709" r:id="rId1"/>
+    <p:sldLayoutId id="2147483710" r:id="rId2"/>
+    <p:sldLayoutId id="2147483711" r:id="rId3"/>
+    <p:sldLayoutId id="2147483712" r:id="rId4"/>
+    <p:sldLayoutId id="2147483713" r:id="rId5"/>
+    <p:sldLayoutId id="2147483714" r:id="rId6"/>
+    <p:sldLayoutId id="2147483715" r:id="rId7"/>
+    <p:sldLayoutId id="2147483716" r:id="rId8"/>
+    <p:sldLayoutId id="2147483717" r:id="rId9"/>
+    <p:sldLayoutId id="2147483718" r:id="rId10"/>
+    <p:sldLayoutId id="2147483719" r:id="rId11"/>
   </p:sldLayoutIdLst>
   <p:txStyles>
     <p:titleStyle>
-      <a:lvl1pPr algn="l" defTabSz="1056041" rtl="0" eaLnBrk="1" latinLnBrk="0" hangingPunct="1">
+      <a:lvl1pPr algn="l" defTabSz="1199967" rtl="0" eaLnBrk="1" latinLnBrk="0" hangingPunct="1">
         <a:lnSpc>
           <a:spcPct val="90000"/>
         </a:lnSpc>
@@ -2683,7 +2683,7 @@
           <a:spcPct val="0"/>
         </a:spcBef>
         <a:buNone/>
-        <a:defRPr sz="5082" kern="1200">
+        <a:defRPr sz="5774" kern="1200">
           <a:solidFill>
             <a:schemeClr val="tx1"/>
           </a:solidFill>
@@ -2694,16 +2694,16 @@
       </a:lvl1pPr>
     </p:titleStyle>
     <p:bodyStyle>
-      <a:lvl1pPr marL="264010" indent="-264010" algn="l" defTabSz="1056041" rtl="0" eaLnBrk="1" latinLnBrk="0" hangingPunct="1">
+      <a:lvl1pPr marL="299992" indent="-299992" algn="l" defTabSz="1199967" rtl="0" eaLnBrk="1" latinLnBrk="0" hangingPunct="1">
         <a:lnSpc>
           <a:spcPct val="90000"/>
         </a:lnSpc>
         <a:spcBef>
-          <a:spcPts val="1155"/>
+          <a:spcPts val="1312"/>
         </a:spcBef>
         <a:buFont typeface="Arial" panose="020B0604020202020204" pitchFamily="34" charset="0"/>
         <a:buChar char="•"/>
-        <a:defRPr sz="3234" kern="1200">
+        <a:defRPr sz="3674" kern="1200">
           <a:solidFill>
             <a:schemeClr val="tx1"/>
           </a:solidFill>
@@ -2712,16 +2712,16 @@
           <a:cs typeface="+mn-cs"/>
         </a:defRPr>
       </a:lvl1pPr>
-      <a:lvl2pPr marL="792030" indent="-264010" algn="l" defTabSz="1056041" rtl="0" eaLnBrk="1" latinLnBrk="0" hangingPunct="1">
+      <a:lvl2pPr marL="899975" indent="-299992" algn="l" defTabSz="1199967" rtl="0" eaLnBrk="1" latinLnBrk="0" hangingPunct="1">
         <a:lnSpc>
           <a:spcPct val="90000"/>
         </a:lnSpc>
         <a:spcBef>
-          <a:spcPts val="577"/>
+          <a:spcPts val="656"/>
         </a:spcBef>
         <a:buFont typeface="Arial" panose="020B0604020202020204" pitchFamily="34" charset="0"/>
         <a:buChar char="•"/>
-        <a:defRPr sz="2772" kern="1200">
+        <a:defRPr sz="3150" kern="1200">
           <a:solidFill>
             <a:schemeClr val="tx1"/>
           </a:solidFill>
@@ -2730,16 +2730,16 @@
           <a:cs typeface="+mn-cs"/>
         </a:defRPr>
       </a:lvl2pPr>
-      <a:lvl3pPr marL="1320051" indent="-264010" algn="l" defTabSz="1056041" rtl="0" eaLnBrk="1" latinLnBrk="0" hangingPunct="1">
+      <a:lvl3pPr marL="1499959" indent="-299992" algn="l" defTabSz="1199967" rtl="0" eaLnBrk="1" latinLnBrk="0" hangingPunct="1">
         <a:lnSpc>
           <a:spcPct val="90000"/>
         </a:lnSpc>
         <a:spcBef>
-          <a:spcPts val="577"/>
+          <a:spcPts val="656"/>
         </a:spcBef>
         <a:buFont typeface="Arial" panose="020B0604020202020204" pitchFamily="34" charset="0"/>
         <a:buChar char="•"/>
-        <a:defRPr sz="2310" kern="1200">
+        <a:defRPr sz="2625" kern="1200">
           <a:solidFill>
             <a:schemeClr val="tx1"/>
           </a:solidFill>
@@ -2748,16 +2748,16 @@
           <a:cs typeface="+mn-cs"/>
         </a:defRPr>
       </a:lvl3pPr>
-      <a:lvl4pPr marL="1848071" indent="-264010" algn="l" defTabSz="1056041" rtl="0" eaLnBrk="1" latinLnBrk="0" hangingPunct="1">
+      <a:lvl4pPr marL="2099942" indent="-299992" algn="l" defTabSz="1199967" rtl="0" eaLnBrk="1" latinLnBrk="0" hangingPunct="1">
         <a:lnSpc>
           <a:spcPct val="90000"/>
         </a:lnSpc>
         <a:spcBef>
-          <a:spcPts val="577"/>
+          <a:spcPts val="656"/>
         </a:spcBef>
         <a:buFont typeface="Arial" panose="020B0604020202020204" pitchFamily="34" charset="0"/>
         <a:buChar char="•"/>
-        <a:defRPr sz="2079" kern="1200">
+        <a:defRPr sz="2362" kern="1200">
           <a:solidFill>
             <a:schemeClr val="tx1"/>
           </a:solidFill>
@@ -2766,16 +2766,16 @@
           <a:cs typeface="+mn-cs"/>
         </a:defRPr>
       </a:lvl4pPr>
-      <a:lvl5pPr marL="2376091" indent="-264010" algn="l" defTabSz="1056041" rtl="0" eaLnBrk="1" latinLnBrk="0" hangingPunct="1">
+      <a:lvl5pPr marL="2699926" indent="-299992" algn="l" defTabSz="1199967" rtl="0" eaLnBrk="1" latinLnBrk="0" hangingPunct="1">
         <a:lnSpc>
           <a:spcPct val="90000"/>
         </a:lnSpc>
         <a:spcBef>
-          <a:spcPts val="577"/>
+          <a:spcPts val="656"/>
         </a:spcBef>
         <a:buFont typeface="Arial" panose="020B0604020202020204" pitchFamily="34" charset="0"/>
         <a:buChar char="•"/>
-        <a:defRPr sz="2079" kern="1200">
+        <a:defRPr sz="2362" kern="1200">
           <a:solidFill>
             <a:schemeClr val="tx1"/>
           </a:solidFill>
@@ -2784,16 +2784,16 @@
           <a:cs typeface="+mn-cs"/>
         </a:defRPr>
       </a:lvl5pPr>
-      <a:lvl6pPr marL="2904112" indent="-264010" algn="l" defTabSz="1056041" rtl="0" eaLnBrk="1" latinLnBrk="0" hangingPunct="1">
+      <a:lvl6pPr marL="3299910" indent="-299992" algn="l" defTabSz="1199967" rtl="0" eaLnBrk="1" latinLnBrk="0" hangingPunct="1">
         <a:lnSpc>
           <a:spcPct val="90000"/>
         </a:lnSpc>
         <a:spcBef>
-          <a:spcPts val="577"/>
+          <a:spcPts val="656"/>
         </a:spcBef>
         <a:buFont typeface="Arial" panose="020B0604020202020204" pitchFamily="34" charset="0"/>
         <a:buChar char="•"/>
-        <a:defRPr sz="2079" kern="1200">
+        <a:defRPr sz="2362" kern="1200">
           <a:solidFill>
             <a:schemeClr val="tx1"/>
           </a:solidFill>
@@ -2802,16 +2802,16 @@
           <a:cs typeface="+mn-cs"/>
         </a:defRPr>
       </a:lvl6pPr>
-      <a:lvl7pPr marL="3432132" indent="-264010" algn="l" defTabSz="1056041" rtl="0" eaLnBrk="1" latinLnBrk="0" hangingPunct="1">
+      <a:lvl7pPr marL="3899893" indent="-299992" algn="l" defTabSz="1199967" rtl="0" eaLnBrk="1" latinLnBrk="0" hangingPunct="1">
         <a:lnSpc>
           <a:spcPct val="90000"/>
         </a:lnSpc>
         <a:spcBef>
-          <a:spcPts val="577"/>
+          <a:spcPts val="656"/>
         </a:spcBef>
         <a:buFont typeface="Arial" panose="020B0604020202020204" pitchFamily="34" charset="0"/>
         <a:buChar char="•"/>
-        <a:defRPr sz="2079" kern="1200">
+        <a:defRPr sz="2362" kern="1200">
           <a:solidFill>
             <a:schemeClr val="tx1"/>
           </a:solidFill>
@@ -2820,16 +2820,16 @@
           <a:cs typeface="+mn-cs"/>
         </a:defRPr>
       </a:lvl7pPr>
-      <a:lvl8pPr marL="3960152" indent="-264010" algn="l" defTabSz="1056041" rtl="0" eaLnBrk="1" latinLnBrk="0" hangingPunct="1">
+      <a:lvl8pPr marL="4499877" indent="-299992" algn="l" defTabSz="1199967" rtl="0" eaLnBrk="1" latinLnBrk="0" hangingPunct="1">
         <a:lnSpc>
           <a:spcPct val="90000"/>
         </a:lnSpc>
         <a:spcBef>
-          <a:spcPts val="577"/>
+          <a:spcPts val="656"/>
         </a:spcBef>
         <a:buFont typeface="Arial" panose="020B0604020202020204" pitchFamily="34" charset="0"/>
         <a:buChar char="•"/>
-        <a:defRPr sz="2079" kern="1200">
+        <a:defRPr sz="2362" kern="1200">
           <a:solidFill>
             <a:schemeClr val="tx1"/>
           </a:solidFill>
@@ -2838,16 +2838,16 @@
           <a:cs typeface="+mn-cs"/>
         </a:defRPr>
       </a:lvl8pPr>
-      <a:lvl9pPr marL="4488172" indent="-264010" algn="l" defTabSz="1056041" rtl="0" eaLnBrk="1" latinLnBrk="0" hangingPunct="1">
+      <a:lvl9pPr marL="5099860" indent="-299992" algn="l" defTabSz="1199967" rtl="0" eaLnBrk="1" latinLnBrk="0" hangingPunct="1">
         <a:lnSpc>
           <a:spcPct val="90000"/>
         </a:lnSpc>
         <a:spcBef>
-          <a:spcPts val="577"/>
+          <a:spcPts val="656"/>
         </a:spcBef>
         <a:buFont typeface="Arial" panose="020B0604020202020204" pitchFamily="34" charset="0"/>
         <a:buChar char="•"/>
-        <a:defRPr sz="2079" kern="1200">
+        <a:defRPr sz="2362" kern="1200">
           <a:solidFill>
             <a:schemeClr val="tx1"/>
           </a:solidFill>
@@ -2861,8 +2861,8 @@
       <a:defPPr>
         <a:defRPr lang="en-US"/>
       </a:defPPr>
-      <a:lvl1pPr marL="0" algn="l" defTabSz="1056041" rtl="0" eaLnBrk="1" latinLnBrk="0" hangingPunct="1">
-        <a:defRPr sz="2079" kern="1200">
+      <a:lvl1pPr marL="0" algn="l" defTabSz="1199967" rtl="0" eaLnBrk="1" latinLnBrk="0" hangingPunct="1">
+        <a:defRPr sz="2362" kern="1200">
           <a:solidFill>
             <a:schemeClr val="tx1"/>
           </a:solidFill>
@@ -2871,8 +2871,8 @@
           <a:cs typeface="+mn-cs"/>
         </a:defRPr>
       </a:lvl1pPr>
-      <a:lvl2pPr marL="528020" algn="l" defTabSz="1056041" rtl="0" eaLnBrk="1" latinLnBrk="0" hangingPunct="1">
-        <a:defRPr sz="2079" kern="1200">
+      <a:lvl2pPr marL="599984" algn="l" defTabSz="1199967" rtl="0" eaLnBrk="1" latinLnBrk="0" hangingPunct="1">
+        <a:defRPr sz="2362" kern="1200">
           <a:solidFill>
             <a:schemeClr val="tx1"/>
           </a:solidFill>
@@ -2881,8 +2881,8 @@
           <a:cs typeface="+mn-cs"/>
         </a:defRPr>
       </a:lvl2pPr>
-      <a:lvl3pPr marL="1056041" algn="l" defTabSz="1056041" rtl="0" eaLnBrk="1" latinLnBrk="0" hangingPunct="1">
-        <a:defRPr sz="2079" kern="1200">
+      <a:lvl3pPr marL="1199967" algn="l" defTabSz="1199967" rtl="0" eaLnBrk="1" latinLnBrk="0" hangingPunct="1">
+        <a:defRPr sz="2362" kern="1200">
           <a:solidFill>
             <a:schemeClr val="tx1"/>
           </a:solidFill>
@@ -2891,8 +2891,8 @@
           <a:cs typeface="+mn-cs"/>
         </a:defRPr>
       </a:lvl3pPr>
-      <a:lvl4pPr marL="1584061" algn="l" defTabSz="1056041" rtl="0" eaLnBrk="1" latinLnBrk="0" hangingPunct="1">
-        <a:defRPr sz="2079" kern="1200">
+      <a:lvl4pPr marL="1799951" algn="l" defTabSz="1199967" rtl="0" eaLnBrk="1" latinLnBrk="0" hangingPunct="1">
+        <a:defRPr sz="2362" kern="1200">
           <a:solidFill>
             <a:schemeClr val="tx1"/>
           </a:solidFill>
@@ -2901,8 +2901,8 @@
           <a:cs typeface="+mn-cs"/>
         </a:defRPr>
       </a:lvl4pPr>
-      <a:lvl5pPr marL="2112081" algn="l" defTabSz="1056041" rtl="0" eaLnBrk="1" latinLnBrk="0" hangingPunct="1">
-        <a:defRPr sz="2079" kern="1200">
+      <a:lvl5pPr marL="2399934" algn="l" defTabSz="1199967" rtl="0" eaLnBrk="1" latinLnBrk="0" hangingPunct="1">
+        <a:defRPr sz="2362" kern="1200">
           <a:solidFill>
             <a:schemeClr val="tx1"/>
           </a:solidFill>
@@ -2911,8 +2911,8 @@
           <a:cs typeface="+mn-cs"/>
         </a:defRPr>
       </a:lvl5pPr>
-      <a:lvl6pPr marL="2640101" algn="l" defTabSz="1056041" rtl="0" eaLnBrk="1" latinLnBrk="0" hangingPunct="1">
-        <a:defRPr sz="2079" kern="1200">
+      <a:lvl6pPr marL="2999918" algn="l" defTabSz="1199967" rtl="0" eaLnBrk="1" latinLnBrk="0" hangingPunct="1">
+        <a:defRPr sz="2362" kern="1200">
           <a:solidFill>
             <a:schemeClr val="tx1"/>
           </a:solidFill>
@@ -2921,8 +2921,8 @@
           <a:cs typeface="+mn-cs"/>
         </a:defRPr>
       </a:lvl6pPr>
-      <a:lvl7pPr marL="3168122" algn="l" defTabSz="1056041" rtl="0" eaLnBrk="1" latinLnBrk="0" hangingPunct="1">
-        <a:defRPr sz="2079" kern="1200">
+      <a:lvl7pPr marL="3599901" algn="l" defTabSz="1199967" rtl="0" eaLnBrk="1" latinLnBrk="0" hangingPunct="1">
+        <a:defRPr sz="2362" kern="1200">
           <a:solidFill>
             <a:schemeClr val="tx1"/>
           </a:solidFill>
@@ -2931,8 +2931,8 @@
           <a:cs typeface="+mn-cs"/>
         </a:defRPr>
       </a:lvl7pPr>
-      <a:lvl8pPr marL="3696142" algn="l" defTabSz="1056041" rtl="0" eaLnBrk="1" latinLnBrk="0" hangingPunct="1">
-        <a:defRPr sz="2079" kern="1200">
+      <a:lvl8pPr marL="4199885" algn="l" defTabSz="1199967" rtl="0" eaLnBrk="1" latinLnBrk="0" hangingPunct="1">
+        <a:defRPr sz="2362" kern="1200">
           <a:solidFill>
             <a:schemeClr val="tx1"/>
           </a:solidFill>
@@ -2941,8 +2941,8 @@
           <a:cs typeface="+mn-cs"/>
         </a:defRPr>
       </a:lvl8pPr>
-      <a:lvl9pPr marL="4224162" algn="l" defTabSz="1056041" rtl="0" eaLnBrk="1" latinLnBrk="0" hangingPunct="1">
-        <a:defRPr sz="2079" kern="1200">
+      <a:lvl9pPr marL="4799868" algn="l" defTabSz="1199967" rtl="0" eaLnBrk="1" latinLnBrk="0" hangingPunct="1">
+        <a:defRPr sz="2362" kern="1200">
           <a:solidFill>
             <a:schemeClr val="tx1"/>
           </a:solidFill>
@@ -2995,7 +2995,7 @@
         </p:blipFill>
         <p:spPr>
           <a:xfrm>
-            <a:off x="12148989" y="456994"/>
+            <a:off x="12508558" y="996744"/>
             <a:ext cx="2082838" cy="2082838"/>
           </a:xfrm>
           <a:prstGeom prst="rect">
@@ -3025,7 +3025,7 @@
         </p:blipFill>
         <p:spPr>
           <a:xfrm>
-            <a:off x="15331070" y="813146"/>
+            <a:off x="15690639" y="1352896"/>
             <a:ext cx="2083818" cy="2083818"/>
           </a:xfrm>
           <a:prstGeom prst="rect">
@@ -3055,7 +3055,7 @@
         </p:blipFill>
         <p:spPr>
           <a:xfrm>
-            <a:off x="15319253" y="4355197"/>
+            <a:off x="15678822" y="4894947"/>
             <a:ext cx="2083818" cy="2083818"/>
           </a:xfrm>
           <a:prstGeom prst="rect">
@@ -3085,7 +3085,7 @@
         </p:blipFill>
         <p:spPr>
           <a:xfrm>
-            <a:off x="15253656" y="5521706"/>
+            <a:off x="15613225" y="6061456"/>
             <a:ext cx="2083818" cy="2083818"/>
           </a:xfrm>
           <a:prstGeom prst="rect">
@@ -3121,7 +3121,7 @@
         </p:blipFill>
         <p:spPr>
           <a:xfrm>
-            <a:off x="16013052" y="16880"/>
+            <a:off x="16369283" y="260392"/>
             <a:ext cx="892053" cy="527122"/>
           </a:xfrm>
           <a:prstGeom prst="rect">
@@ -3151,7 +3151,7 @@
         </p:blipFill>
         <p:spPr>
           <a:xfrm>
-            <a:off x="81806" y="635131"/>
+            <a:off x="441375" y="1174881"/>
             <a:ext cx="2083818" cy="2083818"/>
           </a:xfrm>
           <a:prstGeom prst="rect">
@@ -3181,7 +3181,7 @@
         </p:blipFill>
         <p:spPr>
           <a:xfrm>
-            <a:off x="81731" y="1599202"/>
+            <a:off x="441300" y="2138952"/>
             <a:ext cx="2083818" cy="2083818"/>
           </a:xfrm>
           <a:prstGeom prst="rect">
@@ -3211,7 +3211,7 @@
         </p:blipFill>
         <p:spPr>
           <a:xfrm>
-            <a:off x="5165125" y="744784"/>
+            <a:off x="5524696" y="1284536"/>
             <a:ext cx="1993185" cy="1993185"/>
           </a:xfrm>
           <a:prstGeom prst="rect">
@@ -3241,7 +3241,7 @@
         </p:blipFill>
         <p:spPr>
           <a:xfrm>
-            <a:off x="5195711" y="1855056"/>
+            <a:off x="5555282" y="2394808"/>
             <a:ext cx="1998655" cy="1998655"/>
           </a:xfrm>
           <a:prstGeom prst="rect">
@@ -3263,7 +3263,7 @@
         </p:nvSpPr>
         <p:spPr>
           <a:xfrm>
-            <a:off x="240839" y="1089385"/>
+            <a:off x="600408" y="1629137"/>
             <a:ext cx="522514" cy="5928117"/>
           </a:xfrm>
           <a:prstGeom prst="leftBracket">
@@ -3308,7 +3308,7 @@
         </p:nvSpPr>
         <p:spPr>
           <a:xfrm flipH="1">
-            <a:off x="1689843" y="1089379"/>
+            <a:off x="2049414" y="1629131"/>
             <a:ext cx="522513" cy="5928117"/>
           </a:xfrm>
           <a:prstGeom prst="leftBracket">
@@ -3353,7 +3353,7 @@
         </p:nvSpPr>
         <p:spPr>
           <a:xfrm>
-            <a:off x="2793320" y="1121762"/>
+            <a:off x="3152889" y="1661514"/>
             <a:ext cx="522514" cy="5895735"/>
           </a:xfrm>
           <a:prstGeom prst="leftBracket">
@@ -3398,7 +3398,7 @@
         </p:nvSpPr>
         <p:spPr>
           <a:xfrm flipH="1">
-            <a:off x="4552268" y="1121758"/>
+            <a:off x="4911839" y="1661508"/>
             <a:ext cx="522513" cy="5895738"/>
           </a:xfrm>
           <a:prstGeom prst="leftBracket">
@@ -3443,7 +3443,7 @@
         </p:nvSpPr>
         <p:spPr>
           <a:xfrm>
-            <a:off x="15433499" y="1176186"/>
+            <a:off x="15793068" y="1715936"/>
             <a:ext cx="522514" cy="5841310"/>
           </a:xfrm>
           <a:prstGeom prst="leftBracket">
@@ -3488,7 +3488,7 @@
         </p:nvSpPr>
         <p:spPr>
           <a:xfrm flipH="1">
-            <a:off x="16872104" y="1176187"/>
+            <a:off x="17231675" y="1715937"/>
             <a:ext cx="522513" cy="5841318"/>
           </a:xfrm>
           <a:prstGeom prst="leftBracket">
@@ -3533,7 +3533,7 @@
         </p:nvSpPr>
         <p:spPr>
           <a:xfrm>
-            <a:off x="1019564" y="3285012"/>
+            <a:off x="1379135" y="3824762"/>
             <a:ext cx="298751" cy="1477328"/>
           </a:xfrm>
           <a:prstGeom prst="rect">
@@ -3592,7 +3592,7 @@
         </p:nvSpPr>
         <p:spPr>
           <a:xfrm>
-            <a:off x="2079937" y="3713220"/>
+            <a:off x="2439506" y="4252970"/>
             <a:ext cx="832760" cy="630942"/>
           </a:xfrm>
           <a:prstGeom prst="rect">
@@ -3632,7 +3632,7 @@
         </p:nvSpPr>
         <p:spPr>
           <a:xfrm>
-            <a:off x="3112065" y="1552645"/>
+            <a:off x="3471636" y="2092395"/>
             <a:ext cx="616449" cy="630942"/>
           </a:xfrm>
           <a:prstGeom prst="rect">
@@ -3672,7 +3672,7 @@
         </p:nvSpPr>
         <p:spPr>
           <a:xfrm>
-            <a:off x="3252629" y="3340000"/>
+            <a:off x="3612198" y="3879750"/>
             <a:ext cx="163592" cy="1477328"/>
           </a:xfrm>
           <a:prstGeom prst="rect">
@@ -3731,7 +3731,7 @@
         </p:nvSpPr>
         <p:spPr>
           <a:xfrm>
-            <a:off x="3112953" y="6347381"/>
+            <a:off x="3472524" y="6887131"/>
             <a:ext cx="616449" cy="630942"/>
           </a:xfrm>
           <a:prstGeom prst="rect">
@@ -3771,7 +3771,7 @@
         </p:nvSpPr>
         <p:spPr>
           <a:xfrm>
-            <a:off x="3928770" y="1552645"/>
+            <a:off x="4288341" y="2092395"/>
             <a:ext cx="988963" cy="630942"/>
           </a:xfrm>
           <a:prstGeom prst="rect">
@@ -3814,7 +3814,7 @@
         </p:nvSpPr>
         <p:spPr>
           <a:xfrm>
-            <a:off x="4399995" y="3307621"/>
+            <a:off x="4759566" y="3847371"/>
             <a:ext cx="179265" cy="1477328"/>
           </a:xfrm>
           <a:prstGeom prst="rect">
@@ -3882,7 +3882,7 @@
         </p:nvSpPr>
         <p:spPr>
           <a:xfrm>
-            <a:off x="4002931" y="6347381"/>
+            <a:off x="4362502" y="6887131"/>
             <a:ext cx="878149" cy="630942"/>
           </a:xfrm>
           <a:prstGeom prst="rect">
@@ -3925,7 +3925,7 @@
         </p:nvSpPr>
         <p:spPr>
           <a:xfrm>
-            <a:off x="5340071" y="1086881"/>
+            <a:off x="5699640" y="1626633"/>
             <a:ext cx="522514" cy="2530347"/>
           </a:xfrm>
           <a:prstGeom prst="leftBracket">
@@ -3970,7 +3970,7 @@
         </p:nvSpPr>
         <p:spPr>
           <a:xfrm flipH="1">
-            <a:off x="6597701" y="1086881"/>
+            <a:off x="6957272" y="1626633"/>
             <a:ext cx="522513" cy="2530347"/>
           </a:xfrm>
           <a:prstGeom prst="leftBracket">
@@ -4015,7 +4015,7 @@
         </p:nvSpPr>
         <p:spPr>
           <a:xfrm>
-            <a:off x="7268615" y="3683020"/>
+            <a:off x="7628186" y="4222770"/>
             <a:ext cx="636997" cy="630942"/>
           </a:xfrm>
           <a:prstGeom prst="rect">
@@ -4055,7 +4055,7 @@
         </p:nvSpPr>
         <p:spPr>
           <a:xfrm>
-            <a:off x="2913656" y="-18985"/>
+            <a:off x="3303085" y="277167"/>
             <a:ext cx="2047832" cy="707886"/>
           </a:xfrm>
           <a:prstGeom prst="rect">
@@ -4109,7 +4109,7 @@
         </p:blipFill>
         <p:spPr>
           <a:xfrm>
-            <a:off x="5923345" y="69416"/>
+            <a:off x="6303120" y="313601"/>
             <a:ext cx="991716" cy="537180"/>
           </a:xfrm>
           <a:prstGeom prst="rect">
@@ -4139,7 +4139,7 @@
         </p:blipFill>
         <p:spPr>
           <a:xfrm>
-            <a:off x="74791" y="4463617"/>
+            <a:off x="434360" y="5003367"/>
             <a:ext cx="2083818" cy="2083818"/>
           </a:xfrm>
           <a:prstGeom prst="rect">
@@ -4169,7 +4169,7 @@
         </p:blipFill>
         <p:spPr>
           <a:xfrm>
-            <a:off x="81732" y="5521706"/>
+            <a:off x="441303" y="6061458"/>
             <a:ext cx="2083819" cy="2083819"/>
           </a:xfrm>
           <a:prstGeom prst="rect">
@@ -4191,7 +4191,7 @@
         </p:nvSpPr>
         <p:spPr>
           <a:xfrm>
-            <a:off x="3103510" y="2403190"/>
+            <a:off x="3463081" y="2942940"/>
             <a:ext cx="616449" cy="630942"/>
           </a:xfrm>
           <a:prstGeom prst="rect">
@@ -4231,7 +4231,7 @@
         </p:nvSpPr>
         <p:spPr>
           <a:xfrm>
-            <a:off x="4002931" y="2403190"/>
+            <a:off x="4362500" y="2942940"/>
             <a:ext cx="830738" cy="630942"/>
           </a:xfrm>
           <a:prstGeom prst="rect">
@@ -4274,7 +4274,7 @@
         </p:nvSpPr>
         <p:spPr>
           <a:xfrm>
-            <a:off x="3119968" y="5354030"/>
+            <a:off x="3479539" y="5893780"/>
             <a:ext cx="616449" cy="630942"/>
           </a:xfrm>
           <a:prstGeom prst="rect">
@@ -4314,7 +4314,7 @@
         </p:nvSpPr>
         <p:spPr>
           <a:xfrm>
-            <a:off x="3948376" y="5354030"/>
+            <a:off x="4307945" y="5893780"/>
             <a:ext cx="953458" cy="630942"/>
           </a:xfrm>
           <a:prstGeom prst="rect">
@@ -4365,7 +4365,7 @@
         </p:blipFill>
         <p:spPr>
           <a:xfrm>
-            <a:off x="15268912" y="1957799"/>
+            <a:off x="15628481" y="2497549"/>
             <a:ext cx="2083818" cy="2083818"/>
           </a:xfrm>
           <a:prstGeom prst="rect">
@@ -4387,7 +4387,7 @@
         </p:nvSpPr>
         <p:spPr>
           <a:xfrm>
-            <a:off x="16372980" y="3285012"/>
+            <a:off x="16732551" y="3824762"/>
             <a:ext cx="298751" cy="1477328"/>
           </a:xfrm>
           <a:prstGeom prst="rect">
@@ -4446,7 +4446,7 @@
         </p:nvSpPr>
         <p:spPr>
           <a:xfrm>
-            <a:off x="8020431" y="1089382"/>
+            <a:off x="8380000" y="1629132"/>
             <a:ext cx="522514" cy="5928114"/>
           </a:xfrm>
           <a:prstGeom prst="leftBracket">
@@ -4491,7 +4491,7 @@
         </p:nvSpPr>
         <p:spPr>
           <a:xfrm flipH="1">
-            <a:off x="11592796" y="1092567"/>
+            <a:off x="11952367" y="1632319"/>
             <a:ext cx="522513" cy="5928117"/>
           </a:xfrm>
           <a:prstGeom prst="leftBracket">
@@ -4536,7 +4536,7 @@
         </p:nvSpPr>
         <p:spPr>
           <a:xfrm>
-            <a:off x="8328712" y="1581836"/>
+            <a:off x="8688283" y="2121586"/>
             <a:ext cx="616449" cy="630942"/>
           </a:xfrm>
           <a:prstGeom prst="rect">
@@ -4579,7 +4579,7 @@
         </p:nvSpPr>
         <p:spPr>
           <a:xfrm>
-            <a:off x="8469276" y="3369191"/>
+            <a:off x="8828845" y="3908941"/>
             <a:ext cx="163592" cy="1477328"/>
           </a:xfrm>
           <a:prstGeom prst="rect">
@@ -4647,7 +4647,7 @@
         </p:nvSpPr>
         <p:spPr>
           <a:xfrm>
-            <a:off x="11157155" y="1552645"/>
+            <a:off x="11516724" y="2092395"/>
             <a:ext cx="830738" cy="630942"/>
           </a:xfrm>
           <a:prstGeom prst="rect">
@@ -4690,7 +4690,7 @@
         </p:nvSpPr>
         <p:spPr>
           <a:xfrm>
-            <a:off x="11356758" y="3282925"/>
+            <a:off x="11716329" y="3822675"/>
             <a:ext cx="179265" cy="1477328"/>
           </a:xfrm>
           <a:prstGeom prst="rect">
@@ -4758,7 +4758,7 @@
         </p:nvSpPr>
         <p:spPr>
           <a:xfrm>
-            <a:off x="8977099" y="-60307"/>
+            <a:off x="9366330" y="211989"/>
             <a:ext cx="2047832" cy="784830"/>
           </a:xfrm>
           <a:prstGeom prst="rect">
@@ -4798,7 +4798,7 @@
         </p:nvSpPr>
         <p:spPr>
           <a:xfrm>
-            <a:off x="8320157" y="2585733"/>
+            <a:off x="8679728" y="3125483"/>
             <a:ext cx="616449" cy="630942"/>
           </a:xfrm>
           <a:prstGeom prst="rect">
@@ -4841,7 +4841,7 @@
         </p:nvSpPr>
         <p:spPr>
           <a:xfrm>
-            <a:off x="11120653" y="2539833"/>
+            <a:off x="11480222" y="3079583"/>
             <a:ext cx="830738" cy="630942"/>
           </a:xfrm>
           <a:prstGeom prst="rect">
@@ -4884,7 +4884,7 @@
         </p:nvSpPr>
         <p:spPr>
           <a:xfrm rot="16200000">
-            <a:off x="9913016" y="1096165"/>
+            <a:off x="10272585" y="1635915"/>
             <a:ext cx="163592" cy="1477328"/>
           </a:xfrm>
           <a:prstGeom prst="rect">
@@ -4943,7 +4943,7 @@
         </p:nvSpPr>
         <p:spPr>
           <a:xfrm rot="16200000">
-            <a:off x="9913016" y="2083019"/>
+            <a:off x="10272585" y="2622769"/>
             <a:ext cx="163592" cy="1477328"/>
           </a:xfrm>
           <a:prstGeom prst="rect">
@@ -5002,7 +5002,7 @@
         </p:nvSpPr>
         <p:spPr>
           <a:xfrm rot="16200000">
-            <a:off x="9913016" y="3003264"/>
+            <a:off x="10272585" y="3543014"/>
             <a:ext cx="163592" cy="1477328"/>
           </a:xfrm>
           <a:prstGeom prst="rect">
@@ -5067,7 +5067,7 @@
         </p:nvSpPr>
         <p:spPr>
           <a:xfrm rot="16200000">
-            <a:off x="9913016" y="3458138"/>
+            <a:off x="10272585" y="3997888"/>
             <a:ext cx="163592" cy="1477328"/>
           </a:xfrm>
           <a:prstGeom prst="rect">
@@ -5132,7 +5132,7 @@
         </p:nvSpPr>
         <p:spPr>
           <a:xfrm rot="16200000">
-            <a:off x="9913016" y="3905419"/>
+            <a:off x="10272585" y="4445169"/>
             <a:ext cx="163592" cy="1477328"/>
           </a:xfrm>
           <a:prstGeom prst="rect">
@@ -5197,7 +5197,7 @@
         </p:nvSpPr>
         <p:spPr>
           <a:xfrm>
-            <a:off x="8295547" y="5142914"/>
+            <a:off x="8655118" y="5682664"/>
             <a:ext cx="616449" cy="630942"/>
           </a:xfrm>
           <a:prstGeom prst="rect">
@@ -5240,7 +5240,7 @@
         </p:nvSpPr>
         <p:spPr>
           <a:xfrm>
-            <a:off x="11123990" y="5113723"/>
+            <a:off x="11483559" y="5653473"/>
             <a:ext cx="830738" cy="630942"/>
           </a:xfrm>
           <a:prstGeom prst="rect">
@@ -5283,7 +5283,7 @@
         </p:nvSpPr>
         <p:spPr>
           <a:xfrm>
-            <a:off x="8286992" y="6146811"/>
+            <a:off x="8646563" y="6686561"/>
             <a:ext cx="616449" cy="630942"/>
           </a:xfrm>
           <a:prstGeom prst="rect">
@@ -5326,7 +5326,7 @@
         </p:nvSpPr>
         <p:spPr>
           <a:xfrm>
-            <a:off x="11087488" y="6100911"/>
+            <a:off x="11447057" y="6640661"/>
             <a:ext cx="830738" cy="630942"/>
           </a:xfrm>
           <a:prstGeom prst="rect">
@@ -5369,7 +5369,7 @@
         </p:nvSpPr>
         <p:spPr>
           <a:xfrm rot="16200000">
-            <a:off x="9879851" y="4657243"/>
+            <a:off x="10239420" y="5196993"/>
             <a:ext cx="163592" cy="1477328"/>
           </a:xfrm>
           <a:prstGeom prst="rect">
@@ -5428,7 +5428,7 @@
         </p:nvSpPr>
         <p:spPr>
           <a:xfrm rot="16200000">
-            <a:off x="9879851" y="5644097"/>
+            <a:off x="10239420" y="6183847"/>
             <a:ext cx="163592" cy="1477328"/>
           </a:xfrm>
           <a:prstGeom prst="rect">
@@ -5487,7 +5487,7 @@
         </p:nvSpPr>
         <p:spPr>
           <a:xfrm>
-            <a:off x="12383245" y="1103664"/>
+            <a:off x="12742814" y="1643414"/>
             <a:ext cx="522514" cy="3202524"/>
           </a:xfrm>
           <a:prstGeom prst="leftBracket">
@@ -5532,7 +5532,7 @@
         </p:nvSpPr>
         <p:spPr>
           <a:xfrm flipH="1">
-            <a:off x="13640874" y="1103664"/>
+            <a:off x="14000445" y="1643414"/>
             <a:ext cx="522513" cy="3202524"/>
           </a:xfrm>
           <a:prstGeom prst="leftBracket">
@@ -5577,7 +5577,7 @@
         </p:nvSpPr>
         <p:spPr>
           <a:xfrm>
-            <a:off x="14453000" y="3713220"/>
+            <a:off x="14812571" y="4252970"/>
             <a:ext cx="636997" cy="630942"/>
           </a:xfrm>
           <a:prstGeom prst="rect">
@@ -5617,7 +5617,7 @@
         </p:nvSpPr>
         <p:spPr>
           <a:xfrm>
-            <a:off x="13139708" y="1902447"/>
+            <a:off x="13499277" y="2442197"/>
             <a:ext cx="163592" cy="1477328"/>
           </a:xfrm>
           <a:prstGeom prst="rect">
@@ -5684,7 +5684,7 @@
         </p:blipFill>
         <p:spPr>
           <a:xfrm>
-            <a:off x="12128880" y="2948800"/>
+            <a:off x="12488449" y="3488550"/>
             <a:ext cx="2082838" cy="2082838"/>
           </a:xfrm>
           <a:prstGeom prst="rect">
@@ -5694,10 +5694,10 @@
       </p:pic>
       <p:sp>
         <p:nvSpPr>
-          <p:cNvPr id="13" name="Left Brace 12">
-            <a:extLst>
-              <a:ext uri="{FF2B5EF4-FFF2-40B4-BE49-F238E27FC236}">
-                <a16:creationId xmlns:a16="http://schemas.microsoft.com/office/drawing/2014/main" id="{20E6C45F-00C3-6CC9-570D-66ED0549E5C0}"/>
+          <p:cNvPr id="37" name="Left Brace 36">
+            <a:extLst>
+              <a:ext uri="{FF2B5EF4-FFF2-40B4-BE49-F238E27FC236}">
+                <a16:creationId xmlns:a16="http://schemas.microsoft.com/office/drawing/2014/main" id="{5A90FA2B-3577-BA8A-6BE1-A8A5519B6D1D}"/>
               </a:ext>
             </a:extLst>
           </p:cNvPr>
@@ -5706,11 +5706,14 @@
         </p:nvSpPr>
         <p:spPr>
           <a:xfrm rot="5400000">
-            <a:off x="9877635" y="-1288865"/>
-            <a:ext cx="380470" cy="4094878"/>
+            <a:off x="1366444" y="289045"/>
+            <a:ext cx="401565" cy="1949612"/>
           </a:xfrm>
           <a:prstGeom prst="leftBrace">
-            <a:avLst/>
+            <a:avLst>
+              <a:gd name="adj1" fmla="val 54647"/>
+              <a:gd name="adj2" fmla="val 50000"/>
+            </a:avLst>
           </a:prstGeom>
           <a:ln w="12700">
             <a:solidFill>
@@ -5739,16 +5742,94 @@
           <a:lstStyle/>
           <a:p>
             <a:pPr algn="ctr"/>
-            <a:endParaRPr lang="en-GB"/>
-          </a:p>
-        </p:txBody>
-      </p:sp>
-      <p:sp>
-        <p:nvSpPr>
-          <p:cNvPr id="16" name="Left Brace 15">
-            <a:extLst>
-              <a:ext uri="{FF2B5EF4-FFF2-40B4-BE49-F238E27FC236}">
-                <a16:creationId xmlns:a16="http://schemas.microsoft.com/office/drawing/2014/main" id="{3AEE1284-367B-5746-C99C-34F0FD58DD36}"/>
+            <a:endParaRPr lang="en-GB">
+              <a:solidFill>
+                <a:schemeClr val="bg2">
+                  <a:lumMod val="50000"/>
+                </a:schemeClr>
+              </a:solidFill>
+            </a:endParaRPr>
+          </a:p>
+        </p:txBody>
+      </p:sp>
+      <p:pic>
+        <p:nvPicPr>
+          <p:cNvPr id="39" name="Graphic 38">
+            <a:extLst>
+              <a:ext uri="{FF2B5EF4-FFF2-40B4-BE49-F238E27FC236}">
+                <a16:creationId xmlns:a16="http://schemas.microsoft.com/office/drawing/2014/main" id="{C812DAE0-D816-2915-43D1-109F2D07B237}"/>
+              </a:ext>
+            </a:extLst>
+          </p:cNvPr>
+          <p:cNvPicPr>
+            <a:picLocks noChangeAspect="1"/>
+          </p:cNvPicPr>
+          <p:nvPr/>
+        </p:nvPicPr>
+        <p:blipFill>
+          <a:blip r:embed="rId18">
+            <a:extLst>
+              <a:ext uri="{96DAC541-7B7A-43D3-8B79-37D633B846F1}">
+                <asvg:svgBlip xmlns:asvg="http://schemas.microsoft.com/office/drawing/2016/SVG/main" r:embed="rId19"/>
+              </a:ext>
+            </a:extLst>
+          </a:blip>
+          <a:stretch>
+            <a:fillRect/>
+          </a:stretch>
+        </p:blipFill>
+        <p:spPr>
+          <a:xfrm>
+            <a:off x="1240848" y="310404"/>
+            <a:ext cx="897212" cy="485990"/>
+          </a:xfrm>
+          <a:prstGeom prst="rect">
+            <a:avLst/>
+          </a:prstGeom>
+        </p:spPr>
+      </p:pic>
+      <p:pic>
+        <p:nvPicPr>
+          <p:cNvPr id="41" name="Graphic 40">
+            <a:extLst>
+              <a:ext uri="{FF2B5EF4-FFF2-40B4-BE49-F238E27FC236}">
+                <a16:creationId xmlns:a16="http://schemas.microsoft.com/office/drawing/2014/main" id="{8BD0806B-43F4-4F5B-08B4-2479482222DB}"/>
+              </a:ext>
+            </a:extLst>
+          </p:cNvPr>
+          <p:cNvPicPr>
+            <a:picLocks noChangeAspect="1"/>
+          </p:cNvPicPr>
+          <p:nvPr/>
+        </p:nvPicPr>
+        <p:blipFill>
+          <a:blip r:embed="rId20">
+            <a:extLst>
+              <a:ext uri="{96DAC541-7B7A-43D3-8B79-37D633B846F1}">
+                <asvg:svgBlip xmlns:asvg="http://schemas.microsoft.com/office/drawing/2016/SVG/main" r:embed="rId21"/>
+              </a:ext>
+            </a:extLst>
+          </a:blip>
+          <a:stretch>
+            <a:fillRect/>
+          </a:stretch>
+        </p:blipFill>
+        <p:spPr>
+          <a:xfrm>
+            <a:off x="13271044" y="270416"/>
+            <a:ext cx="892053" cy="483195"/>
+          </a:xfrm>
+          <a:prstGeom prst="rect">
+            <a:avLst/>
+          </a:prstGeom>
+        </p:spPr>
+      </p:pic>
+      <p:sp>
+        <p:nvSpPr>
+          <p:cNvPr id="42" name="Left Brace 41">
+            <a:extLst>
+              <a:ext uri="{FF2B5EF4-FFF2-40B4-BE49-F238E27FC236}">
+                <a16:creationId xmlns:a16="http://schemas.microsoft.com/office/drawing/2014/main" id="{A3557AD9-B298-C14F-6B92-72B49CFB0FF8}"/>
               </a:ext>
             </a:extLst>
           </p:cNvPr>
@@ -5757,11 +5838,14 @@
         </p:nvSpPr>
         <p:spPr>
           <a:xfrm rot="5400000">
-            <a:off x="13086418" y="-101395"/>
-            <a:ext cx="401565" cy="1719937"/>
+            <a:off x="13437215" y="338356"/>
+            <a:ext cx="401565" cy="1866577"/>
           </a:xfrm>
           <a:prstGeom prst="leftBrace">
-            <a:avLst/>
+            <a:avLst>
+              <a:gd name="adj1" fmla="val 54647"/>
+              <a:gd name="adj2" fmla="val 50000"/>
+            </a:avLst>
           </a:prstGeom>
           <a:ln w="12700">
             <a:solidFill>
@@ -5790,16 +5874,22 @@
           <a:lstStyle/>
           <a:p>
             <a:pPr algn="ctr"/>
-            <a:endParaRPr lang="en-GB"/>
-          </a:p>
-        </p:txBody>
-      </p:sp>
-      <p:sp>
-        <p:nvSpPr>
-          <p:cNvPr id="18" name="Left Brace 17">
-            <a:extLst>
-              <a:ext uri="{FF2B5EF4-FFF2-40B4-BE49-F238E27FC236}">
-                <a16:creationId xmlns:a16="http://schemas.microsoft.com/office/drawing/2014/main" id="{B27FED24-1928-2862-BBAA-3A0C2CCDB423}"/>
+            <a:endParaRPr lang="en-GB">
+              <a:solidFill>
+                <a:schemeClr val="bg2">
+                  <a:lumMod val="50000"/>
+                </a:schemeClr>
+              </a:solidFill>
+            </a:endParaRPr>
+          </a:p>
+        </p:txBody>
+      </p:sp>
+      <p:sp>
+        <p:nvSpPr>
+          <p:cNvPr id="43" name="Left Brace 42">
+            <a:extLst>
+              <a:ext uri="{FF2B5EF4-FFF2-40B4-BE49-F238E27FC236}">
+                <a16:creationId xmlns:a16="http://schemas.microsoft.com/office/drawing/2014/main" id="{35396AAE-914D-6B1B-1F9F-8114C9D8F557}"/>
               </a:ext>
             </a:extLst>
           </p:cNvPr>
@@ -5808,11 +5898,14 @@
         </p:nvSpPr>
         <p:spPr>
           <a:xfrm rot="5400000">
-            <a:off x="16191758" y="-196906"/>
-            <a:ext cx="404808" cy="1886622"/>
+            <a:off x="6396235" y="385578"/>
+            <a:ext cx="401565" cy="1765534"/>
           </a:xfrm>
           <a:prstGeom prst="leftBrace">
-            <a:avLst/>
+            <a:avLst>
+              <a:gd name="adj1" fmla="val 54647"/>
+              <a:gd name="adj2" fmla="val 50000"/>
+            </a:avLst>
           </a:prstGeom>
           <a:ln w="12700">
             <a:solidFill>
@@ -5841,16 +5934,22 @@
           <a:lstStyle/>
           <a:p>
             <a:pPr algn="ctr"/>
-            <a:endParaRPr lang="en-GB"/>
-          </a:p>
-        </p:txBody>
-      </p:sp>
-      <p:sp>
-        <p:nvSpPr>
-          <p:cNvPr id="34" name="Left Brace 33">
-            <a:extLst>
-              <a:ext uri="{FF2B5EF4-FFF2-40B4-BE49-F238E27FC236}">
-                <a16:creationId xmlns:a16="http://schemas.microsoft.com/office/drawing/2014/main" id="{A500693C-9372-903F-65F8-40A32F3BDA69}"/>
+            <a:endParaRPr lang="en-GB">
+              <a:solidFill>
+                <a:schemeClr val="bg2">
+                  <a:lumMod val="50000"/>
+                </a:schemeClr>
+              </a:solidFill>
+            </a:endParaRPr>
+          </a:p>
+        </p:txBody>
+      </p:sp>
+      <p:sp>
+        <p:nvSpPr>
+          <p:cNvPr id="46" name="Left Brace 45">
+            <a:extLst>
+              <a:ext uri="{FF2B5EF4-FFF2-40B4-BE49-F238E27FC236}">
+                <a16:creationId xmlns:a16="http://schemas.microsoft.com/office/drawing/2014/main" id="{5EB9D6D6-E54B-7C91-7A42-C93FDFA2DA7A}"/>
               </a:ext>
             </a:extLst>
           </p:cNvPr>
@@ -5859,11 +5958,14 @@
         </p:nvSpPr>
         <p:spPr>
           <a:xfrm rot="5400000">
-            <a:off x="6029361" y="-161479"/>
-            <a:ext cx="401565" cy="1780145"/>
+            <a:off x="10243497" y="-775795"/>
+            <a:ext cx="401565" cy="4094880"/>
           </a:xfrm>
           <a:prstGeom prst="leftBrace">
-            <a:avLst/>
+            <a:avLst>
+              <a:gd name="adj1" fmla="val 54647"/>
+              <a:gd name="adj2" fmla="val 50000"/>
+            </a:avLst>
           </a:prstGeom>
           <a:ln w="12700">
             <a:solidFill>
@@ -5904,10 +6006,10 @@
       </p:sp>
       <p:sp>
         <p:nvSpPr>
-          <p:cNvPr id="36" name="Left Brace 35">
-            <a:extLst>
-              <a:ext uri="{FF2B5EF4-FFF2-40B4-BE49-F238E27FC236}">
-                <a16:creationId xmlns:a16="http://schemas.microsoft.com/office/drawing/2014/main" id="{2B6D5801-D354-EB4D-FB66-155B9A5619ED}"/>
+          <p:cNvPr id="47" name="Left Brace 46">
+            <a:extLst>
+              <a:ext uri="{FF2B5EF4-FFF2-40B4-BE49-F238E27FC236}">
+                <a16:creationId xmlns:a16="http://schemas.microsoft.com/office/drawing/2014/main" id="{253B345E-FA03-97ED-B8FB-5EFB9A6EF426}"/>
               </a:ext>
             </a:extLst>
           </p:cNvPr>
@@ -5916,11 +6018,14 @@
         </p:nvSpPr>
         <p:spPr>
           <a:xfrm rot="5400000">
-            <a:off x="3733268" y="-408471"/>
-            <a:ext cx="401565" cy="2281463"/>
+            <a:off x="4176996" y="116934"/>
+            <a:ext cx="401565" cy="2293835"/>
           </a:xfrm>
           <a:prstGeom prst="leftBrace">
-            <a:avLst/>
+            <a:avLst>
+              <a:gd name="adj1" fmla="val 54647"/>
+              <a:gd name="adj2" fmla="val 50000"/>
+            </a:avLst>
           </a:prstGeom>
           <a:ln w="12700">
             <a:solidFill>
@@ -5961,10 +6066,10 @@
       </p:sp>
       <p:sp>
         <p:nvSpPr>
-          <p:cNvPr id="37" name="Left Brace 36">
-            <a:extLst>
-              <a:ext uri="{FF2B5EF4-FFF2-40B4-BE49-F238E27FC236}">
-                <a16:creationId xmlns:a16="http://schemas.microsoft.com/office/drawing/2014/main" id="{5A90FA2B-3577-BA8A-6BE1-A8A5519B6D1D}"/>
+          <p:cNvPr id="50" name="Left Brace 49">
+            <a:extLst>
+              <a:ext uri="{FF2B5EF4-FFF2-40B4-BE49-F238E27FC236}">
+                <a16:creationId xmlns:a16="http://schemas.microsoft.com/office/drawing/2014/main" id="{E73F7508-2058-54F2-F18E-C52840D2E8B5}"/>
               </a:ext>
             </a:extLst>
           </p:cNvPr>
@@ -5973,11 +6078,14 @@
         </p:nvSpPr>
         <p:spPr>
           <a:xfrm rot="5400000">
-            <a:off x="1036767" y="-208749"/>
-            <a:ext cx="401565" cy="1949612"/>
+            <a:off x="16577072" y="211321"/>
+            <a:ext cx="401565" cy="1969571"/>
           </a:xfrm>
           <a:prstGeom prst="leftBrace">
-            <a:avLst/>
+            <a:avLst>
+              <a:gd name="adj1" fmla="val 54647"/>
+              <a:gd name="adj2" fmla="val 50000"/>
+            </a:avLst>
           </a:prstGeom>
           <a:ln w="12700">
             <a:solidFill>
@@ -6016,78 +6124,6 @@
           </a:p>
         </p:txBody>
       </p:sp>
-      <p:pic>
-        <p:nvPicPr>
-          <p:cNvPr id="39" name="Graphic 38">
-            <a:extLst>
-              <a:ext uri="{FF2B5EF4-FFF2-40B4-BE49-F238E27FC236}">
-                <a16:creationId xmlns:a16="http://schemas.microsoft.com/office/drawing/2014/main" id="{C812DAE0-D816-2915-43D1-109F2D07B237}"/>
-              </a:ext>
-            </a:extLst>
-          </p:cNvPr>
-          <p:cNvPicPr>
-            <a:picLocks noChangeAspect="1"/>
-          </p:cNvPicPr>
-          <p:nvPr/>
-        </p:nvPicPr>
-        <p:blipFill>
-          <a:blip r:embed="rId18">
-            <a:extLst>
-              <a:ext uri="{96DAC541-7B7A-43D3-8B79-37D633B846F1}">
-                <asvg:svgBlip xmlns:asvg="http://schemas.microsoft.com/office/drawing/2016/SVG/main" r:embed="rId19"/>
-              </a:ext>
-            </a:extLst>
-          </a:blip>
-          <a:stretch>
-            <a:fillRect/>
-          </a:stretch>
-        </p:blipFill>
-        <p:spPr>
-          <a:xfrm>
-            <a:off x="841774" y="82771"/>
-            <a:ext cx="897212" cy="485990"/>
-          </a:xfrm>
-          <a:prstGeom prst="rect">
-            <a:avLst/>
-          </a:prstGeom>
-        </p:spPr>
-      </p:pic>
-      <p:pic>
-        <p:nvPicPr>
-          <p:cNvPr id="41" name="Graphic 40">
-            <a:extLst>
-              <a:ext uri="{FF2B5EF4-FFF2-40B4-BE49-F238E27FC236}">
-                <a16:creationId xmlns:a16="http://schemas.microsoft.com/office/drawing/2014/main" id="{8BD0806B-43F4-4F5B-08B4-2479482222DB}"/>
-              </a:ext>
-            </a:extLst>
-          </p:cNvPr>
-          <p:cNvPicPr>
-            <a:picLocks noChangeAspect="1"/>
-          </p:cNvPicPr>
-          <p:nvPr/>
-        </p:nvPicPr>
-        <p:blipFill>
-          <a:blip r:embed="rId20">
-            <a:extLst>
-              <a:ext uri="{96DAC541-7B7A-43D3-8B79-37D633B846F1}">
-                <asvg:svgBlip xmlns:asvg="http://schemas.microsoft.com/office/drawing/2016/SVG/main" r:embed="rId21"/>
-              </a:ext>
-            </a:extLst>
-          </a:blip>
-          <a:stretch>
-            <a:fillRect/>
-          </a:stretch>
-        </p:blipFill>
-        <p:spPr>
-          <a:xfrm>
-            <a:off x="12905759" y="52381"/>
-            <a:ext cx="892053" cy="483195"/>
-          </a:xfrm>
-          <a:prstGeom prst="rect">
-            <a:avLst/>
-          </a:prstGeom>
-        </p:spPr>
-      </p:pic>
     </p:spTree>
     <p:extLst>
       <p:ext uri="{BB962C8B-B14F-4D97-AF65-F5344CB8AC3E}">

--- a/figures/fmm-diagram.pptx
+++ b/figures/fmm-diagram.pptx
@@ -2996,7 +2996,7 @@
         <p:spPr>
           <a:xfrm>
             <a:off x="12508558" y="996744"/>
-            <a:ext cx="2082838" cy="2082838"/>
+            <a:ext cx="2084400" cy="2084400"/>
           </a:xfrm>
           <a:prstGeom prst="rect">
             <a:avLst/>
@@ -3005,10 +3005,10 @@
       </p:pic>
       <p:pic>
         <p:nvPicPr>
-          <p:cNvPr id="44" name="Picture 43">
-            <a:extLst>
-              <a:ext uri="{FF2B5EF4-FFF2-40B4-BE49-F238E27FC236}">
-                <a16:creationId xmlns:a16="http://schemas.microsoft.com/office/drawing/2014/main" id="{8CFFE07C-3AA1-E761-8AFB-09195406D6AB}"/>
+          <p:cNvPr id="15" name="Picture 14">
+            <a:extLst>
+              <a:ext uri="{FF2B5EF4-FFF2-40B4-BE49-F238E27FC236}">
+                <a16:creationId xmlns:a16="http://schemas.microsoft.com/office/drawing/2014/main" id="{532409A3-0120-15B4-57C1-3DEDF37F02CF}"/>
               </a:ext>
             </a:extLst>
           </p:cNvPr>
@@ -3025,8 +3025,8 @@
         </p:blipFill>
         <p:spPr>
           <a:xfrm>
-            <a:off x="15690639" y="1352896"/>
-            <a:ext cx="2083818" cy="2083818"/>
+            <a:off x="441375" y="1174881"/>
+            <a:ext cx="2084400" cy="2084400"/>
           </a:xfrm>
           <a:prstGeom prst="rect">
             <a:avLst/>
@@ -3035,10 +3035,10 @@
       </p:pic>
       <p:pic>
         <p:nvPicPr>
-          <p:cNvPr id="51" name="Picture 50">
-            <a:extLst>
-              <a:ext uri="{FF2B5EF4-FFF2-40B4-BE49-F238E27FC236}">
-                <a16:creationId xmlns:a16="http://schemas.microsoft.com/office/drawing/2014/main" id="{0D90282C-7DEF-083D-BB27-7521F4BEC39E}"/>
+          <p:cNvPr id="44" name="Picture 43">
+            <a:extLst>
+              <a:ext uri="{FF2B5EF4-FFF2-40B4-BE49-F238E27FC236}">
+                <a16:creationId xmlns:a16="http://schemas.microsoft.com/office/drawing/2014/main" id="{8CFFE07C-3AA1-E761-8AFB-09195406D6AB}"/>
               </a:ext>
             </a:extLst>
           </p:cNvPr>
@@ -3055,7 +3055,7 @@
         </p:blipFill>
         <p:spPr>
           <a:xfrm>
-            <a:off x="15678822" y="4894947"/>
+            <a:off x="15690639" y="1352896"/>
             <a:ext cx="2083818" cy="2083818"/>
           </a:xfrm>
           <a:prstGeom prst="rect">
@@ -3065,10 +3065,10 @@
       </p:pic>
       <p:pic>
         <p:nvPicPr>
-          <p:cNvPr id="53" name="Picture 52">
-            <a:extLst>
-              <a:ext uri="{FF2B5EF4-FFF2-40B4-BE49-F238E27FC236}">
-                <a16:creationId xmlns:a16="http://schemas.microsoft.com/office/drawing/2014/main" id="{43D03433-F1A1-9B01-881B-F31F6A46443F}"/>
+          <p:cNvPr id="51" name="Picture 50">
+            <a:extLst>
+              <a:ext uri="{FF2B5EF4-FFF2-40B4-BE49-F238E27FC236}">
+                <a16:creationId xmlns:a16="http://schemas.microsoft.com/office/drawing/2014/main" id="{0D90282C-7DEF-083D-BB27-7521F4BEC39E}"/>
               </a:ext>
             </a:extLst>
           </p:cNvPr>
@@ -3085,7 +3085,67 @@
         </p:blipFill>
         <p:spPr>
           <a:xfrm>
+            <a:off x="15678822" y="4894947"/>
+            <a:ext cx="2083818" cy="2083818"/>
+          </a:xfrm>
+          <a:prstGeom prst="rect">
+            <a:avLst/>
+          </a:prstGeom>
+        </p:spPr>
+      </p:pic>
+      <p:pic>
+        <p:nvPicPr>
+          <p:cNvPr id="53" name="Picture 52">
+            <a:extLst>
+              <a:ext uri="{FF2B5EF4-FFF2-40B4-BE49-F238E27FC236}">
+                <a16:creationId xmlns:a16="http://schemas.microsoft.com/office/drawing/2014/main" id="{43D03433-F1A1-9B01-881B-F31F6A46443F}"/>
+              </a:ext>
+            </a:extLst>
+          </p:cNvPr>
+          <p:cNvPicPr>
+            <a:picLocks noChangeAspect="1"/>
+          </p:cNvPicPr>
+          <p:nvPr/>
+        </p:nvPicPr>
+        <p:blipFill>
+          <a:blip r:embed="rId6"/>
+          <a:stretch>
+            <a:fillRect/>
+          </a:stretch>
+        </p:blipFill>
+        <p:spPr>
+          <a:xfrm>
             <a:off x="15613225" y="6061456"/>
+            <a:ext cx="2083818" cy="2083818"/>
+          </a:xfrm>
+          <a:prstGeom prst="rect">
+            <a:avLst/>
+          </a:prstGeom>
+        </p:spPr>
+      </p:pic>
+      <p:pic>
+        <p:nvPicPr>
+          <p:cNvPr id="17" name="Picture 16">
+            <a:extLst>
+              <a:ext uri="{FF2B5EF4-FFF2-40B4-BE49-F238E27FC236}">
+                <a16:creationId xmlns:a16="http://schemas.microsoft.com/office/drawing/2014/main" id="{718122D5-497F-1466-A555-DB1C47455024}"/>
+              </a:ext>
+            </a:extLst>
+          </p:cNvPr>
+          <p:cNvPicPr>
+            <a:picLocks noChangeAspect="1"/>
+          </p:cNvPicPr>
+          <p:nvPr/>
+        </p:nvPicPr>
+        <p:blipFill>
+          <a:blip r:embed="rId7"/>
+          <a:stretch>
+            <a:fillRect/>
+          </a:stretch>
+        </p:blipFill>
+        <p:spPr>
+          <a:xfrm>
+            <a:off x="441300" y="2138952"/>
             <a:ext cx="2083818" cy="2083818"/>
           </a:xfrm>
           <a:prstGeom prst="rect">
@@ -3108,10 +3168,10 @@
           <p:nvPr/>
         </p:nvPicPr>
         <p:blipFill>
-          <a:blip r:embed="rId6">
+          <a:blip r:embed="rId8">
             <a:extLst>
               <a:ext uri="{96DAC541-7B7A-43D3-8B79-37D633B846F1}">
-                <asvg:svgBlip xmlns:asvg="http://schemas.microsoft.com/office/drawing/2016/SVG/main" r:embed="rId7"/>
+                <asvg:svgBlip xmlns:asvg="http://schemas.microsoft.com/office/drawing/2016/SVG/main" r:embed="rId9"/>
               </a:ext>
             </a:extLst>
           </a:blip>
@@ -3123,66 +3183,6 @@
           <a:xfrm>
             <a:off x="16369283" y="260392"/>
             <a:ext cx="892053" cy="527122"/>
-          </a:xfrm>
-          <a:prstGeom prst="rect">
-            <a:avLst/>
-          </a:prstGeom>
-        </p:spPr>
-      </p:pic>
-      <p:pic>
-        <p:nvPicPr>
-          <p:cNvPr id="15" name="Picture 14">
-            <a:extLst>
-              <a:ext uri="{FF2B5EF4-FFF2-40B4-BE49-F238E27FC236}">
-                <a16:creationId xmlns:a16="http://schemas.microsoft.com/office/drawing/2014/main" id="{532409A3-0120-15B4-57C1-3DEDF37F02CF}"/>
-              </a:ext>
-            </a:extLst>
-          </p:cNvPr>
-          <p:cNvPicPr>
-            <a:picLocks noChangeAspect="1"/>
-          </p:cNvPicPr>
-          <p:nvPr/>
-        </p:nvPicPr>
-        <p:blipFill>
-          <a:blip r:embed="rId8"/>
-          <a:stretch>
-            <a:fillRect/>
-          </a:stretch>
-        </p:blipFill>
-        <p:spPr>
-          <a:xfrm>
-            <a:off x="441375" y="1174881"/>
-            <a:ext cx="2083818" cy="2083818"/>
-          </a:xfrm>
-          <a:prstGeom prst="rect">
-            <a:avLst/>
-          </a:prstGeom>
-        </p:spPr>
-      </p:pic>
-      <p:pic>
-        <p:nvPicPr>
-          <p:cNvPr id="17" name="Picture 16">
-            <a:extLst>
-              <a:ext uri="{FF2B5EF4-FFF2-40B4-BE49-F238E27FC236}">
-                <a16:creationId xmlns:a16="http://schemas.microsoft.com/office/drawing/2014/main" id="{718122D5-497F-1466-A555-DB1C47455024}"/>
-              </a:ext>
-            </a:extLst>
-          </p:cNvPr>
-          <p:cNvPicPr>
-            <a:picLocks noChangeAspect="1"/>
-          </p:cNvPicPr>
-          <p:nvPr/>
-        </p:nvPicPr>
-        <p:blipFill>
-          <a:blip r:embed="rId9"/>
-          <a:stretch>
-            <a:fillRect/>
-          </a:stretch>
-        </p:blipFill>
-        <p:spPr>
-          <a:xfrm>
-            <a:off x="441300" y="2138952"/>
-            <a:ext cx="2083818" cy="2083818"/>
           </a:xfrm>
           <a:prstGeom prst="rect">
             <a:avLst/>
@@ -3443,8 +3443,8 @@
         </p:nvSpPr>
         <p:spPr>
           <a:xfrm>
-            <a:off x="15793068" y="1715936"/>
-            <a:ext cx="522514" cy="5841310"/>
+            <a:off x="15793068" y="1626633"/>
+            <a:ext cx="522514" cy="5930613"/>
           </a:xfrm>
           <a:prstGeom prst="leftBracket">
             <a:avLst/>
@@ -3488,8 +3488,8 @@
         </p:nvSpPr>
         <p:spPr>
           <a:xfrm flipH="1">
-            <a:off x="17231675" y="1715937"/>
-            <a:ext cx="522513" cy="5841318"/>
+            <a:off x="17231674" y="1626634"/>
+            <a:ext cx="522513" cy="5930621"/>
           </a:xfrm>
           <a:prstGeom prst="leftBracket">
             <a:avLst/>
@@ -3632,7 +3632,7 @@
         </p:nvSpPr>
         <p:spPr>
           <a:xfrm>
-            <a:off x="3471636" y="2092395"/>
+            <a:off x="3435204" y="2092395"/>
             <a:ext cx="616449" cy="630942"/>
           </a:xfrm>
           <a:prstGeom prst="rect">
@@ -3672,7 +3672,7 @@
         </p:nvSpPr>
         <p:spPr>
           <a:xfrm>
-            <a:off x="3612198" y="3879750"/>
+            <a:off x="3575766" y="3879750"/>
             <a:ext cx="163592" cy="1477328"/>
           </a:xfrm>
           <a:prstGeom prst="rect">
@@ -3731,7 +3731,7 @@
         </p:nvSpPr>
         <p:spPr>
           <a:xfrm>
-            <a:off x="3472524" y="6887131"/>
+            <a:off x="3436092" y="6887131"/>
             <a:ext cx="616449" cy="630942"/>
           </a:xfrm>
           <a:prstGeom prst="rect">
@@ -3771,7 +3771,7 @@
         </p:nvSpPr>
         <p:spPr>
           <a:xfrm>
-            <a:off x="4288341" y="2092395"/>
+            <a:off x="4251909" y="2092395"/>
             <a:ext cx="988963" cy="630942"/>
           </a:xfrm>
           <a:prstGeom prst="rect">
@@ -3814,7 +3814,7 @@
         </p:nvSpPr>
         <p:spPr>
           <a:xfrm>
-            <a:off x="4759566" y="3847371"/>
+            <a:off x="4723134" y="3847371"/>
             <a:ext cx="179265" cy="1477328"/>
           </a:xfrm>
           <a:prstGeom prst="rect">
@@ -3882,7 +3882,7 @@
         </p:nvSpPr>
         <p:spPr>
           <a:xfrm>
-            <a:off x="4362502" y="6887131"/>
+            <a:off x="4326070" y="6887131"/>
             <a:ext cx="878149" cy="630942"/>
           </a:xfrm>
           <a:prstGeom prst="rect">
@@ -4191,7 +4191,7 @@
         </p:nvSpPr>
         <p:spPr>
           <a:xfrm>
-            <a:off x="3463081" y="2942940"/>
+            <a:off x="3426649" y="2942940"/>
             <a:ext cx="616449" cy="630942"/>
           </a:xfrm>
           <a:prstGeom prst="rect">
@@ -4231,7 +4231,7 @@
         </p:nvSpPr>
         <p:spPr>
           <a:xfrm>
-            <a:off x="4362500" y="2942940"/>
+            <a:off x="4326068" y="2942940"/>
             <a:ext cx="830738" cy="630942"/>
           </a:xfrm>
           <a:prstGeom prst="rect">
@@ -4274,7 +4274,7 @@
         </p:nvSpPr>
         <p:spPr>
           <a:xfrm>
-            <a:off x="3479539" y="5893780"/>
+            <a:off x="3443107" y="5893780"/>
             <a:ext cx="616449" cy="630942"/>
           </a:xfrm>
           <a:prstGeom prst="rect">
@@ -4314,7 +4314,7 @@
         </p:nvSpPr>
         <p:spPr>
           <a:xfrm>
-            <a:off x="4307945" y="5893780"/>
+            <a:off x="4271513" y="5893780"/>
             <a:ext cx="953458" cy="630942"/>
           </a:xfrm>
           <a:prstGeom prst="rect">
@@ -5850,7 +5850,7 @@
           <a:ln w="12700">
             <a:solidFill>
               <a:schemeClr val="bg2">
-                <a:lumMod val="25000"/>
+                <a:lumMod val="50000"/>
               </a:schemeClr>
             </a:solidFill>
           </a:ln>
@@ -5898,8 +5898,8 @@
         </p:nvSpPr>
         <p:spPr>
           <a:xfrm rot="5400000">
-            <a:off x="6396235" y="385578"/>
-            <a:ext cx="401565" cy="1765534"/>
+            <a:off x="6388930" y="380800"/>
+            <a:ext cx="401565" cy="1780145"/>
           </a:xfrm>
           <a:prstGeom prst="leftBrace">
             <a:avLst>
@@ -5910,7 +5910,7 @@
           <a:ln w="12700">
             <a:solidFill>
               <a:schemeClr val="bg2">
-                <a:lumMod val="25000"/>
+                <a:lumMod val="50000"/>
               </a:schemeClr>
             </a:solidFill>
           </a:ln>
@@ -5958,8 +5958,8 @@
         </p:nvSpPr>
         <p:spPr>
           <a:xfrm rot="5400000">
-            <a:off x="10243497" y="-775795"/>
-            <a:ext cx="401565" cy="4094880"/>
+            <a:off x="10226658" y="-775794"/>
+            <a:ext cx="401565" cy="4094882"/>
           </a:xfrm>
           <a:prstGeom prst="leftBrace">
             <a:avLst>
@@ -5970,7 +5970,7 @@
           <a:ln w="12700">
             <a:solidFill>
               <a:schemeClr val="bg2">
-                <a:lumMod val="25000"/>
+                <a:lumMod val="50000"/>
               </a:schemeClr>
             </a:solidFill>
           </a:ln>
@@ -6018,8 +6018,8 @@
         </p:nvSpPr>
         <p:spPr>
           <a:xfrm rot="5400000">
-            <a:off x="4176996" y="116934"/>
-            <a:ext cx="401565" cy="2293835"/>
+            <a:off x="4092925" y="123208"/>
+            <a:ext cx="401565" cy="2281287"/>
           </a:xfrm>
           <a:prstGeom prst="leftBrace">
             <a:avLst>
@@ -6030,7 +6030,7 @@
           <a:ln w="12700">
             <a:solidFill>
               <a:schemeClr val="bg2">
-                <a:lumMod val="25000"/>
+                <a:lumMod val="50000"/>
               </a:schemeClr>
             </a:solidFill>
           </a:ln>
@@ -6054,7 +6054,7 @@
           <a:lstStyle/>
           <a:p>
             <a:pPr algn="ctr"/>
-            <a:endParaRPr lang="en-GB">
+            <a:endParaRPr lang="en-GB" dirty="0">
               <a:solidFill>
                 <a:schemeClr val="bg2">
                   <a:lumMod val="50000"/>
@@ -6078,7 +6078,7 @@
         </p:nvSpPr>
         <p:spPr>
           <a:xfrm rot="5400000">
-            <a:off x="16577072" y="211321"/>
+            <a:off x="16577072" y="273062"/>
             <a:ext cx="401565" cy="1969571"/>
           </a:xfrm>
           <a:prstGeom prst="leftBrace">
@@ -6090,7 +6090,7 @@
           <a:ln w="12700">
             <a:solidFill>
               <a:schemeClr val="bg2">
-                <a:lumMod val="25000"/>
+                <a:lumMod val="50000"/>
               </a:schemeClr>
             </a:solidFill>
           </a:ln>
@@ -6114,7 +6114,7 @@
           <a:lstStyle/>
           <a:p>
             <a:pPr algn="ctr"/>
-            <a:endParaRPr lang="en-GB">
+            <a:endParaRPr lang="en-GB" dirty="0">
               <a:solidFill>
                 <a:schemeClr val="bg2">
                   <a:lumMod val="50000"/>
